--- a/03_Documentation/Presentation/Kick off presentation_v4.pptx
+++ b/03_Documentation/Presentation/Kick off presentation_v4.pptx
@@ -18,10 +18,10 @@
     <p:sldId id="258" r:id="rId6"/>
     <p:sldId id="259" r:id="rId7"/>
     <p:sldId id="268" r:id="rId8"/>
-    <p:sldId id="260" r:id="rId9"/>
-    <p:sldId id="261" r:id="rId10"/>
-    <p:sldId id="263" r:id="rId11"/>
-    <p:sldId id="264" r:id="rId12"/>
+    <p:sldId id="261" r:id="rId9"/>
+    <p:sldId id="263" r:id="rId10"/>
+    <p:sldId id="264" r:id="rId11"/>
+    <p:sldId id="269" r:id="rId12"/>
     <p:sldId id="262" r:id="rId13"/>
     <p:sldId id="266" r:id="rId14"/>
   </p:sldIdLst>
@@ -211,43 +211,6 @@
 </p:cmLst>
 </file>
 
-<file path=ppt/comments/comment4.xml><?xml version="1.0" encoding="utf-8"?>
-<p:cmLst xmlns:a="http://schemas.openxmlformats.org/drawingml/2006/main" xmlns:r="http://schemas.openxmlformats.org/officeDocument/2006/relationships" xmlns:p="http://schemas.openxmlformats.org/presentationml/2006/main">
-  <p:cm authorId="1" dt="2020-04-15T16:29:33.232" idx="5">
-    <p:pos x="5760" y="1793"/>
-    <p:text>PCB - LED Control, Temperature, all the connectors available for periphereals to avoid the cabeling 
-5. Basic features of SOES to evaluate the advancements and the feasibility.</p:text>
-    <p:extLst>
-      <p:ext uri="{C676402C-5697-4E1C-873F-D02D1690AC5C}">
-        <p15:threadingInfo xmlns:p15="http://schemas.microsoft.com/office/powerpoint/2012/main" timeZoneBias="-120"/>
-      </p:ext>
-    </p:extLst>
-  </p:cm>
-  <p:cm authorId="1" dt="2020-04-15T16:35:04.561" idx="6">
-    <p:pos x="5760" y="1929"/>
-    <p:text>6. Most challenging due to the concurrency of all tasks --&gt;RTOS features</p:text>
-    <p:extLst>
-      <p:ext uri="{C676402C-5697-4E1C-873F-D02D1690AC5C}">
-        <p15:threadingInfo xmlns:p15="http://schemas.microsoft.com/office/powerpoint/2012/main" timeZoneBias="-120">
-          <p15:parentCm authorId="1" idx="5"/>
-        </p15:threadingInfo>
-      </p:ext>
-    </p:extLst>
-  </p:cm>
-  <p:cm authorId="1" dt="2020-04-15T16:37:16.937" idx="7">
-    <p:pos x="5760" y="2065"/>
-    <p:text>9. Control card? with MCU mounted on it. Manufacturing challenging.</p:text>
-    <p:extLst>
-      <p:ext uri="{C676402C-5697-4E1C-873F-D02D1690AC5C}">
-        <p15:threadingInfo xmlns:p15="http://schemas.microsoft.com/office/powerpoint/2012/main" timeZoneBias="-120">
-          <p15:parentCm authorId="1" idx="5"/>
-        </p15:threadingInfo>
-      </p:ext>
-    </p:extLst>
-  </p:cm>
-</p:cmLst>
-</file>
-
 <file path=ppt/handoutMasters/handoutMaster1.xml><?xml version="1.0" encoding="utf-8"?>
 <p:handoutMaster xmlns:a="http://schemas.openxmlformats.org/drawingml/2006/main" xmlns:r="http://schemas.openxmlformats.org/officeDocument/2006/relationships" xmlns:p="http://schemas.openxmlformats.org/presentationml/2006/main">
   <p:cSld>
@@ -330,7 +293,7 @@
           <a:p>
             <a:fld id="{5D07677B-E531-4191-829F-DF2144B18231}" type="datetimeFigureOut">
               <a:rPr lang="en-US" smtClean="0"/>
-              <a:t>4/22/2020</a:t>
+              <a:t>4/28/2020</a:t>
             </a:fld>
             <a:endParaRPr lang="en-US"/>
           </a:p>
@@ -496,7 +459,7 @@
           <a:p>
             <a:fld id="{43ACC4BB-A323-47D2-82BA-F9979254520A}" type="datetimeFigureOut">
               <a:rPr lang="en-US" smtClean="0"/>
-              <a:t>4/22/2020</a:t>
+              <a:t>4/28/2020</a:t>
             </a:fld>
             <a:endParaRPr lang="en-US"/>
           </a:p>
@@ -894,6 +857,396 @@
           <a:lstStyle/>
           <a:p>
             <a:r>
+              <a:rPr lang="en-US" sz="1200" b="0" i="0" kern="1200" dirty="0" err="1" smtClean="0">
+                <a:solidFill>
+                  <a:schemeClr val="tx1"/>
+                </a:solidFill>
+                <a:effectLst/>
+                <a:latin typeface="+mn-lt"/>
+                <a:ea typeface="+mn-ea"/>
+                <a:cs typeface="+mn-cs"/>
+              </a:rPr>
+              <a:t>Multiconnectivity</a:t>
+            </a:r>
+            <a:r>
+              <a:rPr lang="en-US" sz="1200" b="0" i="0" kern="1200" dirty="0" smtClean="0">
+                <a:solidFill>
+                  <a:schemeClr val="tx1"/>
+                </a:solidFill>
+                <a:effectLst/>
+                <a:latin typeface="+mn-lt"/>
+                <a:ea typeface="+mn-ea"/>
+                <a:cs typeface="+mn-cs"/>
+              </a:rPr>
+              <a:t>:</a:t>
+            </a:r>
+            <a:r>
+              <a:rPr lang="en-US" sz="1200" b="0" i="0" kern="1200" baseline="0" dirty="0" smtClean="0">
+                <a:solidFill>
+                  <a:schemeClr val="tx1"/>
+                </a:solidFill>
+                <a:effectLst/>
+                <a:latin typeface="+mn-lt"/>
+                <a:ea typeface="+mn-ea"/>
+                <a:cs typeface="+mn-cs"/>
+              </a:rPr>
+              <a:t> collaborative robots, peripherals sensors and cameras, </a:t>
+            </a:r>
+            <a:r>
+              <a:rPr lang="en-US" sz="1200" b="0" i="0" kern="1200" baseline="0" dirty="0" err="1" smtClean="0">
+                <a:solidFill>
+                  <a:schemeClr val="tx1"/>
+                </a:solidFill>
+                <a:effectLst/>
+                <a:latin typeface="+mn-lt"/>
+                <a:ea typeface="+mn-ea"/>
+                <a:cs typeface="+mn-cs"/>
+              </a:rPr>
+              <a:t>hmi</a:t>
+            </a:r>
+            <a:r>
+              <a:rPr lang="en-US" sz="1200" b="0" i="0" kern="1200" baseline="0" dirty="0" smtClean="0">
+                <a:solidFill>
+                  <a:schemeClr val="tx1"/>
+                </a:solidFill>
+                <a:effectLst/>
+                <a:latin typeface="+mn-lt"/>
+                <a:ea typeface="+mn-ea"/>
+                <a:cs typeface="+mn-cs"/>
+              </a:rPr>
+              <a:t> (touchscreens) any other remote host (interfaces, protocols)*** Difference</a:t>
+            </a:r>
+          </a:p>
+          <a:p>
+            <a:endParaRPr lang="en-US" sz="1200" dirty="0" smtClean="0"/>
+          </a:p>
+          <a:p>
+            <a:r>
+              <a:rPr lang="en-US" sz="1200" dirty="0" smtClean="0"/>
+              <a:t>IEC61784 part II  as an evolution of the field buses</a:t>
+            </a:r>
+            <a:endParaRPr lang="en-US" sz="1200" b="0" i="0" kern="1200" baseline="0" dirty="0" smtClean="0">
+              <a:solidFill>
+                <a:schemeClr val="tx1"/>
+              </a:solidFill>
+              <a:effectLst/>
+              <a:latin typeface="+mn-lt"/>
+              <a:ea typeface="+mn-ea"/>
+              <a:cs typeface="+mn-cs"/>
+            </a:endParaRPr>
+          </a:p>
+          <a:p>
+            <a:r>
+              <a:rPr lang="en-US" sz="1200" b="0" i="0" kern="1200" baseline="0" dirty="0" smtClean="0">
+                <a:solidFill>
+                  <a:schemeClr val="tx1"/>
+                </a:solidFill>
+                <a:effectLst/>
+                <a:latin typeface="+mn-lt"/>
+                <a:ea typeface="+mn-ea"/>
+                <a:cs typeface="+mn-cs"/>
+              </a:rPr>
+              <a:t>Within </a:t>
+            </a:r>
+            <a:r>
+              <a:rPr lang="en-US" sz="1200" b="0" i="0" kern="1200" baseline="0" dirty="0" err="1" smtClean="0">
+                <a:solidFill>
+                  <a:schemeClr val="tx1"/>
+                </a:solidFill>
+                <a:effectLst/>
+                <a:latin typeface="+mn-lt"/>
+                <a:ea typeface="+mn-ea"/>
+                <a:cs typeface="+mn-cs"/>
+              </a:rPr>
+              <a:t>ai-ec</a:t>
+            </a:r>
+            <a:r>
+              <a:rPr lang="en-US" sz="1200" b="0" i="0" kern="1200" baseline="0" dirty="0" smtClean="0">
+                <a:solidFill>
+                  <a:schemeClr val="tx1"/>
+                </a:solidFill>
+                <a:effectLst/>
+                <a:latin typeface="+mn-lt"/>
+                <a:ea typeface="+mn-ea"/>
+                <a:cs typeface="+mn-cs"/>
+              </a:rPr>
+              <a:t>?** Communication Profiles Families – most of the private profiles/commercial protocols </a:t>
+            </a:r>
+            <a:r>
+              <a:rPr lang="en-US" sz="1200" b="0" i="0" strike="sngStrike" kern="1200" baseline="0" dirty="0" smtClean="0">
+                <a:solidFill>
+                  <a:schemeClr val="tx1"/>
+                </a:solidFill>
+                <a:effectLst/>
+                <a:latin typeface="+mn-lt"/>
+                <a:ea typeface="+mn-ea"/>
+                <a:cs typeface="+mn-cs"/>
+              </a:rPr>
+              <a:t>CAN</a:t>
+            </a:r>
+            <a:r>
+              <a:rPr lang="en-US" sz="1200" b="0" i="0" kern="1200" baseline="0" dirty="0" smtClean="0">
+                <a:solidFill>
+                  <a:schemeClr val="tx1"/>
+                </a:solidFill>
+                <a:effectLst/>
+                <a:latin typeface="+mn-lt"/>
+                <a:ea typeface="+mn-ea"/>
+                <a:cs typeface="+mn-cs"/>
+              </a:rPr>
+              <a:t>/</a:t>
+            </a:r>
+            <a:r>
+              <a:rPr lang="en-US" sz="1200" b="0" i="0" kern="1200" baseline="0" dirty="0" err="1" smtClean="0">
+                <a:solidFill>
+                  <a:schemeClr val="tx1"/>
+                </a:solidFill>
+                <a:effectLst/>
+                <a:latin typeface="+mn-lt"/>
+                <a:ea typeface="+mn-ea"/>
+                <a:cs typeface="+mn-cs"/>
+              </a:rPr>
+              <a:t>PROFibus</a:t>
+            </a:r>
+            <a:r>
+              <a:rPr lang="en-US" sz="1200" b="0" i="0" kern="1200" baseline="0" dirty="0" smtClean="0">
+                <a:solidFill>
+                  <a:schemeClr val="tx1"/>
+                </a:solidFill>
+                <a:effectLst/>
+                <a:latin typeface="+mn-lt"/>
+                <a:ea typeface="+mn-ea"/>
+                <a:cs typeface="+mn-cs"/>
+              </a:rPr>
+              <a:t>/</a:t>
+            </a:r>
+            <a:r>
+              <a:rPr lang="en-US" sz="1200" b="0" i="0" kern="1200" baseline="0" dirty="0" err="1" smtClean="0">
+                <a:solidFill>
+                  <a:schemeClr val="tx1"/>
+                </a:solidFill>
+                <a:effectLst/>
+                <a:latin typeface="+mn-lt"/>
+                <a:ea typeface="+mn-ea"/>
+                <a:cs typeface="+mn-cs"/>
+              </a:rPr>
+              <a:t>Powerlink</a:t>
+            </a:r>
+            <a:r>
+              <a:rPr lang="en-US" sz="1200" b="0" i="0" kern="1200" baseline="0" dirty="0" smtClean="0">
+                <a:solidFill>
+                  <a:schemeClr val="tx1"/>
+                </a:solidFill>
+                <a:effectLst/>
+                <a:latin typeface="+mn-lt"/>
+                <a:ea typeface="+mn-ea"/>
+                <a:cs typeface="+mn-cs"/>
+              </a:rPr>
+              <a:t>/</a:t>
+            </a:r>
+            <a:r>
+              <a:rPr lang="en-US" sz="1200" b="0" i="0" kern="1200" baseline="0" dirty="0" err="1" smtClean="0">
+                <a:solidFill>
+                  <a:schemeClr val="tx1"/>
+                </a:solidFill>
+                <a:effectLst/>
+                <a:latin typeface="+mn-lt"/>
+                <a:ea typeface="+mn-ea"/>
+                <a:cs typeface="+mn-cs"/>
+              </a:rPr>
+              <a:t>Profinet</a:t>
+            </a:r>
+            <a:r>
+              <a:rPr lang="en-US" sz="1200" b="0" i="0" kern="1200" baseline="0" dirty="0" smtClean="0">
+                <a:solidFill>
+                  <a:schemeClr val="tx1"/>
+                </a:solidFill>
+                <a:effectLst/>
+                <a:latin typeface="+mn-lt"/>
+                <a:ea typeface="+mn-ea"/>
+                <a:cs typeface="+mn-cs"/>
+              </a:rPr>
+              <a:t>/</a:t>
+            </a:r>
+            <a:r>
+              <a:rPr lang="en-US" sz="1200" b="0" i="0" kern="1200" baseline="0" dirty="0" err="1" smtClean="0">
+                <a:solidFill>
+                  <a:schemeClr val="tx1"/>
+                </a:solidFill>
+                <a:effectLst/>
+                <a:latin typeface="+mn-lt"/>
+                <a:ea typeface="+mn-ea"/>
+                <a:cs typeface="+mn-cs"/>
+              </a:rPr>
+              <a:t>EtherCAT</a:t>
+            </a:r>
+            <a:r>
+              <a:rPr lang="en-US" sz="1200" b="0" i="0" kern="1200" baseline="0" dirty="0" smtClean="0">
+                <a:solidFill>
+                  <a:schemeClr val="tx1"/>
+                </a:solidFill>
+                <a:effectLst/>
+                <a:latin typeface="+mn-lt"/>
+                <a:ea typeface="+mn-ea"/>
+                <a:cs typeface="+mn-cs"/>
+              </a:rPr>
+              <a:t>/</a:t>
+            </a:r>
+            <a:r>
+              <a:rPr lang="en-US" sz="1200" b="0" i="0" strike="sngStrike" kern="1200" baseline="0" dirty="0" err="1" smtClean="0">
+                <a:solidFill>
+                  <a:schemeClr val="tx1"/>
+                </a:solidFill>
+                <a:effectLst/>
+                <a:latin typeface="+mn-lt"/>
+                <a:ea typeface="+mn-ea"/>
+                <a:cs typeface="+mn-cs"/>
+              </a:rPr>
+              <a:t>DeviceNet</a:t>
+            </a:r>
+            <a:r>
+              <a:rPr lang="en-US" sz="1200" b="0" i="0" kern="1200" baseline="0" dirty="0" smtClean="0">
+                <a:solidFill>
+                  <a:schemeClr val="tx1"/>
+                </a:solidFill>
+                <a:effectLst/>
+                <a:latin typeface="+mn-lt"/>
+                <a:ea typeface="+mn-ea"/>
+                <a:cs typeface="+mn-cs"/>
+              </a:rPr>
+              <a:t> are addressed</a:t>
+            </a:r>
+          </a:p>
+          <a:p>
+            <a:endParaRPr lang="en-US" sz="1200" b="0" i="0" kern="1200" baseline="0" dirty="0" smtClean="0">
+              <a:solidFill>
+                <a:schemeClr val="tx1"/>
+              </a:solidFill>
+              <a:effectLst/>
+              <a:latin typeface="+mn-lt"/>
+              <a:ea typeface="+mn-ea"/>
+              <a:cs typeface="+mn-cs"/>
+            </a:endParaRPr>
+          </a:p>
+          <a:p>
+            <a:r>
+              <a:rPr lang="en-US" sz="1200" b="0" i="0" kern="1200" baseline="0" dirty="0" smtClean="0">
+                <a:solidFill>
+                  <a:schemeClr val="tx1"/>
+                </a:solidFill>
+                <a:effectLst/>
+                <a:latin typeface="+mn-lt"/>
+                <a:ea typeface="+mn-ea"/>
+                <a:cs typeface="+mn-cs"/>
+              </a:rPr>
+              <a:t>Within the set of data -&gt; Time Sensitive Data -&gt; Data that needs to meet strict time deadlines to ensure the right functionality of the whole system.</a:t>
+            </a:r>
+          </a:p>
+          <a:p>
+            <a:r>
+              <a:rPr lang="en-US" sz="1200" b="0" i="0" kern="1200" baseline="0" dirty="0" smtClean="0">
+                <a:solidFill>
+                  <a:schemeClr val="tx1"/>
+                </a:solidFill>
+                <a:effectLst/>
+                <a:latin typeface="+mn-lt"/>
+                <a:ea typeface="+mn-ea"/>
+                <a:cs typeface="+mn-cs"/>
+              </a:rPr>
+              <a:t>The need was already in the industry but it increases as the networks get more complex and diverse and when the market/research offers constantly more and more devices which can or not have RT processing. However, data stream in the network must ensure that the RT Data is not affected by the traffic.</a:t>
+            </a:r>
+          </a:p>
+          <a:p>
+            <a:r>
+              <a:rPr lang="en-US" sz="1200" b="0" i="0" kern="1200" baseline="0" dirty="0" smtClean="0">
+                <a:solidFill>
+                  <a:schemeClr val="tx1"/>
+                </a:solidFill>
+                <a:effectLst/>
+                <a:latin typeface="+mn-lt"/>
+                <a:ea typeface="+mn-ea"/>
+                <a:cs typeface="+mn-cs"/>
+              </a:rPr>
+              <a:t>Robots controllers (positions, movements/speeds, time-critical actuators). 3D Cameras.</a:t>
+            </a:r>
+          </a:p>
+          <a:p>
+            <a:r>
+              <a:rPr lang="en-US" sz="1200" b="0" i="0" kern="1200" baseline="0" dirty="0" smtClean="0">
+                <a:solidFill>
+                  <a:schemeClr val="tx1"/>
+                </a:solidFill>
+                <a:effectLst/>
+                <a:latin typeface="+mn-lt"/>
+                <a:ea typeface="+mn-ea"/>
+                <a:cs typeface="+mn-cs"/>
+              </a:rPr>
+              <a:t>Rely on RT data.</a:t>
+            </a:r>
+          </a:p>
+          <a:p>
+            <a:endParaRPr lang="en-US" sz="1200" b="0" i="0" kern="1200" baseline="0" dirty="0" smtClean="0">
+              <a:solidFill>
+                <a:schemeClr val="tx1"/>
+              </a:solidFill>
+              <a:effectLst/>
+              <a:latin typeface="+mn-lt"/>
+              <a:ea typeface="+mn-ea"/>
+              <a:cs typeface="+mn-cs"/>
+            </a:endParaRPr>
+          </a:p>
+          <a:p>
+            <a:r>
+              <a:rPr lang="en-US" sz="1200" b="0" i="0" kern="1200" baseline="0" dirty="0" smtClean="0">
+                <a:solidFill>
+                  <a:schemeClr val="tx1"/>
+                </a:solidFill>
+                <a:effectLst/>
+                <a:latin typeface="+mn-lt"/>
+                <a:ea typeface="+mn-ea"/>
+                <a:cs typeface="+mn-cs"/>
+              </a:rPr>
+              <a:t>Within the market and out of it there is already tools that address compatibility with private devices/standards.</a:t>
+            </a:r>
+          </a:p>
+          <a:p>
+            <a:endParaRPr lang="en-US" sz="1200" b="0" i="0" kern="1200" baseline="0" dirty="0" smtClean="0">
+              <a:solidFill>
+                <a:schemeClr val="tx1"/>
+              </a:solidFill>
+              <a:effectLst/>
+              <a:latin typeface="+mn-lt"/>
+              <a:ea typeface="+mn-ea"/>
+              <a:cs typeface="+mn-cs"/>
+            </a:endParaRPr>
+          </a:p>
+          <a:p>
+            <a:endParaRPr lang="en-US" sz="1200" b="0" i="0" kern="1200" dirty="0" smtClean="0">
+              <a:solidFill>
+                <a:schemeClr val="tx1"/>
+              </a:solidFill>
+              <a:effectLst/>
+              <a:latin typeface="+mn-lt"/>
+              <a:ea typeface="+mn-ea"/>
+              <a:cs typeface="+mn-cs"/>
+            </a:endParaRPr>
+          </a:p>
+          <a:p>
+            <a:r>
+              <a:rPr lang="en-US" sz="1200" b="0" i="0" kern="1200" dirty="0" smtClean="0">
+                <a:solidFill>
+                  <a:schemeClr val="tx1"/>
+                </a:solidFill>
+                <a:effectLst/>
+                <a:latin typeface="+mn-lt"/>
+                <a:ea typeface="+mn-ea"/>
+                <a:cs typeface="+mn-cs"/>
+              </a:rPr>
+              <a:t>----------------</a:t>
+            </a:r>
+          </a:p>
+          <a:p>
+            <a:r>
               <a:rPr lang="en-US" sz="1200" b="0" i="0" kern="1200" dirty="0" smtClean="0">
                 <a:solidFill>
                   <a:schemeClr val="tx1"/>
@@ -1115,7 +1468,541 @@
           <a:p>
             <a:r>
               <a:rPr lang="en-US" dirty="0" smtClean="0"/>
-              <a:t>Started during the early 2000s (evolution of the field buses)</a:t>
+              <a:t>We have open source tools that now can provide a</a:t>
+            </a:r>
+            <a:r>
+              <a:rPr lang="en-US" baseline="0" dirty="0" smtClean="0"/>
+              <a:t> reliable framework to design on top of them</a:t>
+            </a:r>
+          </a:p>
+          <a:p>
+            <a:r>
+              <a:rPr lang="en-US" baseline="0" dirty="0" err="1" smtClean="0"/>
+              <a:t>Usch</a:t>
+            </a:r>
+            <a:r>
+              <a:rPr lang="en-US" baseline="0" dirty="0" smtClean="0"/>
+              <a:t> that they can be tested against the international standards and also with compatibility with the “</a:t>
+            </a:r>
+            <a:r>
+              <a:rPr lang="en-US" baseline="0" dirty="0" err="1" smtClean="0"/>
+              <a:t>parivit</a:t>
+            </a:r>
+            <a:r>
+              <a:rPr lang="en-US" baseline="0" dirty="0" smtClean="0"/>
+              <a:t>” vendors.</a:t>
+            </a:r>
+          </a:p>
+          <a:p>
+            <a:endParaRPr lang="en-US" baseline="0" dirty="0" smtClean="0"/>
+          </a:p>
+          <a:p>
+            <a:r>
+              <a:rPr lang="en-US" baseline="0" dirty="0" smtClean="0"/>
+              <a:t>As history dictates, vendor protected technology have a limit when there are lots of possibilities a non standards.</a:t>
+            </a:r>
+          </a:p>
+          <a:p>
+            <a:endParaRPr lang="en-US" dirty="0" smtClean="0"/>
+          </a:p>
+          <a:p>
+            <a:endParaRPr lang="en-US" dirty="0" smtClean="0"/>
+          </a:p>
+          <a:p>
+            <a:r>
+              <a:rPr lang="en-US" dirty="0" smtClean="0"/>
+              <a:t>By 2008 </a:t>
+            </a:r>
+            <a:r>
+              <a:rPr lang="en-US" sz="1200" b="0" i="0" kern="1200" dirty="0" smtClean="0">
+                <a:solidFill>
+                  <a:schemeClr val="tx1"/>
+                </a:solidFill>
+                <a:effectLst/>
+                <a:latin typeface="+mn-lt"/>
+                <a:ea typeface="+mn-ea"/>
+                <a:cs typeface="+mn-cs"/>
+              </a:rPr>
+              <a:t>CPF 1: FOUNDATION Fieldbus</a:t>
+            </a:r>
+          </a:p>
+          <a:p>
+            <a:r>
+              <a:rPr lang="en-US" sz="1200" b="0" i="0" kern="1200" dirty="0" smtClean="0">
+                <a:solidFill>
+                  <a:schemeClr val="tx1"/>
+                </a:solidFill>
+                <a:effectLst/>
+                <a:latin typeface="+mn-lt"/>
+                <a:ea typeface="+mn-ea"/>
+                <a:cs typeface="+mn-cs"/>
+              </a:rPr>
+              <a:t>CPF 2: CIP</a:t>
+            </a:r>
+          </a:p>
+          <a:p>
+            <a:r>
+              <a:rPr lang="en-US" sz="1200" b="0" i="0" kern="1200" dirty="0" smtClean="0">
+                <a:solidFill>
+                  <a:schemeClr val="tx1"/>
+                </a:solidFill>
+                <a:effectLst/>
+                <a:latin typeface="+mn-lt"/>
+                <a:ea typeface="+mn-ea"/>
+                <a:cs typeface="+mn-cs"/>
+              </a:rPr>
+              <a:t>CPF 3: </a:t>
+            </a:r>
+            <a:r>
+              <a:rPr lang="en-US" sz="1200" b="0" i="0" u="none" strike="noStrike" kern="1200" dirty="0" smtClean="0">
+                <a:solidFill>
+                  <a:schemeClr val="tx1"/>
+                </a:solidFill>
+                <a:effectLst/>
+                <a:latin typeface="+mn-lt"/>
+                <a:ea typeface="+mn-ea"/>
+                <a:cs typeface="+mn-cs"/>
+                <a:hlinkClick r:id="rId3" tooltip="PROFIBUS"/>
+              </a:rPr>
+              <a:t>PROFIBUS</a:t>
+            </a:r>
+            <a:endParaRPr lang="en-US" sz="1200" b="0" i="0" kern="1200" dirty="0" smtClean="0">
+              <a:solidFill>
+                <a:schemeClr val="tx1"/>
+              </a:solidFill>
+              <a:effectLst/>
+              <a:latin typeface="+mn-lt"/>
+              <a:ea typeface="+mn-ea"/>
+              <a:cs typeface="+mn-cs"/>
+            </a:endParaRPr>
+          </a:p>
+          <a:p>
+            <a:r>
+              <a:rPr lang="en-US" sz="1200" b="0" i="0" kern="1200" dirty="0" smtClean="0">
+                <a:solidFill>
+                  <a:schemeClr val="tx1"/>
+                </a:solidFill>
+                <a:effectLst/>
+                <a:latin typeface="+mn-lt"/>
+                <a:ea typeface="+mn-ea"/>
+                <a:cs typeface="+mn-cs"/>
+              </a:rPr>
+              <a:t>CPF 4: P-NET</a:t>
+            </a:r>
+          </a:p>
+          <a:p>
+            <a:r>
+              <a:rPr lang="en-US" sz="1200" b="0" i="0" kern="1200" dirty="0" smtClean="0">
+                <a:solidFill>
+                  <a:schemeClr val="tx1"/>
+                </a:solidFill>
+                <a:effectLst/>
+                <a:latin typeface="+mn-lt"/>
+                <a:ea typeface="+mn-ea"/>
+                <a:cs typeface="+mn-cs"/>
+              </a:rPr>
+              <a:t>CPF 5: </a:t>
+            </a:r>
+            <a:r>
+              <a:rPr lang="en-US" sz="1200" b="0" i="0" kern="1200" dirty="0" err="1" smtClean="0">
+                <a:solidFill>
+                  <a:schemeClr val="tx1"/>
+                </a:solidFill>
+                <a:effectLst/>
+                <a:latin typeface="+mn-lt"/>
+                <a:ea typeface="+mn-ea"/>
+                <a:cs typeface="+mn-cs"/>
+              </a:rPr>
+              <a:t>WorldFIP</a:t>
+            </a:r>
+            <a:endParaRPr lang="en-US" sz="1200" b="0" i="0" kern="1200" dirty="0" smtClean="0">
+              <a:solidFill>
+                <a:schemeClr val="tx1"/>
+              </a:solidFill>
+              <a:effectLst/>
+              <a:latin typeface="+mn-lt"/>
+              <a:ea typeface="+mn-ea"/>
+              <a:cs typeface="+mn-cs"/>
+            </a:endParaRPr>
+          </a:p>
+          <a:p>
+            <a:r>
+              <a:rPr lang="en-US" sz="1200" b="0" i="0" kern="1200" dirty="0" smtClean="0">
+                <a:solidFill>
+                  <a:schemeClr val="tx1"/>
+                </a:solidFill>
+                <a:effectLst/>
+                <a:latin typeface="+mn-lt"/>
+                <a:ea typeface="+mn-ea"/>
+                <a:cs typeface="+mn-cs"/>
+              </a:rPr>
+              <a:t>CPF 6: INTERBUS</a:t>
+            </a:r>
+          </a:p>
+          <a:p>
+            <a:r>
+              <a:rPr lang="en-US" sz="1200" b="0" i="0" kern="1200" dirty="0" smtClean="0">
+                <a:solidFill>
+                  <a:schemeClr val="tx1"/>
+                </a:solidFill>
+                <a:effectLst/>
+                <a:latin typeface="+mn-lt"/>
+                <a:ea typeface="+mn-ea"/>
+                <a:cs typeface="+mn-cs"/>
+              </a:rPr>
+              <a:t>CPF 7: </a:t>
+            </a:r>
+            <a:r>
+              <a:rPr lang="en-US" sz="1200" b="0" i="0" kern="1200" dirty="0" err="1" smtClean="0">
+                <a:solidFill>
+                  <a:schemeClr val="tx1"/>
+                </a:solidFill>
+                <a:effectLst/>
+                <a:latin typeface="+mn-lt"/>
+                <a:ea typeface="+mn-ea"/>
+                <a:cs typeface="+mn-cs"/>
+              </a:rPr>
+              <a:t>SwiftNet</a:t>
+            </a:r>
+            <a:r>
+              <a:rPr lang="en-US" sz="1200" b="0" i="0" kern="1200" dirty="0" smtClean="0">
+                <a:solidFill>
+                  <a:schemeClr val="tx1"/>
+                </a:solidFill>
+                <a:effectLst/>
+                <a:latin typeface="+mn-lt"/>
+                <a:ea typeface="+mn-ea"/>
+                <a:cs typeface="+mn-cs"/>
+              </a:rPr>
+              <a:t> (withdrawn)</a:t>
+            </a:r>
+          </a:p>
+          <a:p>
+            <a:r>
+              <a:rPr lang="en-US" sz="1200" b="0" i="0" kern="1200" dirty="0" smtClean="0">
+                <a:solidFill>
+                  <a:schemeClr val="tx1"/>
+                </a:solidFill>
+                <a:effectLst/>
+                <a:latin typeface="+mn-lt"/>
+                <a:ea typeface="+mn-ea"/>
+                <a:cs typeface="+mn-cs"/>
+              </a:rPr>
+              <a:t>CPF 8: CC-Link</a:t>
+            </a:r>
+          </a:p>
+          <a:p>
+            <a:r>
+              <a:rPr lang="en-US" sz="1200" b="0" i="0" kern="1200" dirty="0" smtClean="0">
+                <a:solidFill>
+                  <a:schemeClr val="tx1"/>
+                </a:solidFill>
+                <a:effectLst/>
+                <a:latin typeface="+mn-lt"/>
+                <a:ea typeface="+mn-ea"/>
+                <a:cs typeface="+mn-cs"/>
+              </a:rPr>
+              <a:t>CPF 9: </a:t>
+            </a:r>
+            <a:r>
+              <a:rPr lang="en-US" sz="1200" b="0" i="0" u="none" strike="noStrike" kern="1200" dirty="0" smtClean="0">
+                <a:solidFill>
+                  <a:schemeClr val="tx1"/>
+                </a:solidFill>
+                <a:effectLst/>
+                <a:latin typeface="+mn-lt"/>
+                <a:ea typeface="+mn-ea"/>
+                <a:cs typeface="+mn-cs"/>
+                <a:hlinkClick r:id="rId4" tooltip="Highway Addressable Remote Transducer Protocol"/>
+              </a:rPr>
+              <a:t>HART</a:t>
+            </a:r>
+            <a:endParaRPr lang="en-US" sz="1200" b="0" i="0" kern="1200" dirty="0" smtClean="0">
+              <a:solidFill>
+                <a:schemeClr val="tx1"/>
+              </a:solidFill>
+              <a:effectLst/>
+              <a:latin typeface="+mn-lt"/>
+              <a:ea typeface="+mn-ea"/>
+              <a:cs typeface="+mn-cs"/>
+            </a:endParaRPr>
+          </a:p>
+          <a:p>
+            <a:r>
+              <a:rPr lang="en-US" sz="1200" b="0" i="0" kern="1200" dirty="0" smtClean="0">
+                <a:solidFill>
+                  <a:schemeClr val="tx1"/>
+                </a:solidFill>
+                <a:effectLst/>
+                <a:latin typeface="+mn-lt"/>
+                <a:ea typeface="+mn-ea"/>
+                <a:cs typeface="+mn-cs"/>
+              </a:rPr>
+              <a:t>CPF 10: </a:t>
+            </a:r>
+            <a:r>
+              <a:rPr lang="en-US" sz="1200" b="0" i="0" kern="1200" dirty="0" err="1" smtClean="0">
+                <a:solidFill>
+                  <a:schemeClr val="tx1"/>
+                </a:solidFill>
+                <a:effectLst/>
+                <a:latin typeface="+mn-lt"/>
+                <a:ea typeface="+mn-ea"/>
+                <a:cs typeface="+mn-cs"/>
+              </a:rPr>
+              <a:t>Vnet</a:t>
+            </a:r>
+            <a:r>
+              <a:rPr lang="en-US" sz="1200" b="0" i="0" kern="1200" dirty="0" smtClean="0">
+                <a:solidFill>
+                  <a:schemeClr val="tx1"/>
+                </a:solidFill>
+                <a:effectLst/>
+                <a:latin typeface="+mn-lt"/>
+                <a:ea typeface="+mn-ea"/>
+                <a:cs typeface="+mn-cs"/>
+              </a:rPr>
+              <a:t>/IP</a:t>
+            </a:r>
+          </a:p>
+          <a:p>
+            <a:r>
+              <a:rPr lang="en-US" sz="1200" b="0" i="0" kern="1200" dirty="0" smtClean="0">
+                <a:solidFill>
+                  <a:schemeClr val="tx1"/>
+                </a:solidFill>
+                <a:effectLst/>
+                <a:latin typeface="+mn-lt"/>
+                <a:ea typeface="+mn-ea"/>
+                <a:cs typeface="+mn-cs"/>
+              </a:rPr>
+              <a:t>CPF 11: </a:t>
+            </a:r>
+            <a:r>
+              <a:rPr lang="en-US" sz="1200" b="0" i="0" kern="1200" dirty="0" err="1" smtClean="0">
+                <a:solidFill>
+                  <a:schemeClr val="tx1"/>
+                </a:solidFill>
+                <a:effectLst/>
+                <a:latin typeface="+mn-lt"/>
+                <a:ea typeface="+mn-ea"/>
+                <a:cs typeface="+mn-cs"/>
+              </a:rPr>
+              <a:t>TCnet</a:t>
+            </a:r>
+            <a:endParaRPr lang="en-US" sz="1200" b="0" i="0" kern="1200" dirty="0" smtClean="0">
+              <a:solidFill>
+                <a:schemeClr val="tx1"/>
+              </a:solidFill>
+              <a:effectLst/>
+              <a:latin typeface="+mn-lt"/>
+              <a:ea typeface="+mn-ea"/>
+              <a:cs typeface="+mn-cs"/>
+            </a:endParaRPr>
+          </a:p>
+          <a:p>
+            <a:r>
+              <a:rPr lang="en-US" sz="1200" b="0" i="0" kern="1200" dirty="0" smtClean="0">
+                <a:solidFill>
+                  <a:schemeClr val="tx1"/>
+                </a:solidFill>
+                <a:effectLst/>
+                <a:latin typeface="+mn-lt"/>
+                <a:ea typeface="+mn-ea"/>
+                <a:cs typeface="+mn-cs"/>
+              </a:rPr>
+              <a:t>CPF 12: </a:t>
+            </a:r>
+            <a:r>
+              <a:rPr lang="en-US" sz="1200" b="0" i="0" u="none" strike="noStrike" kern="1200" dirty="0" err="1" smtClean="0">
+                <a:solidFill>
+                  <a:schemeClr val="tx1"/>
+                </a:solidFill>
+                <a:effectLst/>
+                <a:latin typeface="+mn-lt"/>
+                <a:ea typeface="+mn-ea"/>
+                <a:cs typeface="+mn-cs"/>
+                <a:hlinkClick r:id="rId5" tooltip="EtherCAT"/>
+              </a:rPr>
+              <a:t>EtherCAT</a:t>
+            </a:r>
+            <a:endParaRPr lang="en-US" sz="1200" b="0" i="0" kern="1200" dirty="0" smtClean="0">
+              <a:solidFill>
+                <a:schemeClr val="tx1"/>
+              </a:solidFill>
+              <a:effectLst/>
+              <a:latin typeface="+mn-lt"/>
+              <a:ea typeface="+mn-ea"/>
+              <a:cs typeface="+mn-cs"/>
+            </a:endParaRPr>
+          </a:p>
+          <a:p>
+            <a:r>
+              <a:rPr lang="en-US" sz="1200" b="0" i="0" kern="1200" dirty="0" smtClean="0">
+                <a:solidFill>
+                  <a:schemeClr val="tx1"/>
+                </a:solidFill>
+                <a:effectLst/>
+                <a:latin typeface="+mn-lt"/>
+                <a:ea typeface="+mn-ea"/>
+                <a:cs typeface="+mn-cs"/>
+              </a:rPr>
+              <a:t>CPF 13: </a:t>
+            </a:r>
+            <a:r>
+              <a:rPr lang="en-US" sz="1200" b="0" i="0" u="none" strike="noStrike" kern="1200" dirty="0" smtClean="0">
+                <a:solidFill>
+                  <a:schemeClr val="tx1"/>
+                </a:solidFill>
+                <a:effectLst/>
+                <a:latin typeface="+mn-lt"/>
+                <a:ea typeface="+mn-ea"/>
+                <a:cs typeface="+mn-cs"/>
+                <a:hlinkClick r:id="rId6" tooltip="Ethernet Powerlink"/>
+              </a:rPr>
+              <a:t>Ethernet </a:t>
+            </a:r>
+            <a:r>
+              <a:rPr lang="en-US" sz="1200" b="0" i="0" u="none" strike="noStrike" kern="1200" dirty="0" err="1" smtClean="0">
+                <a:solidFill>
+                  <a:schemeClr val="tx1"/>
+                </a:solidFill>
+                <a:effectLst/>
+                <a:latin typeface="+mn-lt"/>
+                <a:ea typeface="+mn-ea"/>
+                <a:cs typeface="+mn-cs"/>
+                <a:hlinkClick r:id="rId6" tooltip="Ethernet Powerlink"/>
+              </a:rPr>
+              <a:t>Powerlink</a:t>
+            </a:r>
+            <a:endParaRPr lang="en-US" sz="1200" b="0" i="0" kern="1200" dirty="0" smtClean="0">
+              <a:solidFill>
+                <a:schemeClr val="tx1"/>
+              </a:solidFill>
+              <a:effectLst/>
+              <a:latin typeface="+mn-lt"/>
+              <a:ea typeface="+mn-ea"/>
+              <a:cs typeface="+mn-cs"/>
+            </a:endParaRPr>
+          </a:p>
+          <a:p>
+            <a:r>
+              <a:rPr lang="en-US" sz="1200" b="0" i="0" kern="1200" dirty="0" smtClean="0">
+                <a:solidFill>
+                  <a:schemeClr val="tx1"/>
+                </a:solidFill>
+                <a:effectLst/>
+                <a:latin typeface="+mn-lt"/>
+                <a:ea typeface="+mn-ea"/>
+                <a:cs typeface="+mn-cs"/>
+              </a:rPr>
+              <a:t>CPF 14: EPA</a:t>
+            </a:r>
+          </a:p>
+          <a:p>
+            <a:r>
+              <a:rPr lang="en-US" sz="1200" b="0" i="0" kern="1200" dirty="0" smtClean="0">
+                <a:solidFill>
+                  <a:schemeClr val="tx1"/>
+                </a:solidFill>
+                <a:effectLst/>
+                <a:latin typeface="+mn-lt"/>
+                <a:ea typeface="+mn-ea"/>
+                <a:cs typeface="+mn-cs"/>
+              </a:rPr>
+              <a:t>CPF 15: MODBUS-RTPS</a:t>
+            </a:r>
+          </a:p>
+          <a:p>
+            <a:r>
+              <a:rPr lang="en-US" sz="1200" b="0" i="0" kern="1200" dirty="0" smtClean="0">
+                <a:solidFill>
+                  <a:schemeClr val="tx1"/>
+                </a:solidFill>
+                <a:effectLst/>
+                <a:latin typeface="+mn-lt"/>
+                <a:ea typeface="+mn-ea"/>
+                <a:cs typeface="+mn-cs"/>
+              </a:rPr>
+              <a:t>CPF 16: </a:t>
+            </a:r>
+            <a:r>
+              <a:rPr lang="en-US" sz="1200" b="0" i="0" u="none" strike="noStrike" kern="1200" dirty="0" smtClean="0">
+                <a:solidFill>
+                  <a:schemeClr val="tx1"/>
+                </a:solidFill>
+                <a:effectLst/>
+                <a:latin typeface="+mn-lt"/>
+                <a:ea typeface="+mn-ea"/>
+                <a:cs typeface="+mn-cs"/>
+                <a:hlinkClick r:id="rId7" tooltip="SERCOS"/>
+              </a:rPr>
+              <a:t>SERCOS</a:t>
+            </a:r>
+            <a:r>
+              <a:rPr lang="en-US" sz="1200" b="0" i="0" u="none" strike="noStrike" kern="1200" baseline="30000" dirty="0" smtClean="0">
+                <a:solidFill>
+                  <a:schemeClr val="tx1"/>
+                </a:solidFill>
+                <a:effectLst/>
+                <a:latin typeface="+mn-lt"/>
+                <a:ea typeface="+mn-ea"/>
+                <a:cs typeface="+mn-cs"/>
+                <a:hlinkClick r:id="rId8"/>
+              </a:rPr>
+              <a:t>[5]</a:t>
+            </a:r>
+            <a:r>
+              <a:rPr lang="en-US" sz="1200" b="0" i="0" u="none" strike="noStrike" kern="1200" baseline="30000" dirty="0" smtClean="0">
+                <a:solidFill>
+                  <a:schemeClr val="tx1"/>
+                </a:solidFill>
+                <a:effectLst/>
+                <a:latin typeface="+mn-lt"/>
+                <a:ea typeface="+mn-ea"/>
+                <a:cs typeface="+mn-cs"/>
+                <a:hlinkClick r:id="rId9"/>
+              </a:rPr>
+              <a:t>[6]</a:t>
+            </a:r>
+            <a:endParaRPr lang="en-US" sz="1200" b="0" i="0" kern="1200" dirty="0" smtClean="0">
+              <a:solidFill>
+                <a:schemeClr val="tx1"/>
+              </a:solidFill>
+              <a:effectLst/>
+              <a:latin typeface="+mn-lt"/>
+              <a:ea typeface="+mn-ea"/>
+              <a:cs typeface="+mn-cs"/>
+            </a:endParaRPr>
+          </a:p>
+          <a:p>
+            <a:endParaRPr lang="en-US" dirty="0" smtClean="0"/>
+          </a:p>
+          <a:p>
+            <a:endParaRPr lang="en-US" dirty="0" smtClean="0"/>
+          </a:p>
+          <a:p>
+            <a:endParaRPr lang="en-US" dirty="0" smtClean="0"/>
+          </a:p>
+          <a:p>
+            <a:r>
+              <a:rPr lang="en-US" dirty="0" err="1" smtClean="0"/>
+              <a:t>Device</a:t>
+            </a:r>
+            <a:r>
+              <a:rPr lang="en-US" baseline="0" dirty="0" err="1" smtClean="0"/>
+              <a:t>NET</a:t>
+            </a:r>
+            <a:r>
+              <a:rPr lang="en-US" baseline="0" dirty="0" smtClean="0"/>
+              <a:t> and CAN open were not included in IEC 61158</a:t>
+            </a:r>
+            <a:endParaRPr lang="en-US" dirty="0" smtClean="0"/>
+          </a:p>
+          <a:p>
+            <a:r>
+              <a:rPr lang="en-US" dirty="0" smtClean="0"/>
+              <a:t>RTEN Started during the early 2000s (evolution of the field buses)</a:t>
             </a:r>
           </a:p>
           <a:p>
@@ -1157,8 +2044,47 @@
           <a:p>
             <a:r>
               <a:rPr lang="en-US" dirty="0" smtClean="0"/>
-              <a:t>2 Technics to ensure RT communication: TDMA and CIP (Common Industrial Protocol – HP -&gt; UDP; LP -&gt; TCP) </a:t>
-            </a:r>
+              <a:t>2 Technics to ensure RT communication: TDMA (Time Slots to</a:t>
+            </a:r>
+            <a:r>
+              <a:rPr lang="en-US" baseline="0" dirty="0" smtClean="0"/>
+              <a:t> transmit packets</a:t>
+            </a:r>
+            <a:r>
+              <a:rPr lang="en-US" dirty="0" smtClean="0"/>
+              <a:t>) and CIP (Common Industrial Protocol  Labeled– HP -&gt; UDP; LP -&gt; TCP) </a:t>
+            </a:r>
+          </a:p>
+          <a:p>
+            <a:r>
+              <a:rPr lang="en-US" dirty="0" smtClean="0"/>
+              <a:t>TSN Group improves  </a:t>
+            </a:r>
+            <a:r>
+              <a:rPr lang="en-US" dirty="0" err="1" smtClean="0"/>
+              <a:t>initiave</a:t>
+            </a:r>
+            <a:r>
+              <a:rPr lang="en-US" dirty="0" smtClean="0"/>
+              <a:t> that started in 2012 by adding them the AVB Group</a:t>
+            </a:r>
+          </a:p>
+          <a:p>
+            <a:endParaRPr lang="en-US" dirty="0" smtClean="0"/>
+          </a:p>
+          <a:p>
+            <a:r>
+              <a:rPr lang="en-US" dirty="0" smtClean="0"/>
+              <a:t>Well-known industrial</a:t>
+            </a:r>
+            <a:r>
+              <a:rPr lang="en-US" baseline="0" dirty="0" smtClean="0"/>
+              <a:t> trademarks</a:t>
+            </a:r>
+            <a:endParaRPr lang="en-US" dirty="0" smtClean="0"/>
+          </a:p>
+          <a:p>
+            <a:endParaRPr lang="en-US" dirty="0" smtClean="0"/>
           </a:p>
           <a:p>
             <a:r>
@@ -1361,7 +2287,6 @@
               <a:rPr lang="en-US" dirty="0" smtClean="0"/>
               <a:t>-C),…</a:t>
             </a:r>
-            <a:endParaRPr lang="en-US" dirty="0"/>
           </a:p>
         </p:txBody>
       </p:sp>
@@ -1392,6 +2317,222 @@
     <p:extLst>
       <p:ext uri="{BB962C8B-B14F-4D97-AF65-F5344CB8AC3E}">
         <p14:creationId xmlns:p14="http://schemas.microsoft.com/office/powerpoint/2010/main" val="1243200933"/>
+      </p:ext>
+    </p:extLst>
+  </p:cSld>
+  <p:clrMapOvr>
+    <a:masterClrMapping/>
+  </p:clrMapOvr>
+</p:notes>
+</file>
+
+<file path=ppt/notesSlides/notesSlide5.xml><?xml version="1.0" encoding="utf-8"?>
+<p:notes xmlns:a="http://schemas.openxmlformats.org/drawingml/2006/main" xmlns:r="http://schemas.openxmlformats.org/officeDocument/2006/relationships" xmlns:p="http://schemas.openxmlformats.org/presentationml/2006/main">
+  <p:cSld>
+    <p:spTree>
+      <p:nvGrpSpPr>
+        <p:cNvPr id="1" name=""/>
+        <p:cNvGrpSpPr/>
+        <p:nvPr/>
+      </p:nvGrpSpPr>
+      <p:grpSpPr>
+        <a:xfrm>
+          <a:off x="0" y="0"/>
+          <a:ext cx="0" cy="0"/>
+          <a:chOff x="0" y="0"/>
+          <a:chExt cx="0" cy="0"/>
+        </a:xfrm>
+      </p:grpSpPr>
+      <p:sp>
+        <p:nvSpPr>
+          <p:cNvPr id="2" name="Slide Image Placeholder 1"/>
+          <p:cNvSpPr>
+            <a:spLocks noGrp="1" noRot="1" noChangeAspect="1"/>
+          </p:cNvSpPr>
+          <p:nvPr>
+            <p:ph type="sldImg"/>
+          </p:nvPr>
+        </p:nvSpPr>
+        <p:spPr/>
+      </p:sp>
+      <p:sp>
+        <p:nvSpPr>
+          <p:cNvPr id="3" name="Notes Placeholder 2"/>
+          <p:cNvSpPr>
+            <a:spLocks noGrp="1"/>
+          </p:cNvSpPr>
+          <p:nvPr>
+            <p:ph type="body" idx="1"/>
+          </p:nvPr>
+        </p:nvSpPr>
+        <p:spPr/>
+        <p:txBody>
+          <a:bodyPr/>
+          <a:lstStyle/>
+          <a:p>
+            <a:pPr lvl="2"/>
+            <a:r>
+              <a:rPr lang="en-US" dirty="0" smtClean="0"/>
+              <a:t>Comparison with</a:t>
+            </a:r>
+            <a:r>
+              <a:rPr lang="en-US" baseline="0" dirty="0" smtClean="0"/>
+              <a:t> other strategies for reading out data?</a:t>
+            </a:r>
+            <a:br>
+              <a:rPr lang="en-US" baseline="0" dirty="0" smtClean="0"/>
+            </a:br>
+            <a:r>
+              <a:rPr lang="en-US" baseline="0" dirty="0" smtClean="0"/>
+              <a:t>Interface different protocols </a:t>
+            </a:r>
+            <a:r>
+              <a:rPr lang="en-US" baseline="0" dirty="0" smtClean="0">
+                <a:sym typeface="Wingdings" panose="05000000000000000000" pitchFamily="2" charset="2"/>
+              </a:rPr>
+              <a:t> for sure it is a tailored solution</a:t>
+            </a:r>
+          </a:p>
+          <a:p>
+            <a:pPr lvl="2"/>
+            <a:r>
+              <a:rPr lang="en-US" baseline="0" dirty="0" smtClean="0">
+                <a:sym typeface="Wingdings" panose="05000000000000000000" pitchFamily="2" charset="2"/>
+              </a:rPr>
+              <a:t>Embedded system --&gt;  kits already developed</a:t>
+            </a:r>
+          </a:p>
+          <a:p>
+            <a:pPr lvl="2"/>
+            <a:r>
+              <a:rPr lang="en-US" baseline="0" dirty="0" smtClean="0">
+                <a:sym typeface="Wingdings" panose="05000000000000000000" pitchFamily="2" charset="2"/>
+              </a:rPr>
+              <a:t>Why is it not vendor solution but tailored programmed  Because of the Know-How and design experience</a:t>
+            </a:r>
+          </a:p>
+          <a:p>
+            <a:pPr lvl="2"/>
+            <a:endParaRPr lang="en-US" baseline="0" dirty="0" smtClean="0">
+              <a:sym typeface="Wingdings" panose="05000000000000000000" pitchFamily="2" charset="2"/>
+            </a:endParaRPr>
+          </a:p>
+          <a:p>
+            <a:pPr lvl="2"/>
+            <a:r>
+              <a:rPr lang="en-US" baseline="0" dirty="0" smtClean="0">
+                <a:sym typeface="Wingdings" panose="05000000000000000000" pitchFamily="2" charset="2"/>
+              </a:rPr>
+              <a:t>Why is it not compatible with </a:t>
+            </a:r>
+            <a:r>
+              <a:rPr lang="en-US" baseline="0" dirty="0" err="1" smtClean="0">
+                <a:sym typeface="Wingdings" panose="05000000000000000000" pitchFamily="2" charset="2"/>
+              </a:rPr>
+              <a:t>Profinet</a:t>
+            </a:r>
+            <a:r>
+              <a:rPr lang="en-US" baseline="0" dirty="0" smtClean="0">
+                <a:sym typeface="Wingdings" panose="05000000000000000000" pitchFamily="2" charset="2"/>
+              </a:rPr>
+              <a:t> or CAN?</a:t>
+            </a:r>
+          </a:p>
+          <a:p>
+            <a:pPr marL="1143000" lvl="2" indent="-228600">
+              <a:buAutoNum type="arabicPeriod"/>
+            </a:pPr>
+            <a:r>
+              <a:rPr lang="en-US" baseline="0" dirty="0" smtClean="0">
+                <a:sym typeface="Wingdings" panose="05000000000000000000" pitchFamily="2" charset="2"/>
+              </a:rPr>
+              <a:t>Due to the given compatibility of the Robot ETHERCAT-CAN</a:t>
+            </a:r>
+          </a:p>
+          <a:p>
+            <a:pPr marL="1143000" lvl="2" indent="-228600">
+              <a:buAutoNum type="arabicPeriod"/>
+            </a:pPr>
+            <a:r>
+              <a:rPr lang="en-US" baseline="0" dirty="0" err="1" smtClean="0">
+                <a:sym typeface="Wingdings" panose="05000000000000000000" pitchFamily="2" charset="2"/>
+              </a:rPr>
+              <a:t>EtherCAT</a:t>
+            </a:r>
+            <a:r>
+              <a:rPr lang="en-US" baseline="0" dirty="0" smtClean="0">
+                <a:sym typeface="Wingdings" panose="05000000000000000000" pitchFamily="2" charset="2"/>
+              </a:rPr>
+              <a:t> is considered within the upcoming TSN Industrial Profile – CAN?</a:t>
+            </a:r>
+          </a:p>
+          <a:p>
+            <a:pPr marL="1143000" lvl="2" indent="-228600">
+              <a:buAutoNum type="arabicPeriod"/>
+            </a:pPr>
+            <a:r>
+              <a:rPr lang="en-US" baseline="0" dirty="0" smtClean="0">
+                <a:sym typeface="Wingdings" panose="05000000000000000000" pitchFamily="2" charset="2"/>
+              </a:rPr>
+              <a:t>CAN is so far not compatible with the TSN?</a:t>
+            </a:r>
+          </a:p>
+          <a:p>
+            <a:pPr marL="1143000" lvl="2" indent="-228600">
+              <a:buAutoNum type="arabicPeriod"/>
+            </a:pPr>
+            <a:r>
+              <a:rPr lang="en-US" baseline="0" dirty="0" smtClean="0">
+                <a:sym typeface="Wingdings" panose="05000000000000000000" pitchFamily="2" charset="2"/>
+              </a:rPr>
+              <a:t>Personal experience (advantages </a:t>
+            </a:r>
+            <a:r>
+              <a:rPr lang="en-US" baseline="0" dirty="0" err="1" smtClean="0">
+                <a:sym typeface="Wingdings" panose="05000000000000000000" pitchFamily="2" charset="2"/>
+              </a:rPr>
+              <a:t>STvsMicrochip</a:t>
+            </a:r>
+            <a:r>
+              <a:rPr lang="en-US" baseline="0" dirty="0" smtClean="0">
+                <a:sym typeface="Wingdings" panose="05000000000000000000" pitchFamily="2" charset="2"/>
+              </a:rPr>
+              <a:t>)</a:t>
+            </a:r>
+            <a:endParaRPr lang="en-US" dirty="0" smtClean="0"/>
+          </a:p>
+          <a:p>
+            <a:endParaRPr lang="en-US" dirty="0"/>
+          </a:p>
+        </p:txBody>
+      </p:sp>
+      <p:sp>
+        <p:nvSpPr>
+          <p:cNvPr id="4" name="Slide Number Placeholder 3"/>
+          <p:cNvSpPr>
+            <a:spLocks noGrp="1"/>
+          </p:cNvSpPr>
+          <p:nvPr>
+            <p:ph type="sldNum" sz="quarter" idx="10"/>
+          </p:nvPr>
+        </p:nvSpPr>
+        <p:spPr/>
+        <p:txBody>
+          <a:bodyPr/>
+          <a:lstStyle/>
+          <a:p>
+            <a:fld id="{12F676CB-30B1-4750-8B63-A054314F31E1}" type="slidenum">
+              <a:rPr lang="en-US" smtClean="0"/>
+              <a:t>7</a:t>
+            </a:fld>
+            <a:endParaRPr lang="en-US"/>
+          </a:p>
+        </p:txBody>
+      </p:sp>
+    </p:spTree>
+    <p:extLst>
+      <p:ext uri="{BB962C8B-B14F-4D97-AF65-F5344CB8AC3E}">
+        <p14:creationId xmlns:p14="http://schemas.microsoft.com/office/powerpoint/2010/main" val="67842734"/>
       </p:ext>
     </p:extLst>
   </p:cSld>
@@ -6432,15 +7573,7 @@
             </a:pPr>
             <a:r>
               <a:rPr lang="en-US" sz="1900" dirty="0" smtClean="0"/>
-              <a:t>Draft </a:t>
-            </a:r>
-            <a:r>
-              <a:rPr lang="en-US" sz="1900" dirty="0" smtClean="0"/>
-              <a:t>(</a:t>
-            </a:r>
-            <a:r>
-              <a:rPr lang="en-US" sz="1900" dirty="0" smtClean="0"/>
-              <a:t>2020.04.22)</a:t>
+              <a:t>V2 (2020.04.28)</a:t>
             </a:r>
             <a:endParaRPr lang="en-US" sz="1900" dirty="0"/>
           </a:p>
@@ -6494,57 +7627,26 @@
           </p:nvPr>
         </p:nvSpPr>
         <p:spPr>
-          <a:xfrm>
-            <a:off x="5073798" y="4224579"/>
-            <a:ext cx="6726690" cy="1797281"/>
-          </a:xfrm>
+          <a:prstGeom prst="rect">
+            <a:avLst/>
+          </a:prstGeom>
         </p:spPr>
         <p:txBody>
-          <a:bodyPr>
-            <a:normAutofit/>
-          </a:bodyPr>
+          <a:bodyPr/>
           <a:lstStyle/>
           <a:p>
             <a:r>
-              <a:rPr lang="en-US" sz="4400" dirty="0" err="1" smtClean="0"/>
-              <a:t>Dankeschön</a:t>
-            </a:r>
-            <a:r>
-              <a:rPr lang="en-US" sz="4400" dirty="0" smtClean="0"/>
-              <a:t> </a:t>
-            </a:r>
-            <a:r>
-              <a:rPr lang="en-US" sz="4400" dirty="0" err="1" smtClean="0"/>
-              <a:t>für</a:t>
-            </a:r>
-            <a:r>
-              <a:rPr lang="en-US" sz="4400" dirty="0" smtClean="0"/>
-              <a:t> </a:t>
-            </a:r>
-            <a:r>
-              <a:rPr lang="en-US" sz="4400" dirty="0" err="1" smtClean="0"/>
-              <a:t>Ihre</a:t>
-            </a:r>
-            <a:r>
-              <a:rPr lang="en-US" sz="4400" dirty="0" smtClean="0"/>
-              <a:t> </a:t>
-            </a:r>
-            <a:r>
-              <a:rPr lang="en-US" sz="4400" dirty="0" err="1" smtClean="0"/>
-              <a:t>Aufmerksamkeit</a:t>
-            </a:r>
-            <a:r>
-              <a:rPr lang="en-US" sz="4400" dirty="0" smtClean="0"/>
-              <a:t>!</a:t>
-            </a:r>
-            <a:endParaRPr lang="en-US" sz="4400" dirty="0"/>
+              <a:rPr lang="de-DE" dirty="0" smtClean="0"/>
+              <a:t>Extra information</a:t>
+            </a:r>
+            <a:endParaRPr lang="en-US" dirty="0"/>
           </a:p>
         </p:txBody>
       </p:sp>
     </p:spTree>
     <p:extLst>
       <p:ext uri="{BB962C8B-B14F-4D97-AF65-F5344CB8AC3E}">
-        <p14:creationId xmlns:p14="http://schemas.microsoft.com/office/powerpoint/2010/main" val="242311688"/>
+        <p14:creationId xmlns:p14="http://schemas.microsoft.com/office/powerpoint/2010/main" val="1202115013"/>
       </p:ext>
     </p:extLst>
   </p:cSld>
@@ -6588,27 +7690,98 @@
             <p:ph type="title"/>
           </p:nvPr>
         </p:nvSpPr>
+        <p:spPr/>
+        <p:txBody>
+          <a:bodyPr/>
+          <a:lstStyle/>
+          <a:p>
+            <a:r>
+              <a:rPr lang="en-US" dirty="0" smtClean="0"/>
+              <a:t>Gantt Chart</a:t>
+            </a:r>
+            <a:endParaRPr lang="en-US" dirty="0"/>
+          </a:p>
+        </p:txBody>
+      </p:sp>
+      <p:sp>
+        <p:nvSpPr>
+          <p:cNvPr id="6" name="Text Placeholder 5"/>
+          <p:cNvSpPr>
+            <a:spLocks noGrp="1"/>
+          </p:cNvSpPr>
+          <p:nvPr>
+            <p:ph type="body" sz="quarter" idx="10"/>
+          </p:nvPr>
+        </p:nvSpPr>
+        <p:spPr/>
+        <p:txBody>
+          <a:bodyPr/>
+          <a:lstStyle/>
+          <a:p>
+            <a:r>
+              <a:rPr lang="en-US" dirty="0"/>
+              <a:t>Duration: </a:t>
+            </a:r>
+            <a:r>
+              <a:rPr lang="en-US" dirty="0"/>
+              <a:t>~</a:t>
+            </a:r>
+            <a:r>
+              <a:rPr lang="en-US" dirty="0" smtClean="0"/>
+              <a:t>4 </a:t>
+            </a:r>
+            <a:r>
+              <a:rPr lang="en-US" dirty="0"/>
+              <a:t>Months</a:t>
+            </a:r>
+          </a:p>
+          <a:p>
+            <a:r>
+              <a:rPr lang="en-US" dirty="0"/>
+              <a:t>Official start: 29.04	Final Presentation: </a:t>
+            </a:r>
+            <a:r>
+              <a:rPr lang="en-US" dirty="0" smtClean="0"/>
+              <a:t>07.09 </a:t>
+            </a:r>
+            <a:r>
+              <a:rPr lang="en-US" dirty="0"/>
+              <a:t>(Proposal)</a:t>
+            </a:r>
+          </a:p>
+          <a:p>
+            <a:endParaRPr lang="en-US" dirty="0"/>
+          </a:p>
+        </p:txBody>
+      </p:sp>
+      <p:pic>
+        <p:nvPicPr>
+          <p:cNvPr id="56" name="Picture 55"/>
+          <p:cNvPicPr>
+            <a:picLocks noChangeAspect="1"/>
+          </p:cNvPicPr>
+          <p:nvPr/>
+        </p:nvPicPr>
+        <p:blipFill>
+          <a:blip r:embed="rId2"/>
+          <a:stretch>
+            <a:fillRect/>
+          </a:stretch>
+        </p:blipFill>
         <p:spPr>
+          <a:xfrm>
+            <a:off x="1535459" y="2048808"/>
+            <a:ext cx="9136937" cy="4364692"/>
+          </a:xfrm>
           <a:prstGeom prst="rect">
             <a:avLst/>
           </a:prstGeom>
         </p:spPr>
-        <p:txBody>
-          <a:bodyPr/>
-          <a:lstStyle/>
-          <a:p>
-            <a:r>
-              <a:rPr lang="de-DE" dirty="0" smtClean="0"/>
-              <a:t>Extra information</a:t>
-            </a:r>
-            <a:endParaRPr lang="en-US" dirty="0"/>
-          </a:p>
-        </p:txBody>
-      </p:sp>
+      </p:pic>
     </p:spTree>
     <p:extLst>
       <p:ext uri="{BB962C8B-B14F-4D97-AF65-F5344CB8AC3E}">
-        <p14:creationId xmlns:p14="http://schemas.microsoft.com/office/powerpoint/2010/main" val="1202115013"/>
+        <p14:creationId xmlns:p14="http://schemas.microsoft.com/office/powerpoint/2010/main" val="3745029539"/>
       </p:ext>
     </p:extLst>
   </p:cSld>
@@ -7107,11 +8280,7 @@
             </a:pPr>
             <a:r>
               <a:rPr lang="en-US" sz="2400" dirty="0" smtClean="0"/>
-              <a:t>		RTE </a:t>
-            </a:r>
-            <a:r>
-              <a:rPr lang="en-US" sz="2400" dirty="0" smtClean="0"/>
-              <a:t>Networks</a:t>
+              <a:t>		RTE Networks</a:t>
             </a:r>
           </a:p>
           <a:p>
@@ -7121,11 +8290,7 @@
             </a:pPr>
             <a:r>
               <a:rPr lang="en-US" sz="2400" dirty="0" smtClean="0"/>
-              <a:t>Main </a:t>
-            </a:r>
-            <a:r>
-              <a:rPr lang="en-US" sz="2400" dirty="0" smtClean="0"/>
-              <a:t>goal</a:t>
+              <a:t>Main goal</a:t>
             </a:r>
           </a:p>
           <a:p>
@@ -7134,11 +8299,7 @@
             </a:pPr>
             <a:r>
               <a:rPr lang="en-US" sz="2400" dirty="0" smtClean="0"/>
-              <a:t>		Specific </a:t>
-            </a:r>
-            <a:r>
-              <a:rPr lang="en-US" sz="2400" dirty="0" smtClean="0"/>
-              <a:t>goals</a:t>
+              <a:t>		Specific goals</a:t>
             </a:r>
           </a:p>
           <a:p>
@@ -7221,6 +8382,35 @@
           <a:chExt cx="0" cy="0"/>
         </a:xfrm>
       </p:grpSpPr>
+      <p:pic>
+        <p:nvPicPr>
+          <p:cNvPr id="4" name="Picture 3"/>
+          <p:cNvPicPr>
+            <a:picLocks noChangeAspect="1"/>
+          </p:cNvPicPr>
+          <p:nvPr/>
+        </p:nvPicPr>
+        <p:blipFill rotWithShape="1">
+          <a:blip r:embed="rId3">
+            <a:extLst>
+              <a:ext uri="{28A0092B-C50C-407E-A947-70E740481C1C}">
+                <a14:useLocalDpi xmlns:a14="http://schemas.microsoft.com/office/drawing/2010/main" val="0"/>
+              </a:ext>
+            </a:extLst>
+          </a:blip>
+          <a:srcRect l="35395" t="22390" r="33158" b="19657"/>
+          <a:stretch/>
+        </p:blipFill>
+        <p:spPr>
+          <a:xfrm>
+            <a:off x="7170820" y="1812758"/>
+            <a:ext cx="4613193" cy="3397163"/>
+          </a:xfrm>
+          <a:prstGeom prst="rect">
+            <a:avLst/>
+          </a:prstGeom>
+        </p:spPr>
+      </p:pic>
       <p:sp>
         <p:nvSpPr>
           <p:cNvPr id="2" name="Title 1"/>
@@ -7270,91 +8460,61 @@
             </a:r>
           </a:p>
           <a:p>
+            <a:pPr lvl="2"/>
+            <a:r>
+              <a:rPr lang="en-US" sz="2400" dirty="0" smtClean="0"/>
+              <a:t>Collaborative robots</a:t>
+            </a:r>
+          </a:p>
+          <a:p>
+            <a:pPr lvl="2"/>
+            <a:r>
+              <a:rPr lang="en-US" sz="2400" dirty="0" smtClean="0"/>
+              <a:t>Peripherals </a:t>
+            </a:r>
+          </a:p>
+          <a:p>
+            <a:pPr lvl="3"/>
+            <a:r>
+              <a:rPr lang="en-US" sz="2400" dirty="0" smtClean="0"/>
+              <a:t>2D/3D vision systems</a:t>
+            </a:r>
+          </a:p>
+          <a:p>
+            <a:pPr lvl="3"/>
+            <a:r>
+              <a:rPr lang="en-US" sz="2400" dirty="0" smtClean="0"/>
+              <a:t>HMIs</a:t>
+            </a:r>
+          </a:p>
+          <a:p>
+            <a:pPr lvl="3"/>
+            <a:r>
+              <a:rPr lang="en-US" sz="2400" dirty="0" smtClean="0"/>
+              <a:t>Sensors/Actuators</a:t>
+            </a:r>
+            <a:endParaRPr lang="en-US" sz="2400" dirty="0"/>
+          </a:p>
+          <a:p>
+            <a:pPr lvl="3"/>
+            <a:endParaRPr lang="en-US" sz="2400" dirty="0" smtClean="0"/>
+          </a:p>
+          <a:p>
+            <a:pPr lvl="1"/>
+            <a:r>
+              <a:rPr lang="en-US" sz="2400" dirty="0" smtClean="0"/>
+              <a:t>Industrial shift into the Real Time Connectivity</a:t>
+            </a:r>
+          </a:p>
+          <a:p>
             <a:pPr lvl="1"/>
             <a:endParaRPr lang="en-US" sz="2400" dirty="0" smtClean="0"/>
           </a:p>
           <a:p>
-            <a:pPr lvl="1"/>
-            <a:r>
-              <a:rPr lang="en-US" sz="2400" dirty="0" smtClean="0"/>
-              <a:t>Several </a:t>
-            </a:r>
-            <a:r>
-              <a:rPr lang="en-US" sz="2400" dirty="0" smtClean="0"/>
-              <a:t>industrial </a:t>
-            </a:r>
-            <a:r>
-              <a:rPr lang="en-US" sz="2400" dirty="0" smtClean="0"/>
-              <a:t>p</a:t>
-            </a:r>
-            <a:r>
-              <a:rPr lang="en-US" sz="2400" dirty="0" smtClean="0"/>
-              <a:t>rotocols</a:t>
-            </a:r>
-          </a:p>
-          <a:p>
-            <a:pPr lvl="2"/>
-            <a:r>
-              <a:rPr lang="en-US" sz="2400" dirty="0" smtClean="0"/>
-              <a:t>Fieldbuses standardized in </a:t>
-            </a:r>
-            <a:r>
-              <a:rPr lang="en-US" sz="2400" dirty="0"/>
-              <a:t>IEC </a:t>
-            </a:r>
-            <a:r>
-              <a:rPr lang="en-US" sz="2400" dirty="0" smtClean="0"/>
-              <a:t>61158 (CPFs)</a:t>
-            </a:r>
-          </a:p>
-          <a:p>
-            <a:pPr lvl="2"/>
-            <a:r>
-              <a:rPr lang="en-US" sz="2400" dirty="0" err="1" smtClean="0"/>
-              <a:t>DeviceNet</a:t>
-            </a:r>
-            <a:r>
-              <a:rPr lang="en-US" sz="2400" dirty="0" smtClean="0"/>
-              <a:t> </a:t>
-            </a:r>
-            <a:r>
-              <a:rPr lang="en-US" sz="2400" dirty="0" smtClean="0"/>
-              <a:t>and </a:t>
-            </a:r>
-            <a:r>
-              <a:rPr lang="en-US" sz="2400" dirty="0" err="1" smtClean="0"/>
-              <a:t>CANopen</a:t>
-            </a:r>
-            <a:r>
-              <a:rPr lang="en-US" sz="2400" dirty="0" smtClean="0"/>
-              <a:t> developed separately</a:t>
-            </a:r>
-          </a:p>
-          <a:p>
-            <a:pPr lvl="2"/>
+            <a:pPr marL="457200" lvl="1" indent="0">
+              <a:buNone/>
+            </a:pPr>
             <a:endParaRPr lang="en-US" sz="2400" dirty="0" smtClean="0"/>
-          </a:p>
-          <a:p>
-            <a:pPr lvl="1"/>
-            <a:r>
-              <a:rPr lang="en-US" sz="2400" dirty="0" smtClean="0"/>
-              <a:t>Industrial shift into the Real Time </a:t>
-            </a:r>
-            <a:r>
-              <a:rPr lang="en-US" sz="2400" dirty="0" smtClean="0"/>
-              <a:t>Connectivity</a:t>
-            </a:r>
-          </a:p>
-          <a:p>
-            <a:pPr lvl="1"/>
-            <a:endParaRPr lang="en-US" sz="2400" dirty="0" smtClean="0"/>
-          </a:p>
-          <a:p>
-            <a:pPr lvl="1"/>
-            <a:r>
-              <a:rPr lang="en-US" sz="2400" dirty="0" smtClean="0"/>
-              <a:t>Open-source developed tools that offer compatibility with specific vendors.</a:t>
-            </a:r>
           </a:p>
         </p:txBody>
       </p:sp>
@@ -7453,7 +8613,7 @@
           <a:p>
             <a:r>
               <a:rPr lang="en-US" dirty="0" smtClean="0"/>
-              <a:t>Real-Time Ethernet Networks</a:t>
+              <a:t>Background: RT Ethernet Networks</a:t>
             </a:r>
             <a:endParaRPr lang="en-US" dirty="0"/>
           </a:p>
@@ -7480,24 +8640,28 @@
           <a:lstStyle/>
           <a:p>
             <a:r>
+              <a:rPr lang="en-US" dirty="0" smtClean="0"/>
+              <a:t>Fieldbuses were included within </a:t>
+            </a:r>
+            <a:r>
               <a:rPr lang="en-US" dirty="0"/>
-              <a:t>Started </a:t>
+              <a:t>IEC </a:t>
             </a:r>
             <a:r>
               <a:rPr lang="en-US" dirty="0" smtClean="0"/>
-              <a:t>during 2000s </a:t>
-            </a:r>
+              <a:t>61158 (CPFs) 1988-1999</a:t>
+            </a:r>
+          </a:p>
+          <a:p>
+            <a:pPr lvl="1"/>
             <a:r>
               <a:rPr lang="en-US" dirty="0"/>
-              <a:t>(evolution of the field buses)</a:t>
-            </a:r>
-          </a:p>
-          <a:p>
-            <a:r>
-              <a:rPr lang="en-US" dirty="0"/>
-              <a:t>Referenced to IEC61784 part II </a:t>
-            </a:r>
-            <a:endParaRPr lang="en-US" dirty="0" smtClean="0"/>
+              <a:t>RTEN referenced to IEC61784 part II </a:t>
+            </a:r>
+            <a:r>
+              <a:rPr lang="en-US" dirty="0" smtClean="0"/>
+              <a:t> 2008</a:t>
+            </a:r>
           </a:p>
           <a:p>
             <a:r>
@@ -7528,34 +8692,31 @@
           <a:p>
             <a:r>
               <a:rPr lang="en-US" dirty="0" smtClean="0"/>
-              <a:t>IEC </a:t>
-            </a:r>
-            <a:r>
-              <a:rPr lang="en-US" dirty="0"/>
-              <a:t>based solutions </a:t>
-            </a:r>
-            <a:r>
-              <a:rPr lang="en-US" dirty="0" smtClean="0"/>
-              <a:t>might not be </a:t>
-            </a:r>
-            <a:r>
-              <a:rPr lang="en-US" dirty="0"/>
-              <a:t>compatible with the IEEE 802.3 </a:t>
-            </a:r>
-            <a:r>
-              <a:rPr lang="en-US" dirty="0" smtClean="0"/>
-              <a:t>Ethernet</a:t>
-            </a:r>
-          </a:p>
-          <a:p>
-            <a:r>
-              <a:rPr lang="en-US" dirty="0" smtClean="0"/>
-              <a:t>TSN Group improves the Data Link and MAC Layer (IEEE802.1Qbv</a:t>
-            </a:r>
-            <a:r>
-              <a:rPr lang="en-US" dirty="0" smtClean="0"/>
-              <a:t>) </a:t>
-            </a:r>
+              <a:t>TSN Group improves the Data Link and MAC Layer (IEEE802.1Qbv)  2012-2019</a:t>
+            </a:r>
+          </a:p>
+          <a:p>
+            <a:endParaRPr lang="en-US" dirty="0" smtClean="0"/>
+          </a:p>
+          <a:p>
+            <a:pPr marL="342900" lvl="1" indent="-342900"/>
+            <a:r>
+              <a:rPr lang="en-US" sz="2400" dirty="0"/>
+              <a:t>Open-source </a:t>
+            </a:r>
+            <a:r>
+              <a:rPr lang="en-US" sz="2400" dirty="0" smtClean="0"/>
+              <a:t>tools offer compatibility </a:t>
+            </a:r>
+            <a:r>
+              <a:rPr lang="en-US" sz="2400" dirty="0" smtClean="0">
+                <a:sym typeface="Wingdings" panose="05000000000000000000" pitchFamily="2" charset="2"/>
+              </a:rPr>
+              <a:t> Further development</a:t>
+            </a:r>
+            <a:endParaRPr lang="en-US" sz="2400" dirty="0"/>
+          </a:p>
+          <a:p>
             <a:endParaRPr lang="en-US" dirty="0"/>
           </a:p>
         </p:txBody>
@@ -8219,7 +9380,7 @@
         </p:nvSpPr>
         <p:spPr>
           <a:xfrm>
-            <a:off x="959871" y="1877739"/>
+            <a:off x="959871" y="1380434"/>
             <a:ext cx="9881276" cy="2503761"/>
           </a:xfrm>
         </p:spPr>
@@ -8232,39 +9393,7 @@
             </a:pPr>
             <a:r>
               <a:rPr lang="en-US" sz="2400" i="1" dirty="0" smtClean="0"/>
-              <a:t>“</a:t>
-            </a:r>
-            <a:r>
-              <a:rPr lang="en-US" sz="2400" i="1" dirty="0" smtClean="0"/>
-              <a:t>Develop </a:t>
-            </a:r>
-            <a:r>
-              <a:rPr lang="en-US" sz="2400" i="1" dirty="0" smtClean="0"/>
-              <a:t>a device using open-source tools to read out sensor data from a robot </a:t>
-            </a:r>
-            <a:r>
-              <a:rPr lang="en-US" sz="2400" i="1" dirty="0" smtClean="0"/>
-              <a:t>axis and it will </a:t>
-            </a:r>
-            <a:r>
-              <a:rPr lang="en-US" sz="2400" i="1" dirty="0" smtClean="0"/>
-              <a:t>be able to be interfaced in </a:t>
-            </a:r>
-            <a:r>
-              <a:rPr lang="en-US" sz="2400" i="1" dirty="0" smtClean="0"/>
-              <a:t>a </a:t>
-            </a:r>
-            <a:r>
-              <a:rPr lang="en-US" sz="2400" i="1" dirty="0" smtClean="0"/>
-              <a:t>RTE </a:t>
-            </a:r>
-            <a:r>
-              <a:rPr lang="en-US" sz="2400" i="1" dirty="0" smtClean="0"/>
-              <a:t>Network</a:t>
-            </a:r>
-            <a:r>
-              <a:rPr lang="en-US" sz="2400" i="1" dirty="0" smtClean="0"/>
-              <a:t>. </a:t>
+              <a:t>“Develop a device using open-source tools to read out sensor data from a robot axis that can be interfaced with a RTE Network. </a:t>
             </a:r>
           </a:p>
           <a:p>
@@ -8279,15 +9408,7 @@
             </a:pPr>
             <a:r>
               <a:rPr lang="en-US" sz="2400" i="1" dirty="0" smtClean="0"/>
-              <a:t>The device could</a:t>
-            </a:r>
-            <a:r>
-              <a:rPr lang="en-US" sz="2400" i="1" dirty="0" smtClean="0"/>
-              <a:t> </a:t>
-            </a:r>
-            <a:r>
-              <a:rPr lang="en-US" sz="2400" i="1" dirty="0" smtClean="0"/>
-              <a:t>be used afterwards as a test platform within an industrial environment to characterize its compatibility with the ongoing </a:t>
+              <a:t>The device could be used afterwards as a test platform within an industrial environment to characterize its compatibility with the ongoing </a:t>
             </a:r>
             <a:r>
               <a:rPr lang="en-US" sz="2400" i="1" dirty="0"/>
@@ -8295,16 +9416,52 @@
             </a:r>
             <a:r>
               <a:rPr lang="en-US" sz="2400" i="1" dirty="0" smtClean="0"/>
-              <a:t>Automation</a:t>
-            </a:r>
-            <a:r>
-              <a:rPr lang="en-US" sz="2400" i="1" dirty="0" smtClean="0"/>
-              <a:t>.”</a:t>
-            </a:r>
-            <a:endParaRPr lang="en-US" sz="2400" i="1" dirty="0" smtClean="0"/>
+              <a:t>Automation.”</a:t>
+            </a:r>
           </a:p>
         </p:txBody>
       </p:sp>
+      <p:pic>
+        <p:nvPicPr>
+          <p:cNvPr id="4" name="Picture 2" descr="icon-goals-dark@3x - TalentQuest"/>
+          <p:cNvPicPr>
+            <a:picLocks noChangeAspect="1" noChangeArrowheads="1"/>
+          </p:cNvPicPr>
+          <p:nvPr/>
+        </p:nvPicPr>
+        <p:blipFill>
+          <a:blip r:embed="rId2">
+            <a:extLst>
+              <a:ext uri="{28A0092B-C50C-407E-A947-70E740481C1C}">
+                <a14:useLocalDpi xmlns:a14="http://schemas.microsoft.com/office/drawing/2010/main" val="0"/>
+              </a:ext>
+            </a:extLst>
+          </a:blip>
+          <a:srcRect/>
+          <a:stretch>
+            <a:fillRect/>
+          </a:stretch>
+        </p:blipFill>
+        <p:spPr bwMode="auto">
+          <a:xfrm>
+            <a:off x="8675855" y="3320716"/>
+            <a:ext cx="2665077" cy="2665078"/>
+          </a:xfrm>
+          <a:prstGeom prst="rect">
+            <a:avLst/>
+          </a:prstGeom>
+          <a:noFill/>
+          <a:extLst>
+            <a:ext uri="{909E8E84-426E-40DD-AFC4-6F175D3DCCD1}">
+              <a14:hiddenFill xmlns:a14="http://schemas.microsoft.com/office/drawing/2010/main">
+                <a:solidFill>
+                  <a:srgbClr val="FFFFFF"/>
+                </a:solidFill>
+              </a14:hiddenFill>
+            </a:ext>
+          </a:extLst>
+        </p:spPr>
+      </p:pic>
     </p:spTree>
     <p:extLst>
       <p:ext uri="{BB962C8B-B14F-4D97-AF65-F5344CB8AC3E}">
@@ -8399,24 +9556,20 @@
           <a:p>
             <a:pPr lvl="2"/>
             <a:r>
+              <a:rPr lang="en-US" sz="1800" dirty="0"/>
+              <a:t>Comparison </a:t>
+            </a:r>
+            <a:r>
               <a:rPr lang="en-US" sz="1800" dirty="0" smtClean="0"/>
-              <a:t>Taking </a:t>
+              <a:t>taking into </a:t>
+            </a:r>
+            <a:r>
+              <a:rPr lang="en-US" sz="1800" dirty="0"/>
+              <a:t>account the state of the </a:t>
             </a:r>
             <a:r>
               <a:rPr lang="en-US" sz="1800" dirty="0" smtClean="0"/>
-              <a:t>into </a:t>
-            </a:r>
-            <a:r>
-              <a:rPr lang="en-US" sz="1800" dirty="0"/>
-              <a:t>account the state of the art for RTE Industrial </a:t>
-            </a:r>
-            <a:r>
-              <a:rPr lang="en-US" sz="1800" dirty="0" smtClean="0"/>
-              <a:t>Networks</a:t>
-            </a:r>
-            <a:r>
-              <a:rPr lang="en-US" sz="1800" dirty="0" smtClean="0"/>
-              <a:t/>
+              <a:t>art</a:t>
             </a:r>
             <a:br>
               <a:rPr lang="en-US" sz="1800" dirty="0" smtClean="0"/>
@@ -8427,25 +9580,16 @@
             <a:pPr lvl="1"/>
             <a:r>
               <a:rPr lang="en-US" sz="1800" dirty="0" smtClean="0"/>
-              <a:t>To develop </a:t>
-            </a:r>
-            <a:r>
-              <a:rPr lang="en-US" sz="1800" dirty="0"/>
-              <a:t>the embedded system as a functional </a:t>
-            </a:r>
-            <a:r>
-              <a:rPr lang="en-US" sz="1800" dirty="0" err="1"/>
+              <a:t>To develop the embedded system as a functional </a:t>
+            </a:r>
+            <a:r>
+              <a:rPr lang="en-US" sz="1800" dirty="0" err="1" smtClean="0"/>
               <a:t>EtherCAT</a:t>
             </a:r>
             <a:r>
-              <a:rPr lang="en-US" sz="1800" dirty="0"/>
-              <a:t> Slave </a:t>
-            </a:r>
-            <a:r>
               <a:rPr lang="en-US" sz="1800" dirty="0" smtClean="0"/>
-              <a:t>Device</a:t>
-            </a:r>
-            <a:endParaRPr lang="en-US" sz="1800" dirty="0" smtClean="0"/>
+              <a:t> Slave Device</a:t>
+            </a:r>
           </a:p>
           <a:p>
             <a:pPr lvl="2"/>
@@ -8459,13 +9603,8 @@
             </a:r>
             <a:r>
               <a:rPr lang="en-US" sz="1800" dirty="0" smtClean="0"/>
-              <a:t>-CMSIS with </a:t>
-            </a:r>
-            <a:r>
-              <a:rPr lang="en-US" sz="1800" dirty="0" smtClean="0"/>
-              <a:t>SOES (Open-source tools)</a:t>
-            </a:r>
-            <a:endParaRPr lang="en-US" sz="1800" dirty="0" smtClean="0"/>
+              <a:t>-CMSIS with SOES (Open-source tools)</a:t>
+            </a:r>
           </a:p>
           <a:p>
             <a:pPr lvl="2"/>
@@ -8479,47 +9618,22 @@
             </a:r>
             <a:r>
               <a:rPr lang="en-US" sz="1800" dirty="0" smtClean="0"/>
-              <a:t> </a:t>
-            </a:r>
+              <a:t> over SPI)</a:t>
+            </a:r>
+          </a:p>
+          <a:p>
+            <a:pPr lvl="2"/>
             <a:r>
               <a:rPr lang="en-US" sz="1800" dirty="0" smtClean="0"/>
-              <a:t>over </a:t>
-            </a:r>
+              <a:t>Reading out of axis temperature sensors</a:t>
+            </a:r>
+            <a:endParaRPr lang="en-US" sz="1800" dirty="0"/>
+          </a:p>
+          <a:p>
+            <a:pPr lvl="2"/>
             <a:r>
               <a:rPr lang="en-US" sz="1800" dirty="0" smtClean="0"/>
-              <a:t>SPI)</a:t>
-            </a:r>
-            <a:endParaRPr lang="en-US" sz="1800" dirty="0" smtClean="0"/>
-          </a:p>
-          <a:p>
-            <a:pPr lvl="2"/>
-            <a:r>
-              <a:rPr lang="en-US" sz="1800" dirty="0" smtClean="0"/>
-              <a:t>Reading out of </a:t>
-            </a:r>
-            <a:r>
-              <a:rPr lang="en-US" sz="1800" dirty="0" smtClean="0"/>
-              <a:t>axis temperature sensors</a:t>
-            </a:r>
-            <a:endParaRPr lang="en-US" sz="1800" dirty="0"/>
-          </a:p>
-          <a:p>
-            <a:pPr lvl="2"/>
-            <a:r>
-              <a:rPr lang="en-US" sz="1800" dirty="0" smtClean="0"/>
-              <a:t>Controlling </a:t>
-            </a:r>
-            <a:r>
-              <a:rPr lang="en-US" sz="1800" dirty="0" smtClean="0"/>
-              <a:t>the axis </a:t>
-            </a:r>
-            <a:r>
-              <a:rPr lang="en-US" sz="1800" dirty="0" smtClean="0"/>
-              <a:t>LED </a:t>
-            </a:r>
-            <a:r>
-              <a:rPr lang="en-US" sz="1800" dirty="0" smtClean="0"/>
-              <a:t>Ring (WS2812b)</a:t>
+              <a:t>Controlling the axis LED Ring (WS2812b)</a:t>
             </a:r>
             <a:endParaRPr lang="en-US" sz="1800" dirty="0"/>
           </a:p>
@@ -8538,15 +9652,7 @@
             <a:pPr lvl="1"/>
             <a:r>
               <a:rPr lang="en-US" sz="1800" dirty="0" smtClean="0"/>
-              <a:t>To design </a:t>
-            </a:r>
-            <a:r>
-              <a:rPr lang="en-US" sz="1800" dirty="0" smtClean="0"/>
-              <a:t>and </a:t>
-            </a:r>
-            <a:r>
-              <a:rPr lang="en-US" sz="1800" dirty="0" smtClean="0"/>
-              <a:t>manufacture </a:t>
+              <a:t>To design and manufacture </a:t>
             </a:r>
             <a:r>
               <a:rPr lang="en-US" sz="1800" dirty="0"/>
@@ -8573,11 +9679,7 @@
             <a:pPr lvl="1"/>
             <a:r>
               <a:rPr lang="en-US" sz="1800" dirty="0" smtClean="0"/>
-              <a:t>To test </a:t>
-            </a:r>
-            <a:r>
-              <a:rPr lang="en-US" sz="1800" dirty="0" smtClean="0"/>
-              <a:t>and report </a:t>
+              <a:t>To test and report </a:t>
             </a:r>
             <a:r>
               <a:rPr lang="en-US" sz="1800" dirty="0"/>
@@ -8594,6 +9696,47 @@
           </a:p>
         </p:txBody>
       </p:sp>
+      <p:pic>
+        <p:nvPicPr>
+          <p:cNvPr id="1026" name="Picture 2" descr="icon-goals-dark@3x - TalentQuest"/>
+          <p:cNvPicPr>
+            <a:picLocks noChangeAspect="1" noChangeArrowheads="1"/>
+          </p:cNvPicPr>
+          <p:nvPr/>
+        </p:nvPicPr>
+        <p:blipFill>
+          <a:blip r:embed="rId3">
+            <a:extLst>
+              <a:ext uri="{28A0092B-C50C-407E-A947-70E740481C1C}">
+                <a14:useLocalDpi xmlns:a14="http://schemas.microsoft.com/office/drawing/2010/main" val="0"/>
+              </a:ext>
+            </a:extLst>
+          </a:blip>
+          <a:srcRect/>
+          <a:stretch>
+            <a:fillRect/>
+          </a:stretch>
+        </p:blipFill>
+        <p:spPr bwMode="auto">
+          <a:xfrm>
+            <a:off x="8675855" y="3320716"/>
+            <a:ext cx="2665077" cy="2665078"/>
+          </a:xfrm>
+          <a:prstGeom prst="rect">
+            <a:avLst/>
+          </a:prstGeom>
+          <a:noFill/>
+          <a:extLst>
+            <a:ext uri="{909E8E84-426E-40DD-AFC4-6F175D3DCCD1}">
+              <a14:hiddenFill xmlns:a14="http://schemas.microsoft.com/office/drawing/2010/main">
+                <a:solidFill>
+                  <a:srgbClr val="FFFFFF"/>
+                </a:solidFill>
+              </a14:hiddenFill>
+            </a:ext>
+          </a:extLst>
+        </p:spPr>
+      </p:pic>
     </p:spTree>
     <p:extLst>
       <p:ext uri="{BB962C8B-B14F-4D97-AF65-F5344CB8AC3E}">
@@ -8692,30 +9835,6 @@
           </a:p>
         </p:txBody>
       </p:sp>
-      <p:pic>
-        <p:nvPicPr>
-          <p:cNvPr id="5" name="Picture 4"/>
-          <p:cNvPicPr>
-            <a:picLocks noChangeAspect="1"/>
-          </p:cNvPicPr>
-          <p:nvPr/>
-        </p:nvPicPr>
-        <p:blipFill>
-          <a:blip r:embed="rId2"/>
-          <a:stretch>
-            <a:fillRect/>
-          </a:stretch>
-        </p:blipFill>
-        <p:spPr>
-          <a:xfrm>
-            <a:off x="423844" y="1938398"/>
-            <a:ext cx="7536055" cy="3776602"/>
-          </a:xfrm>
-          <a:prstGeom prst="rect">
-            <a:avLst/>
-          </a:prstGeom>
-        </p:spPr>
-      </p:pic>
       <p:pic>
         <p:nvPicPr>
           <p:cNvPr id="6" name="Picture 5"/>
@@ -8852,6 +9971,30 @@
           </a:extLst>
         </p:spPr>
       </p:pic>
+      <p:pic>
+        <p:nvPicPr>
+          <p:cNvPr id="4" name="Picture 3"/>
+          <p:cNvPicPr>
+            <a:picLocks noChangeAspect="1"/>
+          </p:cNvPicPr>
+          <p:nvPr/>
+        </p:nvPicPr>
+        <p:blipFill>
+          <a:blip r:embed="rId7"/>
+          <a:stretch>
+            <a:fillRect/>
+          </a:stretch>
+        </p:blipFill>
+        <p:spPr>
+          <a:xfrm>
+            <a:off x="437226" y="2192624"/>
+            <a:ext cx="7787358" cy="3712875"/>
+          </a:xfrm>
+          <a:prstGeom prst="rect">
+            <a:avLst/>
+          </a:prstGeom>
+        </p:spPr>
+      </p:pic>
     </p:spTree>
     <p:extLst>
       <p:ext uri="{BB962C8B-B14F-4D97-AF65-F5344CB8AC3E}">
@@ -8906,3631 +10049,6 @@
           <a:p>
             <a:r>
               <a:rPr lang="en-US" dirty="0" smtClean="0"/>
-              <a:t>Timetable</a:t>
-            </a:r>
-            <a:endParaRPr lang="en-US" dirty="0"/>
-          </a:p>
-        </p:txBody>
-      </p:sp>
-      <p:sp>
-        <p:nvSpPr>
-          <p:cNvPr id="11" name="Content Placeholder 2"/>
-          <p:cNvSpPr>
-            <a:spLocks noGrp="1"/>
-          </p:cNvSpPr>
-          <p:nvPr>
-            <p:ph type="body" sz="quarter" idx="10"/>
-          </p:nvPr>
-        </p:nvSpPr>
-        <p:spPr/>
-        <p:txBody>
-          <a:bodyPr>
-            <a:normAutofit/>
-          </a:bodyPr>
-          <a:lstStyle/>
-          <a:p>
-            <a:endParaRPr lang="en-US" dirty="0"/>
-          </a:p>
-        </p:txBody>
-      </p:sp>
-      <p:graphicFrame>
-        <p:nvGraphicFramePr>
-          <p:cNvPr id="4" name="Table 3"/>
-          <p:cNvGraphicFramePr>
-            <a:graphicFrameLocks noGrp="1"/>
-          </p:cNvGraphicFramePr>
-          <p:nvPr>
-            <p:extLst>
-              <p:ext uri="{D42A27DB-BD31-4B8C-83A1-F6EECF244321}">
-                <p14:modId xmlns:p14="http://schemas.microsoft.com/office/powerpoint/2010/main" val="1393959859"/>
-              </p:ext>
-            </p:extLst>
-          </p:nvPr>
-        </p:nvGraphicFramePr>
-        <p:xfrm>
-          <a:off x="2224216" y="1911178"/>
-          <a:ext cx="7232821" cy="3624645"/>
-        </p:xfrm>
-        <a:graphic>
-          <a:graphicData uri="http://schemas.openxmlformats.org/drawingml/2006/table">
-            <a:tbl>
-              <a:tblPr/>
-              <a:tblGrid>
-                <a:gridCol w="4138009"/>
-                <a:gridCol w="938876"/>
-                <a:gridCol w="1077968"/>
-                <a:gridCol w="1077968"/>
-              </a:tblGrid>
-              <a:tr h="236265">
-                <a:tc>
-                  <a:txBody>
-                    <a:bodyPr/>
-                    <a:lstStyle/>
-                    <a:p>
-                      <a:r>
-                        <a:rPr lang="en-US" sz="900" dirty="0">
-                          <a:solidFill>
-                            <a:srgbClr val="363636"/>
-                          </a:solidFill>
-                          <a:effectLst/>
-                          <a:latin typeface="Segoe UI" panose="020B0502040204020203" pitchFamily="34" charset="0"/>
-                        </a:rPr>
-                        <a:t>Task Name</a:t>
-                      </a:r>
-                      <a:endParaRPr lang="en-US" sz="900" dirty="0">
-                        <a:effectLst/>
-                        <a:latin typeface="Segoe UI" panose="020B0502040204020203" pitchFamily="34" charset="0"/>
-                      </a:endParaRPr>
-                    </a:p>
-                  </a:txBody>
-                  <a:tcPr marL="9525" marR="9525" marT="9525" marB="9525" anchor="ctr">
-                    <a:lnL w="6350" cap="flat" cmpd="sng" algn="ctr">
-                      <a:solidFill>
-                        <a:srgbClr val="B1BBCC"/>
-                      </a:solidFill>
-                      <a:prstDash val="solid"/>
-                      <a:round/>
-                      <a:headEnd type="none" w="med" len="med"/>
-                      <a:tailEnd type="none" w="med" len="med"/>
-                    </a:lnL>
-                    <a:lnR w="6350" cap="flat" cmpd="sng" algn="ctr">
-                      <a:solidFill>
-                        <a:srgbClr val="B1BBCC"/>
-                      </a:solidFill>
-                      <a:prstDash val="solid"/>
-                      <a:round/>
-                      <a:headEnd type="none" w="med" len="med"/>
-                      <a:tailEnd type="none" w="med" len="med"/>
-                    </a:lnR>
-                    <a:lnT w="6350" cap="flat" cmpd="sng" algn="ctr">
-                      <a:solidFill>
-                        <a:srgbClr val="B1BBCC"/>
-                      </a:solidFill>
-                      <a:prstDash val="solid"/>
-                      <a:round/>
-                      <a:headEnd type="none" w="med" len="med"/>
-                      <a:tailEnd type="none" w="med" len="med"/>
-                    </a:lnT>
-                    <a:lnB w="6350" cap="flat" cmpd="sng" algn="ctr">
-                      <a:solidFill>
-                        <a:srgbClr val="B1BBCC"/>
-                      </a:solidFill>
-                      <a:prstDash val="solid"/>
-                      <a:round/>
-                      <a:headEnd type="none" w="med" len="med"/>
-                      <a:tailEnd type="none" w="med" len="med"/>
-                    </a:lnB>
-                    <a:solidFill>
-                      <a:srgbClr val="DFE3E8"/>
-                    </a:solidFill>
-                  </a:tcPr>
-                </a:tc>
-                <a:tc>
-                  <a:txBody>
-                    <a:bodyPr/>
-                    <a:lstStyle/>
-                    <a:p>
-                      <a:r>
-                        <a:rPr lang="en-US" sz="900">
-                          <a:solidFill>
-                            <a:srgbClr val="363636"/>
-                          </a:solidFill>
-                          <a:effectLst/>
-                          <a:latin typeface="Segoe UI" panose="020B0502040204020203" pitchFamily="34" charset="0"/>
-                        </a:rPr>
-                        <a:t>Duration</a:t>
-                      </a:r>
-                      <a:endParaRPr lang="en-US" sz="900">
-                        <a:effectLst/>
-                        <a:latin typeface="Segoe UI" panose="020B0502040204020203" pitchFamily="34" charset="0"/>
-                      </a:endParaRPr>
-                    </a:p>
-                  </a:txBody>
-                  <a:tcPr marL="9525" marR="9525" marT="9525" marB="9525" anchor="ctr">
-                    <a:lnL w="6350" cap="flat" cmpd="sng" algn="ctr">
-                      <a:solidFill>
-                        <a:srgbClr val="B1BBCC"/>
-                      </a:solidFill>
-                      <a:prstDash val="solid"/>
-                      <a:round/>
-                      <a:headEnd type="none" w="med" len="med"/>
-                      <a:tailEnd type="none" w="med" len="med"/>
-                    </a:lnL>
-                    <a:lnR w="6350" cap="flat" cmpd="sng" algn="ctr">
-                      <a:solidFill>
-                        <a:srgbClr val="B1BBCC"/>
-                      </a:solidFill>
-                      <a:prstDash val="solid"/>
-                      <a:round/>
-                      <a:headEnd type="none" w="med" len="med"/>
-                      <a:tailEnd type="none" w="med" len="med"/>
-                    </a:lnR>
-                    <a:lnT w="6350" cap="flat" cmpd="sng" algn="ctr">
-                      <a:solidFill>
-                        <a:srgbClr val="B1BBCC"/>
-                      </a:solidFill>
-                      <a:prstDash val="solid"/>
-                      <a:round/>
-                      <a:headEnd type="none" w="med" len="med"/>
-                      <a:tailEnd type="none" w="med" len="med"/>
-                    </a:lnT>
-                    <a:lnB w="6350" cap="flat" cmpd="sng" algn="ctr">
-                      <a:solidFill>
-                        <a:srgbClr val="B1BBCC"/>
-                      </a:solidFill>
-                      <a:prstDash val="solid"/>
-                      <a:round/>
-                      <a:headEnd type="none" w="med" len="med"/>
-                      <a:tailEnd type="none" w="med" len="med"/>
-                    </a:lnB>
-                    <a:solidFill>
-                      <a:srgbClr val="DFE3E8"/>
-                    </a:solidFill>
-                  </a:tcPr>
-                </a:tc>
-                <a:tc>
-                  <a:txBody>
-                    <a:bodyPr/>
-                    <a:lstStyle/>
-                    <a:p>
-                      <a:r>
-                        <a:rPr lang="en-US" sz="900">
-                          <a:solidFill>
-                            <a:srgbClr val="363636"/>
-                          </a:solidFill>
-                          <a:effectLst/>
-                          <a:latin typeface="Segoe UI" panose="020B0502040204020203" pitchFamily="34" charset="0"/>
-                        </a:rPr>
-                        <a:t>Start</a:t>
-                      </a:r>
-                      <a:endParaRPr lang="en-US" sz="900">
-                        <a:effectLst/>
-                        <a:latin typeface="Segoe UI" panose="020B0502040204020203" pitchFamily="34" charset="0"/>
-                      </a:endParaRPr>
-                    </a:p>
-                  </a:txBody>
-                  <a:tcPr marL="9525" marR="9525" marT="9525" marB="9525" anchor="ctr">
-                    <a:lnL w="6350" cap="flat" cmpd="sng" algn="ctr">
-                      <a:solidFill>
-                        <a:srgbClr val="B1BBCC"/>
-                      </a:solidFill>
-                      <a:prstDash val="solid"/>
-                      <a:round/>
-                      <a:headEnd type="none" w="med" len="med"/>
-                      <a:tailEnd type="none" w="med" len="med"/>
-                    </a:lnL>
-                    <a:lnR w="6350" cap="flat" cmpd="sng" algn="ctr">
-                      <a:solidFill>
-                        <a:srgbClr val="B1BBCC"/>
-                      </a:solidFill>
-                      <a:prstDash val="solid"/>
-                      <a:round/>
-                      <a:headEnd type="none" w="med" len="med"/>
-                      <a:tailEnd type="none" w="med" len="med"/>
-                    </a:lnR>
-                    <a:lnT w="6350" cap="flat" cmpd="sng" algn="ctr">
-                      <a:solidFill>
-                        <a:srgbClr val="B1BBCC"/>
-                      </a:solidFill>
-                      <a:prstDash val="solid"/>
-                      <a:round/>
-                      <a:headEnd type="none" w="med" len="med"/>
-                      <a:tailEnd type="none" w="med" len="med"/>
-                    </a:lnT>
-                    <a:lnB w="6350" cap="flat" cmpd="sng" algn="ctr">
-                      <a:solidFill>
-                        <a:srgbClr val="B1BBCC"/>
-                      </a:solidFill>
-                      <a:prstDash val="solid"/>
-                      <a:round/>
-                      <a:headEnd type="none" w="med" len="med"/>
-                      <a:tailEnd type="none" w="med" len="med"/>
-                    </a:lnB>
-                    <a:solidFill>
-                      <a:srgbClr val="DFE3E8"/>
-                    </a:solidFill>
-                  </a:tcPr>
-                </a:tc>
-                <a:tc>
-                  <a:txBody>
-                    <a:bodyPr/>
-                    <a:lstStyle/>
-                    <a:p>
-                      <a:r>
-                        <a:rPr lang="en-US" sz="900">
-                          <a:solidFill>
-                            <a:srgbClr val="363636"/>
-                          </a:solidFill>
-                          <a:effectLst/>
-                          <a:latin typeface="Segoe UI" panose="020B0502040204020203" pitchFamily="34" charset="0"/>
-                        </a:rPr>
-                        <a:t>Finish</a:t>
-                      </a:r>
-                      <a:endParaRPr lang="en-US" sz="900">
-                        <a:effectLst/>
-                        <a:latin typeface="Segoe UI" panose="020B0502040204020203" pitchFamily="34" charset="0"/>
-                      </a:endParaRPr>
-                    </a:p>
-                  </a:txBody>
-                  <a:tcPr marL="9525" marR="9525" marT="9525" marB="9525" anchor="ctr">
-                    <a:lnL w="6350" cap="flat" cmpd="sng" algn="ctr">
-                      <a:solidFill>
-                        <a:srgbClr val="B1BBCC"/>
-                      </a:solidFill>
-                      <a:prstDash val="solid"/>
-                      <a:round/>
-                      <a:headEnd type="none" w="med" len="med"/>
-                      <a:tailEnd type="none" w="med" len="med"/>
-                    </a:lnL>
-                    <a:lnR w="6350" cap="flat" cmpd="sng" algn="ctr">
-                      <a:solidFill>
-                        <a:srgbClr val="B1BBCC"/>
-                      </a:solidFill>
-                      <a:prstDash val="solid"/>
-                      <a:round/>
-                      <a:headEnd type="none" w="med" len="med"/>
-                      <a:tailEnd type="none" w="med" len="med"/>
-                    </a:lnR>
-                    <a:lnT w="6350" cap="flat" cmpd="sng" algn="ctr">
-                      <a:solidFill>
-                        <a:srgbClr val="B1BBCC"/>
-                      </a:solidFill>
-                      <a:prstDash val="solid"/>
-                      <a:round/>
-                      <a:headEnd type="none" w="med" len="med"/>
-                      <a:tailEnd type="none" w="med" len="med"/>
-                    </a:lnT>
-                    <a:lnB w="6350" cap="flat" cmpd="sng" algn="ctr">
-                      <a:solidFill>
-                        <a:srgbClr val="B1BBCC"/>
-                      </a:solidFill>
-                      <a:prstDash val="solid"/>
-                      <a:round/>
-                      <a:headEnd type="none" w="med" len="med"/>
-                      <a:tailEnd type="none" w="med" len="med"/>
-                    </a:lnB>
-                    <a:solidFill>
-                      <a:srgbClr val="DFE3E8"/>
-                    </a:solidFill>
-                  </a:tcPr>
-                </a:tc>
-              </a:tr>
-              <a:tr h="282365">
-                <a:tc>
-                  <a:txBody>
-                    <a:bodyPr/>
-                    <a:lstStyle/>
-                    <a:p>
-                      <a:r>
-                        <a:rPr lang="en-US" sz="1100" dirty="0" smtClean="0">
-                          <a:solidFill>
-                            <a:srgbClr val="000000"/>
-                          </a:solidFill>
-                          <a:effectLst/>
-                          <a:latin typeface="Calibri" panose="020F0502020204030204" pitchFamily="34" charset="0"/>
-                        </a:rPr>
-                        <a:t>1. Kick-Off </a:t>
-                      </a:r>
-                      <a:r>
-                        <a:rPr lang="en-US" sz="1100" dirty="0">
-                          <a:solidFill>
-                            <a:srgbClr val="000000"/>
-                          </a:solidFill>
-                          <a:effectLst/>
-                          <a:latin typeface="Calibri" panose="020F0502020204030204" pitchFamily="34" charset="0"/>
-                        </a:rPr>
-                        <a:t>Meeting</a:t>
-                      </a:r>
-                      <a:endParaRPr lang="en-US" sz="1100" dirty="0">
-                        <a:effectLst/>
-                        <a:latin typeface="Calibri" panose="020F0502020204030204" pitchFamily="34" charset="0"/>
-                      </a:endParaRPr>
-                    </a:p>
-                  </a:txBody>
-                  <a:tcPr marL="9525" marR="9525" marT="9525" marB="9525" anchor="ctr">
-                    <a:lnL w="6350" cap="flat" cmpd="sng" algn="ctr">
-                      <a:solidFill>
-                        <a:srgbClr val="B1BBCC"/>
-                      </a:solidFill>
-                      <a:prstDash val="solid"/>
-                      <a:round/>
-                      <a:headEnd type="none" w="med" len="med"/>
-                      <a:tailEnd type="none" w="med" len="med"/>
-                    </a:lnL>
-                    <a:lnR w="6350" cap="flat" cmpd="sng" algn="ctr">
-                      <a:solidFill>
-                        <a:srgbClr val="B1BBCC"/>
-                      </a:solidFill>
-                      <a:prstDash val="solid"/>
-                      <a:round/>
-                      <a:headEnd type="none" w="med" len="med"/>
-                      <a:tailEnd type="none" w="med" len="med"/>
-                    </a:lnR>
-                    <a:lnT w="6350" cap="flat" cmpd="sng" algn="ctr">
-                      <a:solidFill>
-                        <a:srgbClr val="B1BBCC"/>
-                      </a:solidFill>
-                      <a:prstDash val="solid"/>
-                      <a:round/>
-                      <a:headEnd type="none" w="med" len="med"/>
-                      <a:tailEnd type="none" w="med" len="med"/>
-                    </a:lnT>
-                    <a:lnB w="6350" cap="flat" cmpd="sng" algn="ctr">
-                      <a:solidFill>
-                        <a:srgbClr val="B1BBCC"/>
-                      </a:solidFill>
-                      <a:prstDash val="solid"/>
-                      <a:round/>
-                      <a:headEnd type="none" w="med" len="med"/>
-                      <a:tailEnd type="none" w="med" len="med"/>
-                    </a:lnB>
-                    <a:solidFill>
-                      <a:srgbClr val="FFFFFF"/>
-                    </a:solidFill>
-                  </a:tcPr>
-                </a:tc>
-                <a:tc>
-                  <a:txBody>
-                    <a:bodyPr/>
-                    <a:lstStyle/>
-                    <a:p>
-                      <a:r>
-                        <a:rPr lang="en-US" sz="1100">
-                          <a:solidFill>
-                            <a:srgbClr val="000000"/>
-                          </a:solidFill>
-                          <a:effectLst/>
-                          <a:latin typeface="Calibri" panose="020F0502020204030204" pitchFamily="34" charset="0"/>
-                        </a:rPr>
-                        <a:t>1 day</a:t>
-                      </a:r>
-                      <a:endParaRPr lang="en-US" sz="1100">
-                        <a:effectLst/>
-                        <a:latin typeface="Calibri" panose="020F0502020204030204" pitchFamily="34" charset="0"/>
-                      </a:endParaRPr>
-                    </a:p>
-                  </a:txBody>
-                  <a:tcPr marL="9525" marR="9525" marT="9525" marB="9525" anchor="ctr">
-                    <a:lnL w="6350" cap="flat" cmpd="sng" algn="ctr">
-                      <a:solidFill>
-                        <a:srgbClr val="B1BBCC"/>
-                      </a:solidFill>
-                      <a:prstDash val="solid"/>
-                      <a:round/>
-                      <a:headEnd type="none" w="med" len="med"/>
-                      <a:tailEnd type="none" w="med" len="med"/>
-                    </a:lnL>
-                    <a:lnR w="6350" cap="flat" cmpd="sng" algn="ctr">
-                      <a:solidFill>
-                        <a:srgbClr val="B1BBCC"/>
-                      </a:solidFill>
-                      <a:prstDash val="solid"/>
-                      <a:round/>
-                      <a:headEnd type="none" w="med" len="med"/>
-                      <a:tailEnd type="none" w="med" len="med"/>
-                    </a:lnR>
-                    <a:lnT w="6350" cap="flat" cmpd="sng" algn="ctr">
-                      <a:solidFill>
-                        <a:srgbClr val="B1BBCC"/>
-                      </a:solidFill>
-                      <a:prstDash val="solid"/>
-                      <a:round/>
-                      <a:headEnd type="none" w="med" len="med"/>
-                      <a:tailEnd type="none" w="med" len="med"/>
-                    </a:lnT>
-                    <a:lnB w="6350" cap="flat" cmpd="sng" algn="ctr">
-                      <a:solidFill>
-                        <a:srgbClr val="B1BBCC"/>
-                      </a:solidFill>
-                      <a:prstDash val="solid"/>
-                      <a:round/>
-                      <a:headEnd type="none" w="med" len="med"/>
-                      <a:tailEnd type="none" w="med" len="med"/>
-                    </a:lnB>
-                    <a:solidFill>
-                      <a:srgbClr val="FFFFFF"/>
-                    </a:solidFill>
-                  </a:tcPr>
-                </a:tc>
-                <a:tc>
-                  <a:txBody>
-                    <a:bodyPr/>
-                    <a:lstStyle/>
-                    <a:p>
-                      <a:r>
-                        <a:rPr lang="en-US" sz="1100">
-                          <a:solidFill>
-                            <a:srgbClr val="000000"/>
-                          </a:solidFill>
-                          <a:effectLst/>
-                          <a:latin typeface="Calibri" panose="020F0502020204030204" pitchFamily="34" charset="0"/>
-                        </a:rPr>
-                        <a:t>Wed 29.04.20</a:t>
-                      </a:r>
-                      <a:endParaRPr lang="en-US" sz="1100">
-                        <a:effectLst/>
-                        <a:latin typeface="Calibri" panose="020F0502020204030204" pitchFamily="34" charset="0"/>
-                      </a:endParaRPr>
-                    </a:p>
-                  </a:txBody>
-                  <a:tcPr marL="9525" marR="9525" marT="9525" marB="9525" anchor="ctr">
-                    <a:lnL w="6350" cap="flat" cmpd="sng" algn="ctr">
-                      <a:solidFill>
-                        <a:srgbClr val="B1BBCC"/>
-                      </a:solidFill>
-                      <a:prstDash val="solid"/>
-                      <a:round/>
-                      <a:headEnd type="none" w="med" len="med"/>
-                      <a:tailEnd type="none" w="med" len="med"/>
-                    </a:lnL>
-                    <a:lnR w="6350" cap="flat" cmpd="sng" algn="ctr">
-                      <a:solidFill>
-                        <a:srgbClr val="B1BBCC"/>
-                      </a:solidFill>
-                      <a:prstDash val="solid"/>
-                      <a:round/>
-                      <a:headEnd type="none" w="med" len="med"/>
-                      <a:tailEnd type="none" w="med" len="med"/>
-                    </a:lnR>
-                    <a:lnT w="6350" cap="flat" cmpd="sng" algn="ctr">
-                      <a:solidFill>
-                        <a:srgbClr val="B1BBCC"/>
-                      </a:solidFill>
-                      <a:prstDash val="solid"/>
-                      <a:round/>
-                      <a:headEnd type="none" w="med" len="med"/>
-                      <a:tailEnd type="none" w="med" len="med"/>
-                    </a:lnT>
-                    <a:lnB w="6350" cap="flat" cmpd="sng" algn="ctr">
-                      <a:solidFill>
-                        <a:srgbClr val="B1BBCC"/>
-                      </a:solidFill>
-                      <a:prstDash val="solid"/>
-                      <a:round/>
-                      <a:headEnd type="none" w="med" len="med"/>
-                      <a:tailEnd type="none" w="med" len="med"/>
-                    </a:lnB>
-                    <a:solidFill>
-                      <a:srgbClr val="FFFFFF"/>
-                    </a:solidFill>
-                  </a:tcPr>
-                </a:tc>
-                <a:tc>
-                  <a:txBody>
-                    <a:bodyPr/>
-                    <a:lstStyle/>
-                    <a:p>
-                      <a:r>
-                        <a:rPr lang="en-US" sz="1100" dirty="0">
-                          <a:solidFill>
-                            <a:srgbClr val="000000"/>
-                          </a:solidFill>
-                          <a:effectLst/>
-                          <a:latin typeface="Calibri" panose="020F0502020204030204" pitchFamily="34" charset="0"/>
-                        </a:rPr>
-                        <a:t>Wed 29.04.20</a:t>
-                      </a:r>
-                      <a:endParaRPr lang="en-US" sz="1100" dirty="0">
-                        <a:effectLst/>
-                        <a:latin typeface="Calibri" panose="020F0502020204030204" pitchFamily="34" charset="0"/>
-                      </a:endParaRPr>
-                    </a:p>
-                  </a:txBody>
-                  <a:tcPr marL="9525" marR="9525" marT="9525" marB="9525" anchor="ctr">
-                    <a:lnL w="6350" cap="flat" cmpd="sng" algn="ctr">
-                      <a:solidFill>
-                        <a:srgbClr val="B1BBCC"/>
-                      </a:solidFill>
-                      <a:prstDash val="solid"/>
-                      <a:round/>
-                      <a:headEnd type="none" w="med" len="med"/>
-                      <a:tailEnd type="none" w="med" len="med"/>
-                    </a:lnL>
-                    <a:lnR w="6350" cap="flat" cmpd="sng" algn="ctr">
-                      <a:solidFill>
-                        <a:srgbClr val="B1BBCC"/>
-                      </a:solidFill>
-                      <a:prstDash val="solid"/>
-                      <a:round/>
-                      <a:headEnd type="none" w="med" len="med"/>
-                      <a:tailEnd type="none" w="med" len="med"/>
-                    </a:lnR>
-                    <a:lnT w="6350" cap="flat" cmpd="sng" algn="ctr">
-                      <a:solidFill>
-                        <a:srgbClr val="B1BBCC"/>
-                      </a:solidFill>
-                      <a:prstDash val="solid"/>
-                      <a:round/>
-                      <a:headEnd type="none" w="med" len="med"/>
-                      <a:tailEnd type="none" w="med" len="med"/>
-                    </a:lnT>
-                    <a:lnB w="6350" cap="flat" cmpd="sng" algn="ctr">
-                      <a:solidFill>
-                        <a:srgbClr val="B1BBCC"/>
-                      </a:solidFill>
-                      <a:prstDash val="solid"/>
-                      <a:round/>
-                      <a:headEnd type="none" w="med" len="med"/>
-                      <a:tailEnd type="none" w="med" len="med"/>
-                    </a:lnB>
-                    <a:solidFill>
-                      <a:srgbClr val="FFFFFF"/>
-                    </a:solidFill>
-                  </a:tcPr>
-                </a:tc>
-              </a:tr>
-              <a:tr h="282365">
-                <a:tc>
-                  <a:txBody>
-                    <a:bodyPr/>
-                    <a:lstStyle/>
-                    <a:p>
-                      <a:r>
-                        <a:rPr lang="en-US" sz="1100" dirty="0" smtClean="0">
-                          <a:solidFill>
-                            <a:srgbClr val="000000"/>
-                          </a:solidFill>
-                          <a:effectLst/>
-                          <a:latin typeface="Calibri" panose="020F0502020204030204" pitchFamily="34" charset="0"/>
-                        </a:rPr>
-                        <a:t>2. SW </a:t>
-                      </a:r>
-                      <a:r>
-                        <a:rPr lang="en-US" sz="1100" dirty="0">
-                          <a:solidFill>
-                            <a:srgbClr val="000000"/>
-                          </a:solidFill>
-                          <a:effectLst/>
-                          <a:latin typeface="Calibri" panose="020F0502020204030204" pitchFamily="34" charset="0"/>
-                        </a:rPr>
-                        <a:t>and HW Development for 1st PCB</a:t>
-                      </a:r>
-                      <a:endParaRPr lang="en-US" sz="1100" dirty="0">
-                        <a:effectLst/>
-                        <a:latin typeface="Calibri" panose="020F0502020204030204" pitchFamily="34" charset="0"/>
-                      </a:endParaRPr>
-                    </a:p>
-                  </a:txBody>
-                  <a:tcPr marL="9525" marR="9525" marT="9525" marB="9525" anchor="ctr">
-                    <a:lnL w="6350" cap="flat" cmpd="sng" algn="ctr">
-                      <a:solidFill>
-                        <a:srgbClr val="B1BBCC"/>
-                      </a:solidFill>
-                      <a:prstDash val="solid"/>
-                      <a:round/>
-                      <a:headEnd type="none" w="med" len="med"/>
-                      <a:tailEnd type="none" w="med" len="med"/>
-                    </a:lnL>
-                    <a:lnR w="6350" cap="flat" cmpd="sng" algn="ctr">
-                      <a:solidFill>
-                        <a:srgbClr val="B1BBCC"/>
-                      </a:solidFill>
-                      <a:prstDash val="solid"/>
-                      <a:round/>
-                      <a:headEnd type="none" w="med" len="med"/>
-                      <a:tailEnd type="none" w="med" len="med"/>
-                    </a:lnR>
-                    <a:lnT w="6350" cap="flat" cmpd="sng" algn="ctr">
-                      <a:solidFill>
-                        <a:srgbClr val="B1BBCC"/>
-                      </a:solidFill>
-                      <a:prstDash val="solid"/>
-                      <a:round/>
-                      <a:headEnd type="none" w="med" len="med"/>
-                      <a:tailEnd type="none" w="med" len="med"/>
-                    </a:lnT>
-                    <a:lnB w="6350" cap="flat" cmpd="sng" algn="ctr">
-                      <a:solidFill>
-                        <a:srgbClr val="B1BBCC"/>
-                      </a:solidFill>
-                      <a:prstDash val="solid"/>
-                      <a:round/>
-                      <a:headEnd type="none" w="med" len="med"/>
-                      <a:tailEnd type="none" w="med" len="med"/>
-                    </a:lnB>
-                    <a:solidFill>
-                      <a:srgbClr val="FFFFFF"/>
-                    </a:solidFill>
-                  </a:tcPr>
-                </a:tc>
-                <a:tc>
-                  <a:txBody>
-                    <a:bodyPr/>
-                    <a:lstStyle/>
-                    <a:p>
-                      <a:r>
-                        <a:rPr lang="en-US" sz="1100" dirty="0">
-                          <a:solidFill>
-                            <a:srgbClr val="000000"/>
-                          </a:solidFill>
-                          <a:effectLst/>
-                          <a:latin typeface="Calibri" panose="020F0502020204030204" pitchFamily="34" charset="0"/>
-                        </a:rPr>
-                        <a:t>23 days</a:t>
-                      </a:r>
-                      <a:endParaRPr lang="en-US" sz="1100" dirty="0">
-                        <a:effectLst/>
-                        <a:latin typeface="Calibri" panose="020F0502020204030204" pitchFamily="34" charset="0"/>
-                      </a:endParaRPr>
-                    </a:p>
-                  </a:txBody>
-                  <a:tcPr marL="9525" marR="9525" marT="9525" marB="9525" anchor="ctr">
-                    <a:lnL w="6350" cap="flat" cmpd="sng" algn="ctr">
-                      <a:solidFill>
-                        <a:srgbClr val="B1BBCC"/>
-                      </a:solidFill>
-                      <a:prstDash val="solid"/>
-                      <a:round/>
-                      <a:headEnd type="none" w="med" len="med"/>
-                      <a:tailEnd type="none" w="med" len="med"/>
-                    </a:lnL>
-                    <a:lnR w="6350" cap="flat" cmpd="sng" algn="ctr">
-                      <a:solidFill>
-                        <a:srgbClr val="B1BBCC"/>
-                      </a:solidFill>
-                      <a:prstDash val="solid"/>
-                      <a:round/>
-                      <a:headEnd type="none" w="med" len="med"/>
-                      <a:tailEnd type="none" w="med" len="med"/>
-                    </a:lnR>
-                    <a:lnT w="6350" cap="flat" cmpd="sng" algn="ctr">
-                      <a:solidFill>
-                        <a:srgbClr val="B1BBCC"/>
-                      </a:solidFill>
-                      <a:prstDash val="solid"/>
-                      <a:round/>
-                      <a:headEnd type="none" w="med" len="med"/>
-                      <a:tailEnd type="none" w="med" len="med"/>
-                    </a:lnT>
-                    <a:lnB w="6350" cap="flat" cmpd="sng" algn="ctr">
-                      <a:solidFill>
-                        <a:srgbClr val="B1BBCC"/>
-                      </a:solidFill>
-                      <a:prstDash val="solid"/>
-                      <a:round/>
-                      <a:headEnd type="none" w="med" len="med"/>
-                      <a:tailEnd type="none" w="med" len="med"/>
-                    </a:lnB>
-                    <a:solidFill>
-                      <a:srgbClr val="FFFFFF"/>
-                    </a:solidFill>
-                  </a:tcPr>
-                </a:tc>
-                <a:tc>
-                  <a:txBody>
-                    <a:bodyPr/>
-                    <a:lstStyle/>
-                    <a:p>
-                      <a:r>
-                        <a:rPr lang="en-US" sz="1100">
-                          <a:solidFill>
-                            <a:srgbClr val="000000"/>
-                          </a:solidFill>
-                          <a:effectLst/>
-                          <a:latin typeface="Calibri" panose="020F0502020204030204" pitchFamily="34" charset="0"/>
-                        </a:rPr>
-                        <a:t>Thu 30.04.20</a:t>
-                      </a:r>
-                      <a:endParaRPr lang="en-US" sz="1100">
-                        <a:effectLst/>
-                        <a:latin typeface="Calibri" panose="020F0502020204030204" pitchFamily="34" charset="0"/>
-                      </a:endParaRPr>
-                    </a:p>
-                  </a:txBody>
-                  <a:tcPr marL="9525" marR="9525" marT="9525" marB="9525" anchor="ctr">
-                    <a:lnL w="6350" cap="flat" cmpd="sng" algn="ctr">
-                      <a:solidFill>
-                        <a:srgbClr val="B1BBCC"/>
-                      </a:solidFill>
-                      <a:prstDash val="solid"/>
-                      <a:round/>
-                      <a:headEnd type="none" w="med" len="med"/>
-                      <a:tailEnd type="none" w="med" len="med"/>
-                    </a:lnL>
-                    <a:lnR w="6350" cap="flat" cmpd="sng" algn="ctr">
-                      <a:solidFill>
-                        <a:srgbClr val="B1BBCC"/>
-                      </a:solidFill>
-                      <a:prstDash val="solid"/>
-                      <a:round/>
-                      <a:headEnd type="none" w="med" len="med"/>
-                      <a:tailEnd type="none" w="med" len="med"/>
-                    </a:lnR>
-                    <a:lnT w="6350" cap="flat" cmpd="sng" algn="ctr">
-                      <a:solidFill>
-                        <a:srgbClr val="B1BBCC"/>
-                      </a:solidFill>
-                      <a:prstDash val="solid"/>
-                      <a:round/>
-                      <a:headEnd type="none" w="med" len="med"/>
-                      <a:tailEnd type="none" w="med" len="med"/>
-                    </a:lnT>
-                    <a:lnB w="6350" cap="flat" cmpd="sng" algn="ctr">
-                      <a:solidFill>
-                        <a:srgbClr val="B1BBCC"/>
-                      </a:solidFill>
-                      <a:prstDash val="solid"/>
-                      <a:round/>
-                      <a:headEnd type="none" w="med" len="med"/>
-                      <a:tailEnd type="none" w="med" len="med"/>
-                    </a:lnB>
-                    <a:solidFill>
-                      <a:srgbClr val="FFFFFF"/>
-                    </a:solidFill>
-                  </a:tcPr>
-                </a:tc>
-                <a:tc>
-                  <a:txBody>
-                    <a:bodyPr/>
-                    <a:lstStyle/>
-                    <a:p>
-                      <a:r>
-                        <a:rPr lang="en-US" sz="1100">
-                          <a:solidFill>
-                            <a:srgbClr val="000000"/>
-                          </a:solidFill>
-                          <a:effectLst/>
-                          <a:latin typeface="Calibri" panose="020F0502020204030204" pitchFamily="34" charset="0"/>
-                        </a:rPr>
-                        <a:t>Mon 01.06.20</a:t>
-                      </a:r>
-                      <a:endParaRPr lang="en-US" sz="1100">
-                        <a:effectLst/>
-                        <a:latin typeface="Calibri" panose="020F0502020204030204" pitchFamily="34" charset="0"/>
-                      </a:endParaRPr>
-                    </a:p>
-                  </a:txBody>
-                  <a:tcPr marL="9525" marR="9525" marT="9525" marB="9525" anchor="ctr">
-                    <a:lnL w="6350" cap="flat" cmpd="sng" algn="ctr">
-                      <a:solidFill>
-                        <a:srgbClr val="B1BBCC"/>
-                      </a:solidFill>
-                      <a:prstDash val="solid"/>
-                      <a:round/>
-                      <a:headEnd type="none" w="med" len="med"/>
-                      <a:tailEnd type="none" w="med" len="med"/>
-                    </a:lnL>
-                    <a:lnR w="6350" cap="flat" cmpd="sng" algn="ctr">
-                      <a:solidFill>
-                        <a:srgbClr val="B1BBCC"/>
-                      </a:solidFill>
-                      <a:prstDash val="solid"/>
-                      <a:round/>
-                      <a:headEnd type="none" w="med" len="med"/>
-                      <a:tailEnd type="none" w="med" len="med"/>
-                    </a:lnR>
-                    <a:lnT w="6350" cap="flat" cmpd="sng" algn="ctr">
-                      <a:solidFill>
-                        <a:srgbClr val="B1BBCC"/>
-                      </a:solidFill>
-                      <a:prstDash val="solid"/>
-                      <a:round/>
-                      <a:headEnd type="none" w="med" len="med"/>
-                      <a:tailEnd type="none" w="med" len="med"/>
-                    </a:lnT>
-                    <a:lnB w="6350" cap="flat" cmpd="sng" algn="ctr">
-                      <a:solidFill>
-                        <a:srgbClr val="B1BBCC"/>
-                      </a:solidFill>
-                      <a:prstDash val="solid"/>
-                      <a:round/>
-                      <a:headEnd type="none" w="med" len="med"/>
-                      <a:tailEnd type="none" w="med" len="med"/>
-                    </a:lnB>
-                    <a:solidFill>
-                      <a:srgbClr val="FFFFFF"/>
-                    </a:solidFill>
-                  </a:tcPr>
-                </a:tc>
-              </a:tr>
-              <a:tr h="282365">
-                <a:tc>
-                  <a:txBody>
-                    <a:bodyPr/>
-                    <a:lstStyle/>
-                    <a:p>
-                      <a:r>
-                        <a:rPr lang="en-US" sz="1100" dirty="0" smtClean="0">
-                          <a:solidFill>
-                            <a:srgbClr val="000000"/>
-                          </a:solidFill>
-                          <a:effectLst/>
-                          <a:latin typeface="Calibri" panose="020F0502020204030204" pitchFamily="34" charset="0"/>
-                        </a:rPr>
-                        <a:t>3. Report </a:t>
-                      </a:r>
-                      <a:r>
-                        <a:rPr lang="en-US" sz="1100" dirty="0">
-                          <a:solidFill>
-                            <a:srgbClr val="000000"/>
-                          </a:solidFill>
-                          <a:effectLst/>
-                          <a:latin typeface="Calibri" panose="020F0502020204030204" pitchFamily="34" charset="0"/>
-                        </a:rPr>
-                        <a:t>of tests with 1st PCB</a:t>
-                      </a:r>
-                      <a:endParaRPr lang="en-US" sz="1100" dirty="0">
-                        <a:effectLst/>
-                        <a:latin typeface="Calibri" panose="020F0502020204030204" pitchFamily="34" charset="0"/>
-                      </a:endParaRPr>
-                    </a:p>
-                  </a:txBody>
-                  <a:tcPr marL="9525" marR="9525" marT="9525" marB="9525" anchor="ctr">
-                    <a:lnL w="6350" cap="flat" cmpd="sng" algn="ctr">
-                      <a:solidFill>
-                        <a:srgbClr val="B1BBCC"/>
-                      </a:solidFill>
-                      <a:prstDash val="solid"/>
-                      <a:round/>
-                      <a:headEnd type="none" w="med" len="med"/>
-                      <a:tailEnd type="none" w="med" len="med"/>
-                    </a:lnL>
-                    <a:lnR w="6350" cap="flat" cmpd="sng" algn="ctr">
-                      <a:solidFill>
-                        <a:srgbClr val="B1BBCC"/>
-                      </a:solidFill>
-                      <a:prstDash val="solid"/>
-                      <a:round/>
-                      <a:headEnd type="none" w="med" len="med"/>
-                      <a:tailEnd type="none" w="med" len="med"/>
-                    </a:lnR>
-                    <a:lnT w="6350" cap="flat" cmpd="sng" algn="ctr">
-                      <a:solidFill>
-                        <a:srgbClr val="B1BBCC"/>
-                      </a:solidFill>
-                      <a:prstDash val="solid"/>
-                      <a:round/>
-                      <a:headEnd type="none" w="med" len="med"/>
-                      <a:tailEnd type="none" w="med" len="med"/>
-                    </a:lnT>
-                    <a:lnB w="6350" cap="flat" cmpd="sng" algn="ctr">
-                      <a:solidFill>
-                        <a:srgbClr val="B1BBCC"/>
-                      </a:solidFill>
-                      <a:prstDash val="solid"/>
-                      <a:round/>
-                      <a:headEnd type="none" w="med" len="med"/>
-                      <a:tailEnd type="none" w="med" len="med"/>
-                    </a:lnB>
-                    <a:solidFill>
-                      <a:srgbClr val="FFFFFF"/>
-                    </a:solidFill>
-                  </a:tcPr>
-                </a:tc>
-                <a:tc>
-                  <a:txBody>
-                    <a:bodyPr/>
-                    <a:lstStyle/>
-                    <a:p>
-                      <a:r>
-                        <a:rPr lang="en-US" sz="1100">
-                          <a:solidFill>
-                            <a:srgbClr val="000000"/>
-                          </a:solidFill>
-                          <a:effectLst/>
-                          <a:latin typeface="Calibri" panose="020F0502020204030204" pitchFamily="34" charset="0"/>
-                        </a:rPr>
-                        <a:t>1 day</a:t>
-                      </a:r>
-                      <a:endParaRPr lang="en-US" sz="1100">
-                        <a:effectLst/>
-                        <a:latin typeface="Calibri" panose="020F0502020204030204" pitchFamily="34" charset="0"/>
-                      </a:endParaRPr>
-                    </a:p>
-                  </a:txBody>
-                  <a:tcPr marL="9525" marR="9525" marT="9525" marB="9525" anchor="ctr">
-                    <a:lnL w="6350" cap="flat" cmpd="sng" algn="ctr">
-                      <a:solidFill>
-                        <a:srgbClr val="B1BBCC"/>
-                      </a:solidFill>
-                      <a:prstDash val="solid"/>
-                      <a:round/>
-                      <a:headEnd type="none" w="med" len="med"/>
-                      <a:tailEnd type="none" w="med" len="med"/>
-                    </a:lnL>
-                    <a:lnR w="6350" cap="flat" cmpd="sng" algn="ctr">
-                      <a:solidFill>
-                        <a:srgbClr val="B1BBCC"/>
-                      </a:solidFill>
-                      <a:prstDash val="solid"/>
-                      <a:round/>
-                      <a:headEnd type="none" w="med" len="med"/>
-                      <a:tailEnd type="none" w="med" len="med"/>
-                    </a:lnR>
-                    <a:lnT w="6350" cap="flat" cmpd="sng" algn="ctr">
-                      <a:solidFill>
-                        <a:srgbClr val="B1BBCC"/>
-                      </a:solidFill>
-                      <a:prstDash val="solid"/>
-                      <a:round/>
-                      <a:headEnd type="none" w="med" len="med"/>
-                      <a:tailEnd type="none" w="med" len="med"/>
-                    </a:lnT>
-                    <a:lnB w="6350" cap="flat" cmpd="sng" algn="ctr">
-                      <a:solidFill>
-                        <a:srgbClr val="B1BBCC"/>
-                      </a:solidFill>
-                      <a:prstDash val="solid"/>
-                      <a:round/>
-                      <a:headEnd type="none" w="med" len="med"/>
-                      <a:tailEnd type="none" w="med" len="med"/>
-                    </a:lnB>
-                    <a:solidFill>
-                      <a:srgbClr val="FFFFFF"/>
-                    </a:solidFill>
-                  </a:tcPr>
-                </a:tc>
-                <a:tc>
-                  <a:txBody>
-                    <a:bodyPr/>
-                    <a:lstStyle/>
-                    <a:p>
-                      <a:r>
-                        <a:rPr lang="en-US" sz="1100">
-                          <a:solidFill>
-                            <a:srgbClr val="000000"/>
-                          </a:solidFill>
-                          <a:effectLst/>
-                          <a:latin typeface="Calibri" panose="020F0502020204030204" pitchFamily="34" charset="0"/>
-                        </a:rPr>
-                        <a:t>Tue 02.06.20</a:t>
-                      </a:r>
-                      <a:endParaRPr lang="en-US" sz="1100">
-                        <a:effectLst/>
-                        <a:latin typeface="Calibri" panose="020F0502020204030204" pitchFamily="34" charset="0"/>
-                      </a:endParaRPr>
-                    </a:p>
-                  </a:txBody>
-                  <a:tcPr marL="9525" marR="9525" marT="9525" marB="9525" anchor="ctr">
-                    <a:lnL w="6350" cap="flat" cmpd="sng" algn="ctr">
-                      <a:solidFill>
-                        <a:srgbClr val="B1BBCC"/>
-                      </a:solidFill>
-                      <a:prstDash val="solid"/>
-                      <a:round/>
-                      <a:headEnd type="none" w="med" len="med"/>
-                      <a:tailEnd type="none" w="med" len="med"/>
-                    </a:lnL>
-                    <a:lnR w="6350" cap="flat" cmpd="sng" algn="ctr">
-                      <a:solidFill>
-                        <a:srgbClr val="B1BBCC"/>
-                      </a:solidFill>
-                      <a:prstDash val="solid"/>
-                      <a:round/>
-                      <a:headEnd type="none" w="med" len="med"/>
-                      <a:tailEnd type="none" w="med" len="med"/>
-                    </a:lnR>
-                    <a:lnT w="6350" cap="flat" cmpd="sng" algn="ctr">
-                      <a:solidFill>
-                        <a:srgbClr val="B1BBCC"/>
-                      </a:solidFill>
-                      <a:prstDash val="solid"/>
-                      <a:round/>
-                      <a:headEnd type="none" w="med" len="med"/>
-                      <a:tailEnd type="none" w="med" len="med"/>
-                    </a:lnT>
-                    <a:lnB w="6350" cap="flat" cmpd="sng" algn="ctr">
-                      <a:solidFill>
-                        <a:srgbClr val="B1BBCC"/>
-                      </a:solidFill>
-                      <a:prstDash val="solid"/>
-                      <a:round/>
-                      <a:headEnd type="none" w="med" len="med"/>
-                      <a:tailEnd type="none" w="med" len="med"/>
-                    </a:lnB>
-                    <a:solidFill>
-                      <a:srgbClr val="FFFFFF"/>
-                    </a:solidFill>
-                  </a:tcPr>
-                </a:tc>
-                <a:tc>
-                  <a:txBody>
-                    <a:bodyPr/>
-                    <a:lstStyle/>
-                    <a:p>
-                      <a:r>
-                        <a:rPr lang="en-US" sz="1100">
-                          <a:solidFill>
-                            <a:srgbClr val="000000"/>
-                          </a:solidFill>
-                          <a:effectLst/>
-                          <a:latin typeface="Calibri" panose="020F0502020204030204" pitchFamily="34" charset="0"/>
-                        </a:rPr>
-                        <a:t>Tue 02.06.20</a:t>
-                      </a:r>
-                      <a:endParaRPr lang="en-US" sz="1100">
-                        <a:effectLst/>
-                        <a:latin typeface="Calibri" panose="020F0502020204030204" pitchFamily="34" charset="0"/>
-                      </a:endParaRPr>
-                    </a:p>
-                  </a:txBody>
-                  <a:tcPr marL="9525" marR="9525" marT="9525" marB="9525" anchor="ctr">
-                    <a:lnL w="6350" cap="flat" cmpd="sng" algn="ctr">
-                      <a:solidFill>
-                        <a:srgbClr val="B1BBCC"/>
-                      </a:solidFill>
-                      <a:prstDash val="solid"/>
-                      <a:round/>
-                      <a:headEnd type="none" w="med" len="med"/>
-                      <a:tailEnd type="none" w="med" len="med"/>
-                    </a:lnL>
-                    <a:lnR w="6350" cap="flat" cmpd="sng" algn="ctr">
-                      <a:solidFill>
-                        <a:srgbClr val="B1BBCC"/>
-                      </a:solidFill>
-                      <a:prstDash val="solid"/>
-                      <a:round/>
-                      <a:headEnd type="none" w="med" len="med"/>
-                      <a:tailEnd type="none" w="med" len="med"/>
-                    </a:lnR>
-                    <a:lnT w="6350" cap="flat" cmpd="sng" algn="ctr">
-                      <a:solidFill>
-                        <a:srgbClr val="B1BBCC"/>
-                      </a:solidFill>
-                      <a:prstDash val="solid"/>
-                      <a:round/>
-                      <a:headEnd type="none" w="med" len="med"/>
-                      <a:tailEnd type="none" w="med" len="med"/>
-                    </a:lnT>
-                    <a:lnB w="6350" cap="flat" cmpd="sng" algn="ctr">
-                      <a:solidFill>
-                        <a:srgbClr val="B1BBCC"/>
-                      </a:solidFill>
-                      <a:prstDash val="solid"/>
-                      <a:round/>
-                      <a:headEnd type="none" w="med" len="med"/>
-                      <a:tailEnd type="none" w="med" len="med"/>
-                    </a:lnB>
-                    <a:solidFill>
-                      <a:srgbClr val="FFFFFF"/>
-                    </a:solidFill>
-                  </a:tcPr>
-                </a:tc>
-              </a:tr>
-              <a:tr h="282365">
-                <a:tc>
-                  <a:txBody>
-                    <a:bodyPr/>
-                    <a:lstStyle/>
-                    <a:p>
-                      <a:r>
-                        <a:rPr lang="en-US" sz="1100" dirty="0" smtClean="0">
-                          <a:solidFill>
-                            <a:srgbClr val="000000"/>
-                          </a:solidFill>
-                          <a:effectLst/>
-                          <a:latin typeface="Calibri" panose="020F0502020204030204" pitchFamily="34" charset="0"/>
-                        </a:rPr>
-                        <a:t>4. SW </a:t>
-                      </a:r>
-                      <a:r>
-                        <a:rPr lang="en-US" sz="1100" dirty="0">
-                          <a:solidFill>
-                            <a:srgbClr val="000000"/>
-                          </a:solidFill>
-                          <a:effectLst/>
-                          <a:latin typeface="Calibri" panose="020F0502020204030204" pitchFamily="34" charset="0"/>
-                        </a:rPr>
-                        <a:t>for </a:t>
-                      </a:r>
-                      <a:r>
-                        <a:rPr lang="en-US" sz="1100" dirty="0" err="1">
-                          <a:solidFill>
-                            <a:srgbClr val="000000"/>
-                          </a:solidFill>
-                          <a:effectLst/>
-                          <a:latin typeface="Calibri" panose="020F0502020204030204" pitchFamily="34" charset="0"/>
-                        </a:rPr>
-                        <a:t>EtherCAT</a:t>
-                      </a:r>
-                      <a:r>
-                        <a:rPr lang="en-US" sz="1100" dirty="0">
-                          <a:solidFill>
-                            <a:srgbClr val="000000"/>
-                          </a:solidFill>
-                          <a:effectLst/>
-                          <a:latin typeface="Calibri" panose="020F0502020204030204" pitchFamily="34" charset="0"/>
-                        </a:rPr>
-                        <a:t> </a:t>
-                      </a:r>
-                      <a:r>
-                        <a:rPr lang="en-US" sz="1100" dirty="0" err="1">
-                          <a:solidFill>
-                            <a:srgbClr val="000000"/>
-                          </a:solidFill>
-                          <a:effectLst/>
-                          <a:latin typeface="Calibri" panose="020F0502020204030204" pitchFamily="34" charset="0"/>
-                        </a:rPr>
-                        <a:t>comm</a:t>
-                      </a:r>
-                      <a:r>
-                        <a:rPr lang="en-US" sz="1100" dirty="0">
-                          <a:solidFill>
-                            <a:srgbClr val="000000"/>
-                          </a:solidFill>
-                          <a:effectLst/>
-                          <a:latin typeface="Calibri" panose="020F0502020204030204" pitchFamily="34" charset="0"/>
-                        </a:rPr>
-                        <a:t>/control features</a:t>
-                      </a:r>
-                      <a:endParaRPr lang="en-US" sz="1100" dirty="0">
-                        <a:effectLst/>
-                        <a:latin typeface="Calibri" panose="020F0502020204030204" pitchFamily="34" charset="0"/>
-                      </a:endParaRPr>
-                    </a:p>
-                  </a:txBody>
-                  <a:tcPr marL="9525" marR="9525" marT="9525" marB="9525" anchor="ctr">
-                    <a:lnL w="6350" cap="flat" cmpd="sng" algn="ctr">
-                      <a:solidFill>
-                        <a:srgbClr val="B1BBCC"/>
-                      </a:solidFill>
-                      <a:prstDash val="solid"/>
-                      <a:round/>
-                      <a:headEnd type="none" w="med" len="med"/>
-                      <a:tailEnd type="none" w="med" len="med"/>
-                    </a:lnL>
-                    <a:lnR w="6350" cap="flat" cmpd="sng" algn="ctr">
-                      <a:solidFill>
-                        <a:srgbClr val="B1BBCC"/>
-                      </a:solidFill>
-                      <a:prstDash val="solid"/>
-                      <a:round/>
-                      <a:headEnd type="none" w="med" len="med"/>
-                      <a:tailEnd type="none" w="med" len="med"/>
-                    </a:lnR>
-                    <a:lnT w="6350" cap="flat" cmpd="sng" algn="ctr">
-                      <a:solidFill>
-                        <a:srgbClr val="B1BBCC"/>
-                      </a:solidFill>
-                      <a:prstDash val="solid"/>
-                      <a:round/>
-                      <a:headEnd type="none" w="med" len="med"/>
-                      <a:tailEnd type="none" w="med" len="med"/>
-                    </a:lnT>
-                    <a:lnB w="6350" cap="flat" cmpd="sng" algn="ctr">
-                      <a:solidFill>
-                        <a:srgbClr val="B1BBCC"/>
-                      </a:solidFill>
-                      <a:prstDash val="solid"/>
-                      <a:round/>
-                      <a:headEnd type="none" w="med" len="med"/>
-                      <a:tailEnd type="none" w="med" len="med"/>
-                    </a:lnB>
-                    <a:solidFill>
-                      <a:srgbClr val="FFFFFF"/>
-                    </a:solidFill>
-                  </a:tcPr>
-                </a:tc>
-                <a:tc>
-                  <a:txBody>
-                    <a:bodyPr/>
-                    <a:lstStyle/>
-                    <a:p>
-                      <a:r>
-                        <a:rPr lang="en-US" sz="1100">
-                          <a:solidFill>
-                            <a:srgbClr val="000000"/>
-                          </a:solidFill>
-                          <a:effectLst/>
-                          <a:latin typeface="Calibri" panose="020F0502020204030204" pitchFamily="34" charset="0"/>
-                        </a:rPr>
-                        <a:t>16 days</a:t>
-                      </a:r>
-                      <a:endParaRPr lang="en-US" sz="1100">
-                        <a:effectLst/>
-                        <a:latin typeface="Calibri" panose="020F0502020204030204" pitchFamily="34" charset="0"/>
-                      </a:endParaRPr>
-                    </a:p>
-                  </a:txBody>
-                  <a:tcPr marL="9525" marR="9525" marT="9525" marB="9525" anchor="ctr">
-                    <a:lnL w="6350" cap="flat" cmpd="sng" algn="ctr">
-                      <a:solidFill>
-                        <a:srgbClr val="B1BBCC"/>
-                      </a:solidFill>
-                      <a:prstDash val="solid"/>
-                      <a:round/>
-                      <a:headEnd type="none" w="med" len="med"/>
-                      <a:tailEnd type="none" w="med" len="med"/>
-                    </a:lnL>
-                    <a:lnR w="6350" cap="flat" cmpd="sng" algn="ctr">
-                      <a:solidFill>
-                        <a:srgbClr val="B1BBCC"/>
-                      </a:solidFill>
-                      <a:prstDash val="solid"/>
-                      <a:round/>
-                      <a:headEnd type="none" w="med" len="med"/>
-                      <a:tailEnd type="none" w="med" len="med"/>
-                    </a:lnR>
-                    <a:lnT w="6350" cap="flat" cmpd="sng" algn="ctr">
-                      <a:solidFill>
-                        <a:srgbClr val="B1BBCC"/>
-                      </a:solidFill>
-                      <a:prstDash val="solid"/>
-                      <a:round/>
-                      <a:headEnd type="none" w="med" len="med"/>
-                      <a:tailEnd type="none" w="med" len="med"/>
-                    </a:lnT>
-                    <a:lnB w="6350" cap="flat" cmpd="sng" algn="ctr">
-                      <a:solidFill>
-                        <a:srgbClr val="B1BBCC"/>
-                      </a:solidFill>
-                      <a:prstDash val="solid"/>
-                      <a:round/>
-                      <a:headEnd type="none" w="med" len="med"/>
-                      <a:tailEnd type="none" w="med" len="med"/>
-                    </a:lnB>
-                    <a:solidFill>
-                      <a:srgbClr val="FFFFFF"/>
-                    </a:solidFill>
-                  </a:tcPr>
-                </a:tc>
-                <a:tc>
-                  <a:txBody>
-                    <a:bodyPr/>
-                    <a:lstStyle/>
-                    <a:p>
-                      <a:r>
-                        <a:rPr lang="en-US" sz="1100">
-                          <a:solidFill>
-                            <a:srgbClr val="000000"/>
-                          </a:solidFill>
-                          <a:effectLst/>
-                          <a:latin typeface="Calibri" panose="020F0502020204030204" pitchFamily="34" charset="0"/>
-                        </a:rPr>
-                        <a:t>Wed 03.06.20</a:t>
-                      </a:r>
-                      <a:endParaRPr lang="en-US" sz="1100">
-                        <a:effectLst/>
-                        <a:latin typeface="Calibri" panose="020F0502020204030204" pitchFamily="34" charset="0"/>
-                      </a:endParaRPr>
-                    </a:p>
-                  </a:txBody>
-                  <a:tcPr marL="9525" marR="9525" marT="9525" marB="9525" anchor="ctr">
-                    <a:lnL w="6350" cap="flat" cmpd="sng" algn="ctr">
-                      <a:solidFill>
-                        <a:srgbClr val="B1BBCC"/>
-                      </a:solidFill>
-                      <a:prstDash val="solid"/>
-                      <a:round/>
-                      <a:headEnd type="none" w="med" len="med"/>
-                      <a:tailEnd type="none" w="med" len="med"/>
-                    </a:lnL>
-                    <a:lnR w="6350" cap="flat" cmpd="sng" algn="ctr">
-                      <a:solidFill>
-                        <a:srgbClr val="B1BBCC"/>
-                      </a:solidFill>
-                      <a:prstDash val="solid"/>
-                      <a:round/>
-                      <a:headEnd type="none" w="med" len="med"/>
-                      <a:tailEnd type="none" w="med" len="med"/>
-                    </a:lnR>
-                    <a:lnT w="6350" cap="flat" cmpd="sng" algn="ctr">
-                      <a:solidFill>
-                        <a:srgbClr val="B1BBCC"/>
-                      </a:solidFill>
-                      <a:prstDash val="solid"/>
-                      <a:round/>
-                      <a:headEnd type="none" w="med" len="med"/>
-                      <a:tailEnd type="none" w="med" len="med"/>
-                    </a:lnT>
-                    <a:lnB w="6350" cap="flat" cmpd="sng" algn="ctr">
-                      <a:solidFill>
-                        <a:srgbClr val="B1BBCC"/>
-                      </a:solidFill>
-                      <a:prstDash val="solid"/>
-                      <a:round/>
-                      <a:headEnd type="none" w="med" len="med"/>
-                      <a:tailEnd type="none" w="med" len="med"/>
-                    </a:lnB>
-                    <a:solidFill>
-                      <a:srgbClr val="FFFFFF"/>
-                    </a:solidFill>
-                  </a:tcPr>
-                </a:tc>
-                <a:tc>
-                  <a:txBody>
-                    <a:bodyPr/>
-                    <a:lstStyle/>
-                    <a:p>
-                      <a:r>
-                        <a:rPr lang="en-US" sz="1100">
-                          <a:solidFill>
-                            <a:srgbClr val="000000"/>
-                          </a:solidFill>
-                          <a:effectLst/>
-                          <a:latin typeface="Calibri" panose="020F0502020204030204" pitchFamily="34" charset="0"/>
-                        </a:rPr>
-                        <a:t>Wed 24.06.20</a:t>
-                      </a:r>
-                      <a:endParaRPr lang="en-US" sz="1100">
-                        <a:effectLst/>
-                        <a:latin typeface="Calibri" panose="020F0502020204030204" pitchFamily="34" charset="0"/>
-                      </a:endParaRPr>
-                    </a:p>
-                  </a:txBody>
-                  <a:tcPr marL="9525" marR="9525" marT="9525" marB="9525" anchor="ctr">
-                    <a:lnL w="6350" cap="flat" cmpd="sng" algn="ctr">
-                      <a:solidFill>
-                        <a:srgbClr val="B1BBCC"/>
-                      </a:solidFill>
-                      <a:prstDash val="solid"/>
-                      <a:round/>
-                      <a:headEnd type="none" w="med" len="med"/>
-                      <a:tailEnd type="none" w="med" len="med"/>
-                    </a:lnL>
-                    <a:lnR w="6350" cap="flat" cmpd="sng" algn="ctr">
-                      <a:solidFill>
-                        <a:srgbClr val="B1BBCC"/>
-                      </a:solidFill>
-                      <a:prstDash val="solid"/>
-                      <a:round/>
-                      <a:headEnd type="none" w="med" len="med"/>
-                      <a:tailEnd type="none" w="med" len="med"/>
-                    </a:lnR>
-                    <a:lnT w="6350" cap="flat" cmpd="sng" algn="ctr">
-                      <a:solidFill>
-                        <a:srgbClr val="B1BBCC"/>
-                      </a:solidFill>
-                      <a:prstDash val="solid"/>
-                      <a:round/>
-                      <a:headEnd type="none" w="med" len="med"/>
-                      <a:tailEnd type="none" w="med" len="med"/>
-                    </a:lnT>
-                    <a:lnB w="6350" cap="flat" cmpd="sng" algn="ctr">
-                      <a:solidFill>
-                        <a:srgbClr val="B1BBCC"/>
-                      </a:solidFill>
-                      <a:prstDash val="solid"/>
-                      <a:round/>
-                      <a:headEnd type="none" w="med" len="med"/>
-                      <a:tailEnd type="none" w="med" len="med"/>
-                    </a:lnB>
-                    <a:solidFill>
-                      <a:srgbClr val="FFFFFF"/>
-                    </a:solidFill>
-                  </a:tcPr>
-                </a:tc>
-              </a:tr>
-              <a:tr h="282365">
-                <a:tc>
-                  <a:txBody>
-                    <a:bodyPr/>
-                    <a:lstStyle/>
-                    <a:p>
-                      <a:r>
-                        <a:rPr lang="en-US" sz="1100" dirty="0" smtClean="0">
-                          <a:solidFill>
-                            <a:srgbClr val="000000"/>
-                          </a:solidFill>
-                          <a:effectLst/>
-                          <a:latin typeface="Calibri" panose="020F0502020204030204" pitchFamily="34" charset="0"/>
-                        </a:rPr>
-                        <a:t>5. Report </a:t>
-                      </a:r>
-                      <a:r>
-                        <a:rPr lang="en-US" sz="1100" dirty="0">
-                          <a:solidFill>
-                            <a:srgbClr val="000000"/>
-                          </a:solidFill>
-                          <a:effectLst/>
-                          <a:latin typeface="Calibri" panose="020F0502020204030204" pitchFamily="34" charset="0"/>
-                        </a:rPr>
-                        <a:t>of tests with </a:t>
-                      </a:r>
-                      <a:r>
-                        <a:rPr lang="en-US" sz="1100" dirty="0" err="1">
-                          <a:solidFill>
-                            <a:srgbClr val="000000"/>
-                          </a:solidFill>
-                          <a:effectLst/>
-                          <a:latin typeface="Calibri" panose="020F0502020204030204" pitchFamily="34" charset="0"/>
-                        </a:rPr>
-                        <a:t>EtherCAT</a:t>
-                      </a:r>
-                      <a:r>
-                        <a:rPr lang="en-US" sz="1100" dirty="0">
-                          <a:solidFill>
-                            <a:srgbClr val="000000"/>
-                          </a:solidFill>
-                          <a:effectLst/>
-                          <a:latin typeface="Calibri" panose="020F0502020204030204" pitchFamily="34" charset="0"/>
-                        </a:rPr>
-                        <a:t> </a:t>
-                      </a:r>
-                      <a:r>
-                        <a:rPr lang="en-US" sz="1100" dirty="0" err="1">
-                          <a:solidFill>
-                            <a:srgbClr val="000000"/>
-                          </a:solidFill>
-                          <a:effectLst/>
-                          <a:latin typeface="Calibri" panose="020F0502020204030204" pitchFamily="34" charset="0"/>
-                        </a:rPr>
-                        <a:t>comm</a:t>
-                      </a:r>
-                      <a:r>
-                        <a:rPr lang="en-US" sz="1100" dirty="0">
-                          <a:solidFill>
-                            <a:srgbClr val="000000"/>
-                          </a:solidFill>
-                          <a:effectLst/>
-                          <a:latin typeface="Calibri" panose="020F0502020204030204" pitchFamily="34" charset="0"/>
-                        </a:rPr>
-                        <a:t>/control features</a:t>
-                      </a:r>
-                      <a:endParaRPr lang="en-US" sz="1100" dirty="0">
-                        <a:effectLst/>
-                        <a:latin typeface="Calibri" panose="020F0502020204030204" pitchFamily="34" charset="0"/>
-                      </a:endParaRPr>
-                    </a:p>
-                  </a:txBody>
-                  <a:tcPr marL="9525" marR="9525" marT="9525" marB="9525" anchor="ctr">
-                    <a:lnL w="6350" cap="flat" cmpd="sng" algn="ctr">
-                      <a:solidFill>
-                        <a:srgbClr val="B1BBCC"/>
-                      </a:solidFill>
-                      <a:prstDash val="solid"/>
-                      <a:round/>
-                      <a:headEnd type="none" w="med" len="med"/>
-                      <a:tailEnd type="none" w="med" len="med"/>
-                    </a:lnL>
-                    <a:lnR w="6350" cap="flat" cmpd="sng" algn="ctr">
-                      <a:solidFill>
-                        <a:srgbClr val="B1BBCC"/>
-                      </a:solidFill>
-                      <a:prstDash val="solid"/>
-                      <a:round/>
-                      <a:headEnd type="none" w="med" len="med"/>
-                      <a:tailEnd type="none" w="med" len="med"/>
-                    </a:lnR>
-                    <a:lnT w="6350" cap="flat" cmpd="sng" algn="ctr">
-                      <a:solidFill>
-                        <a:srgbClr val="B1BBCC"/>
-                      </a:solidFill>
-                      <a:prstDash val="solid"/>
-                      <a:round/>
-                      <a:headEnd type="none" w="med" len="med"/>
-                      <a:tailEnd type="none" w="med" len="med"/>
-                    </a:lnT>
-                    <a:lnB w="6350" cap="flat" cmpd="sng" algn="ctr">
-                      <a:solidFill>
-                        <a:srgbClr val="B1BBCC"/>
-                      </a:solidFill>
-                      <a:prstDash val="solid"/>
-                      <a:round/>
-                      <a:headEnd type="none" w="med" len="med"/>
-                      <a:tailEnd type="none" w="med" len="med"/>
-                    </a:lnB>
-                    <a:solidFill>
-                      <a:srgbClr val="FFFFFF"/>
-                    </a:solidFill>
-                  </a:tcPr>
-                </a:tc>
-                <a:tc>
-                  <a:txBody>
-                    <a:bodyPr/>
-                    <a:lstStyle/>
-                    <a:p>
-                      <a:r>
-                        <a:rPr lang="en-US" sz="1100">
-                          <a:solidFill>
-                            <a:srgbClr val="000000"/>
-                          </a:solidFill>
-                          <a:effectLst/>
-                          <a:latin typeface="Calibri" panose="020F0502020204030204" pitchFamily="34" charset="0"/>
-                        </a:rPr>
-                        <a:t>1 day</a:t>
-                      </a:r>
-                      <a:endParaRPr lang="en-US" sz="1100">
-                        <a:effectLst/>
-                        <a:latin typeface="Calibri" panose="020F0502020204030204" pitchFamily="34" charset="0"/>
-                      </a:endParaRPr>
-                    </a:p>
-                  </a:txBody>
-                  <a:tcPr marL="9525" marR="9525" marT="9525" marB="9525" anchor="ctr">
-                    <a:lnL w="6350" cap="flat" cmpd="sng" algn="ctr">
-                      <a:solidFill>
-                        <a:srgbClr val="B1BBCC"/>
-                      </a:solidFill>
-                      <a:prstDash val="solid"/>
-                      <a:round/>
-                      <a:headEnd type="none" w="med" len="med"/>
-                      <a:tailEnd type="none" w="med" len="med"/>
-                    </a:lnL>
-                    <a:lnR w="6350" cap="flat" cmpd="sng" algn="ctr">
-                      <a:solidFill>
-                        <a:srgbClr val="B1BBCC"/>
-                      </a:solidFill>
-                      <a:prstDash val="solid"/>
-                      <a:round/>
-                      <a:headEnd type="none" w="med" len="med"/>
-                      <a:tailEnd type="none" w="med" len="med"/>
-                    </a:lnR>
-                    <a:lnT w="6350" cap="flat" cmpd="sng" algn="ctr">
-                      <a:solidFill>
-                        <a:srgbClr val="B1BBCC"/>
-                      </a:solidFill>
-                      <a:prstDash val="solid"/>
-                      <a:round/>
-                      <a:headEnd type="none" w="med" len="med"/>
-                      <a:tailEnd type="none" w="med" len="med"/>
-                    </a:lnT>
-                    <a:lnB w="6350" cap="flat" cmpd="sng" algn="ctr">
-                      <a:solidFill>
-                        <a:srgbClr val="B1BBCC"/>
-                      </a:solidFill>
-                      <a:prstDash val="solid"/>
-                      <a:round/>
-                      <a:headEnd type="none" w="med" len="med"/>
-                      <a:tailEnd type="none" w="med" len="med"/>
-                    </a:lnB>
-                    <a:solidFill>
-                      <a:srgbClr val="FFFFFF"/>
-                    </a:solidFill>
-                  </a:tcPr>
-                </a:tc>
-                <a:tc>
-                  <a:txBody>
-                    <a:bodyPr/>
-                    <a:lstStyle/>
-                    <a:p>
-                      <a:r>
-                        <a:rPr lang="en-US" sz="1100">
-                          <a:solidFill>
-                            <a:srgbClr val="000000"/>
-                          </a:solidFill>
-                          <a:effectLst/>
-                          <a:latin typeface="Calibri" panose="020F0502020204030204" pitchFamily="34" charset="0"/>
-                        </a:rPr>
-                        <a:t>Thu 25.06.20</a:t>
-                      </a:r>
-                      <a:endParaRPr lang="en-US" sz="1100">
-                        <a:effectLst/>
-                        <a:latin typeface="Calibri" panose="020F0502020204030204" pitchFamily="34" charset="0"/>
-                      </a:endParaRPr>
-                    </a:p>
-                  </a:txBody>
-                  <a:tcPr marL="9525" marR="9525" marT="9525" marB="9525" anchor="ctr">
-                    <a:lnL w="6350" cap="flat" cmpd="sng" algn="ctr">
-                      <a:solidFill>
-                        <a:srgbClr val="B1BBCC"/>
-                      </a:solidFill>
-                      <a:prstDash val="solid"/>
-                      <a:round/>
-                      <a:headEnd type="none" w="med" len="med"/>
-                      <a:tailEnd type="none" w="med" len="med"/>
-                    </a:lnL>
-                    <a:lnR w="6350" cap="flat" cmpd="sng" algn="ctr">
-                      <a:solidFill>
-                        <a:srgbClr val="B1BBCC"/>
-                      </a:solidFill>
-                      <a:prstDash val="solid"/>
-                      <a:round/>
-                      <a:headEnd type="none" w="med" len="med"/>
-                      <a:tailEnd type="none" w="med" len="med"/>
-                    </a:lnR>
-                    <a:lnT w="6350" cap="flat" cmpd="sng" algn="ctr">
-                      <a:solidFill>
-                        <a:srgbClr val="B1BBCC"/>
-                      </a:solidFill>
-                      <a:prstDash val="solid"/>
-                      <a:round/>
-                      <a:headEnd type="none" w="med" len="med"/>
-                      <a:tailEnd type="none" w="med" len="med"/>
-                    </a:lnT>
-                    <a:lnB w="6350" cap="flat" cmpd="sng" algn="ctr">
-                      <a:solidFill>
-                        <a:srgbClr val="B1BBCC"/>
-                      </a:solidFill>
-                      <a:prstDash val="solid"/>
-                      <a:round/>
-                      <a:headEnd type="none" w="med" len="med"/>
-                      <a:tailEnd type="none" w="med" len="med"/>
-                    </a:lnB>
-                    <a:solidFill>
-                      <a:srgbClr val="FFFFFF"/>
-                    </a:solidFill>
-                  </a:tcPr>
-                </a:tc>
-                <a:tc>
-                  <a:txBody>
-                    <a:bodyPr/>
-                    <a:lstStyle/>
-                    <a:p>
-                      <a:r>
-                        <a:rPr lang="en-US" sz="1100">
-                          <a:solidFill>
-                            <a:srgbClr val="000000"/>
-                          </a:solidFill>
-                          <a:effectLst/>
-                          <a:latin typeface="Calibri" panose="020F0502020204030204" pitchFamily="34" charset="0"/>
-                        </a:rPr>
-                        <a:t>Thu 25.06.20</a:t>
-                      </a:r>
-                      <a:endParaRPr lang="en-US" sz="1100">
-                        <a:effectLst/>
-                        <a:latin typeface="Calibri" panose="020F0502020204030204" pitchFamily="34" charset="0"/>
-                      </a:endParaRPr>
-                    </a:p>
-                  </a:txBody>
-                  <a:tcPr marL="9525" marR="9525" marT="9525" marB="9525" anchor="ctr">
-                    <a:lnL w="6350" cap="flat" cmpd="sng" algn="ctr">
-                      <a:solidFill>
-                        <a:srgbClr val="B1BBCC"/>
-                      </a:solidFill>
-                      <a:prstDash val="solid"/>
-                      <a:round/>
-                      <a:headEnd type="none" w="med" len="med"/>
-                      <a:tailEnd type="none" w="med" len="med"/>
-                    </a:lnL>
-                    <a:lnR w="6350" cap="flat" cmpd="sng" algn="ctr">
-                      <a:solidFill>
-                        <a:srgbClr val="B1BBCC"/>
-                      </a:solidFill>
-                      <a:prstDash val="solid"/>
-                      <a:round/>
-                      <a:headEnd type="none" w="med" len="med"/>
-                      <a:tailEnd type="none" w="med" len="med"/>
-                    </a:lnR>
-                    <a:lnT w="6350" cap="flat" cmpd="sng" algn="ctr">
-                      <a:solidFill>
-                        <a:srgbClr val="B1BBCC"/>
-                      </a:solidFill>
-                      <a:prstDash val="solid"/>
-                      <a:round/>
-                      <a:headEnd type="none" w="med" len="med"/>
-                      <a:tailEnd type="none" w="med" len="med"/>
-                    </a:lnT>
-                    <a:lnB w="6350" cap="flat" cmpd="sng" algn="ctr">
-                      <a:solidFill>
-                        <a:srgbClr val="B1BBCC"/>
-                      </a:solidFill>
-                      <a:prstDash val="solid"/>
-                      <a:round/>
-                      <a:headEnd type="none" w="med" len="med"/>
-                      <a:tailEnd type="none" w="med" len="med"/>
-                    </a:lnB>
-                    <a:solidFill>
-                      <a:srgbClr val="FFFFFF"/>
-                    </a:solidFill>
-                  </a:tcPr>
-                </a:tc>
-              </a:tr>
-              <a:tr h="282365">
-                <a:tc>
-                  <a:txBody>
-                    <a:bodyPr/>
-                    <a:lstStyle/>
-                    <a:p>
-                      <a:r>
-                        <a:rPr lang="en-US" sz="1100" dirty="0" smtClean="0">
-                          <a:solidFill>
-                            <a:srgbClr val="000000"/>
-                          </a:solidFill>
-                          <a:effectLst/>
-                          <a:latin typeface="Calibri" panose="020F0502020204030204" pitchFamily="34" charset="0"/>
-                        </a:rPr>
-                        <a:t>6.</a:t>
-                      </a:r>
-                      <a:r>
-                        <a:rPr lang="en-US" sz="1100" baseline="0" dirty="0" smtClean="0">
-                          <a:solidFill>
-                            <a:srgbClr val="000000"/>
-                          </a:solidFill>
-                          <a:effectLst/>
-                          <a:latin typeface="Calibri" panose="020F0502020204030204" pitchFamily="34" charset="0"/>
-                        </a:rPr>
-                        <a:t> </a:t>
-                      </a:r>
-                      <a:r>
-                        <a:rPr lang="en-US" sz="1100" dirty="0" smtClean="0">
-                          <a:solidFill>
-                            <a:srgbClr val="000000"/>
-                          </a:solidFill>
-                          <a:effectLst/>
-                          <a:latin typeface="Calibri" panose="020F0502020204030204" pitchFamily="34" charset="0"/>
-                        </a:rPr>
-                        <a:t>SW </a:t>
-                      </a:r>
-                      <a:r>
-                        <a:rPr lang="en-US" sz="1100" dirty="0">
-                          <a:solidFill>
-                            <a:srgbClr val="000000"/>
-                          </a:solidFill>
-                          <a:effectLst/>
-                          <a:latin typeface="Calibri" panose="020F0502020204030204" pitchFamily="34" charset="0"/>
-                        </a:rPr>
-                        <a:t>for </a:t>
-                      </a:r>
-                      <a:r>
-                        <a:rPr lang="en-US" sz="1100" dirty="0" err="1">
-                          <a:solidFill>
-                            <a:srgbClr val="000000"/>
-                          </a:solidFill>
-                          <a:effectLst/>
-                          <a:latin typeface="Calibri" panose="020F0502020204030204" pitchFamily="34" charset="0"/>
-                        </a:rPr>
-                        <a:t>EtherCAT</a:t>
-                      </a:r>
-                      <a:r>
-                        <a:rPr lang="en-US" sz="1100" dirty="0">
-                          <a:solidFill>
-                            <a:srgbClr val="000000"/>
-                          </a:solidFill>
-                          <a:effectLst/>
-                          <a:latin typeface="Calibri" panose="020F0502020204030204" pitchFamily="34" charset="0"/>
-                        </a:rPr>
-                        <a:t> Data features</a:t>
-                      </a:r>
-                      <a:endParaRPr lang="en-US" sz="1100" dirty="0">
-                        <a:effectLst/>
-                        <a:latin typeface="Calibri" panose="020F0502020204030204" pitchFamily="34" charset="0"/>
-                      </a:endParaRPr>
-                    </a:p>
-                  </a:txBody>
-                  <a:tcPr marL="9525" marR="9525" marT="9525" marB="9525" anchor="ctr">
-                    <a:lnL w="6350" cap="flat" cmpd="sng" algn="ctr">
-                      <a:solidFill>
-                        <a:srgbClr val="B1BBCC"/>
-                      </a:solidFill>
-                      <a:prstDash val="solid"/>
-                      <a:round/>
-                      <a:headEnd type="none" w="med" len="med"/>
-                      <a:tailEnd type="none" w="med" len="med"/>
-                    </a:lnL>
-                    <a:lnR w="6350" cap="flat" cmpd="sng" algn="ctr">
-                      <a:solidFill>
-                        <a:srgbClr val="B1BBCC"/>
-                      </a:solidFill>
-                      <a:prstDash val="solid"/>
-                      <a:round/>
-                      <a:headEnd type="none" w="med" len="med"/>
-                      <a:tailEnd type="none" w="med" len="med"/>
-                    </a:lnR>
-                    <a:lnT w="6350" cap="flat" cmpd="sng" algn="ctr">
-                      <a:solidFill>
-                        <a:srgbClr val="B1BBCC"/>
-                      </a:solidFill>
-                      <a:prstDash val="solid"/>
-                      <a:round/>
-                      <a:headEnd type="none" w="med" len="med"/>
-                      <a:tailEnd type="none" w="med" len="med"/>
-                    </a:lnT>
-                    <a:lnB w="6350" cap="flat" cmpd="sng" algn="ctr">
-                      <a:solidFill>
-                        <a:srgbClr val="B1BBCC"/>
-                      </a:solidFill>
-                      <a:prstDash val="solid"/>
-                      <a:round/>
-                      <a:headEnd type="none" w="med" len="med"/>
-                      <a:tailEnd type="none" w="med" len="med"/>
-                    </a:lnB>
-                    <a:solidFill>
-                      <a:srgbClr val="FFFFFF"/>
-                    </a:solidFill>
-                  </a:tcPr>
-                </a:tc>
-                <a:tc>
-                  <a:txBody>
-                    <a:bodyPr/>
-                    <a:lstStyle/>
-                    <a:p>
-                      <a:r>
-                        <a:rPr lang="en-US" sz="1100">
-                          <a:solidFill>
-                            <a:srgbClr val="000000"/>
-                          </a:solidFill>
-                          <a:effectLst/>
-                          <a:latin typeface="Calibri" panose="020F0502020204030204" pitchFamily="34" charset="0"/>
-                        </a:rPr>
-                        <a:t>23 days</a:t>
-                      </a:r>
-                      <a:endParaRPr lang="en-US" sz="1100">
-                        <a:effectLst/>
-                        <a:latin typeface="Calibri" panose="020F0502020204030204" pitchFamily="34" charset="0"/>
-                      </a:endParaRPr>
-                    </a:p>
-                  </a:txBody>
-                  <a:tcPr marL="9525" marR="9525" marT="9525" marB="9525" anchor="ctr">
-                    <a:lnL w="6350" cap="flat" cmpd="sng" algn="ctr">
-                      <a:solidFill>
-                        <a:srgbClr val="B1BBCC"/>
-                      </a:solidFill>
-                      <a:prstDash val="solid"/>
-                      <a:round/>
-                      <a:headEnd type="none" w="med" len="med"/>
-                      <a:tailEnd type="none" w="med" len="med"/>
-                    </a:lnL>
-                    <a:lnR w="6350" cap="flat" cmpd="sng" algn="ctr">
-                      <a:solidFill>
-                        <a:srgbClr val="B1BBCC"/>
-                      </a:solidFill>
-                      <a:prstDash val="solid"/>
-                      <a:round/>
-                      <a:headEnd type="none" w="med" len="med"/>
-                      <a:tailEnd type="none" w="med" len="med"/>
-                    </a:lnR>
-                    <a:lnT w="6350" cap="flat" cmpd="sng" algn="ctr">
-                      <a:solidFill>
-                        <a:srgbClr val="B1BBCC"/>
-                      </a:solidFill>
-                      <a:prstDash val="solid"/>
-                      <a:round/>
-                      <a:headEnd type="none" w="med" len="med"/>
-                      <a:tailEnd type="none" w="med" len="med"/>
-                    </a:lnT>
-                    <a:lnB w="6350" cap="flat" cmpd="sng" algn="ctr">
-                      <a:solidFill>
-                        <a:srgbClr val="B1BBCC"/>
-                      </a:solidFill>
-                      <a:prstDash val="solid"/>
-                      <a:round/>
-                      <a:headEnd type="none" w="med" len="med"/>
-                      <a:tailEnd type="none" w="med" len="med"/>
-                    </a:lnB>
-                    <a:solidFill>
-                      <a:srgbClr val="FFFFFF"/>
-                    </a:solidFill>
-                  </a:tcPr>
-                </a:tc>
-                <a:tc>
-                  <a:txBody>
-                    <a:bodyPr/>
-                    <a:lstStyle/>
-                    <a:p>
-                      <a:r>
-                        <a:rPr lang="en-US" sz="1100">
-                          <a:solidFill>
-                            <a:srgbClr val="000000"/>
-                          </a:solidFill>
-                          <a:effectLst/>
-                          <a:latin typeface="Calibri" panose="020F0502020204030204" pitchFamily="34" charset="0"/>
-                        </a:rPr>
-                        <a:t>Fri 26.06.20</a:t>
-                      </a:r>
-                      <a:endParaRPr lang="en-US" sz="1100">
-                        <a:effectLst/>
-                        <a:latin typeface="Calibri" panose="020F0502020204030204" pitchFamily="34" charset="0"/>
-                      </a:endParaRPr>
-                    </a:p>
-                  </a:txBody>
-                  <a:tcPr marL="9525" marR="9525" marT="9525" marB="9525" anchor="ctr">
-                    <a:lnL w="6350" cap="flat" cmpd="sng" algn="ctr">
-                      <a:solidFill>
-                        <a:srgbClr val="B1BBCC"/>
-                      </a:solidFill>
-                      <a:prstDash val="solid"/>
-                      <a:round/>
-                      <a:headEnd type="none" w="med" len="med"/>
-                      <a:tailEnd type="none" w="med" len="med"/>
-                    </a:lnL>
-                    <a:lnR w="6350" cap="flat" cmpd="sng" algn="ctr">
-                      <a:solidFill>
-                        <a:srgbClr val="B1BBCC"/>
-                      </a:solidFill>
-                      <a:prstDash val="solid"/>
-                      <a:round/>
-                      <a:headEnd type="none" w="med" len="med"/>
-                      <a:tailEnd type="none" w="med" len="med"/>
-                    </a:lnR>
-                    <a:lnT w="6350" cap="flat" cmpd="sng" algn="ctr">
-                      <a:solidFill>
-                        <a:srgbClr val="B1BBCC"/>
-                      </a:solidFill>
-                      <a:prstDash val="solid"/>
-                      <a:round/>
-                      <a:headEnd type="none" w="med" len="med"/>
-                      <a:tailEnd type="none" w="med" len="med"/>
-                    </a:lnT>
-                    <a:lnB w="6350" cap="flat" cmpd="sng" algn="ctr">
-                      <a:solidFill>
-                        <a:srgbClr val="B1BBCC"/>
-                      </a:solidFill>
-                      <a:prstDash val="solid"/>
-                      <a:round/>
-                      <a:headEnd type="none" w="med" len="med"/>
-                      <a:tailEnd type="none" w="med" len="med"/>
-                    </a:lnB>
-                    <a:solidFill>
-                      <a:srgbClr val="FFFFFF"/>
-                    </a:solidFill>
-                  </a:tcPr>
-                </a:tc>
-                <a:tc>
-                  <a:txBody>
-                    <a:bodyPr/>
-                    <a:lstStyle/>
-                    <a:p>
-                      <a:r>
-                        <a:rPr lang="en-US" sz="1100">
-                          <a:solidFill>
-                            <a:srgbClr val="000000"/>
-                          </a:solidFill>
-                          <a:effectLst/>
-                          <a:latin typeface="Calibri" panose="020F0502020204030204" pitchFamily="34" charset="0"/>
-                        </a:rPr>
-                        <a:t>Tue 28.07.20</a:t>
-                      </a:r>
-                      <a:endParaRPr lang="en-US" sz="1100">
-                        <a:effectLst/>
-                        <a:latin typeface="Calibri" panose="020F0502020204030204" pitchFamily="34" charset="0"/>
-                      </a:endParaRPr>
-                    </a:p>
-                  </a:txBody>
-                  <a:tcPr marL="9525" marR="9525" marT="9525" marB="9525" anchor="ctr">
-                    <a:lnL w="6350" cap="flat" cmpd="sng" algn="ctr">
-                      <a:solidFill>
-                        <a:srgbClr val="B1BBCC"/>
-                      </a:solidFill>
-                      <a:prstDash val="solid"/>
-                      <a:round/>
-                      <a:headEnd type="none" w="med" len="med"/>
-                      <a:tailEnd type="none" w="med" len="med"/>
-                    </a:lnL>
-                    <a:lnR w="6350" cap="flat" cmpd="sng" algn="ctr">
-                      <a:solidFill>
-                        <a:srgbClr val="B1BBCC"/>
-                      </a:solidFill>
-                      <a:prstDash val="solid"/>
-                      <a:round/>
-                      <a:headEnd type="none" w="med" len="med"/>
-                      <a:tailEnd type="none" w="med" len="med"/>
-                    </a:lnR>
-                    <a:lnT w="6350" cap="flat" cmpd="sng" algn="ctr">
-                      <a:solidFill>
-                        <a:srgbClr val="B1BBCC"/>
-                      </a:solidFill>
-                      <a:prstDash val="solid"/>
-                      <a:round/>
-                      <a:headEnd type="none" w="med" len="med"/>
-                      <a:tailEnd type="none" w="med" len="med"/>
-                    </a:lnT>
-                    <a:lnB w="6350" cap="flat" cmpd="sng" algn="ctr">
-                      <a:solidFill>
-                        <a:srgbClr val="B1BBCC"/>
-                      </a:solidFill>
-                      <a:prstDash val="solid"/>
-                      <a:round/>
-                      <a:headEnd type="none" w="med" len="med"/>
-                      <a:tailEnd type="none" w="med" len="med"/>
-                    </a:lnB>
-                    <a:solidFill>
-                      <a:srgbClr val="FFFFFF"/>
-                    </a:solidFill>
-                  </a:tcPr>
-                </a:tc>
-              </a:tr>
-              <a:tr h="282365">
-                <a:tc>
-                  <a:txBody>
-                    <a:bodyPr/>
-                    <a:lstStyle/>
-                    <a:p>
-                      <a:r>
-                        <a:rPr lang="en-US" sz="1100" dirty="0" smtClean="0">
-                          <a:solidFill>
-                            <a:srgbClr val="000000"/>
-                          </a:solidFill>
-                          <a:effectLst/>
-                          <a:latin typeface="Calibri" panose="020F0502020204030204" pitchFamily="34" charset="0"/>
-                        </a:rPr>
-                        <a:t>7. Report </a:t>
-                      </a:r>
-                      <a:r>
-                        <a:rPr lang="en-US" sz="1100" dirty="0">
-                          <a:solidFill>
-                            <a:srgbClr val="000000"/>
-                          </a:solidFill>
-                          <a:effectLst/>
-                          <a:latin typeface="Calibri" panose="020F0502020204030204" pitchFamily="34" charset="0"/>
-                        </a:rPr>
-                        <a:t>of tests with </a:t>
-                      </a:r>
-                      <a:r>
-                        <a:rPr lang="en-US" sz="1100" dirty="0" err="1">
-                          <a:solidFill>
-                            <a:srgbClr val="000000"/>
-                          </a:solidFill>
-                          <a:effectLst/>
-                          <a:latin typeface="Calibri" panose="020F0502020204030204" pitchFamily="34" charset="0"/>
-                        </a:rPr>
-                        <a:t>EtherCAT</a:t>
-                      </a:r>
-                      <a:r>
-                        <a:rPr lang="en-US" sz="1100" dirty="0">
-                          <a:solidFill>
-                            <a:srgbClr val="000000"/>
-                          </a:solidFill>
-                          <a:effectLst/>
-                          <a:latin typeface="Calibri" panose="020F0502020204030204" pitchFamily="34" charset="0"/>
-                        </a:rPr>
-                        <a:t> data features</a:t>
-                      </a:r>
-                      <a:endParaRPr lang="en-US" sz="1100" dirty="0">
-                        <a:effectLst/>
-                        <a:latin typeface="Calibri" panose="020F0502020204030204" pitchFamily="34" charset="0"/>
-                      </a:endParaRPr>
-                    </a:p>
-                  </a:txBody>
-                  <a:tcPr marL="9525" marR="9525" marT="9525" marB="9525" anchor="ctr">
-                    <a:lnL w="6350" cap="flat" cmpd="sng" algn="ctr">
-                      <a:solidFill>
-                        <a:srgbClr val="B1BBCC"/>
-                      </a:solidFill>
-                      <a:prstDash val="solid"/>
-                      <a:round/>
-                      <a:headEnd type="none" w="med" len="med"/>
-                      <a:tailEnd type="none" w="med" len="med"/>
-                    </a:lnL>
-                    <a:lnR w="6350" cap="flat" cmpd="sng" algn="ctr">
-                      <a:solidFill>
-                        <a:srgbClr val="B1BBCC"/>
-                      </a:solidFill>
-                      <a:prstDash val="solid"/>
-                      <a:round/>
-                      <a:headEnd type="none" w="med" len="med"/>
-                      <a:tailEnd type="none" w="med" len="med"/>
-                    </a:lnR>
-                    <a:lnT w="6350" cap="flat" cmpd="sng" algn="ctr">
-                      <a:solidFill>
-                        <a:srgbClr val="B1BBCC"/>
-                      </a:solidFill>
-                      <a:prstDash val="solid"/>
-                      <a:round/>
-                      <a:headEnd type="none" w="med" len="med"/>
-                      <a:tailEnd type="none" w="med" len="med"/>
-                    </a:lnT>
-                    <a:lnB w="6350" cap="flat" cmpd="sng" algn="ctr">
-                      <a:solidFill>
-                        <a:srgbClr val="B1BBCC"/>
-                      </a:solidFill>
-                      <a:prstDash val="solid"/>
-                      <a:round/>
-                      <a:headEnd type="none" w="med" len="med"/>
-                      <a:tailEnd type="none" w="med" len="med"/>
-                    </a:lnB>
-                    <a:solidFill>
-                      <a:srgbClr val="FFFFFF"/>
-                    </a:solidFill>
-                  </a:tcPr>
-                </a:tc>
-                <a:tc>
-                  <a:txBody>
-                    <a:bodyPr/>
-                    <a:lstStyle/>
-                    <a:p>
-                      <a:r>
-                        <a:rPr lang="en-US" sz="1100">
-                          <a:solidFill>
-                            <a:srgbClr val="000000"/>
-                          </a:solidFill>
-                          <a:effectLst/>
-                          <a:latin typeface="Calibri" panose="020F0502020204030204" pitchFamily="34" charset="0"/>
-                        </a:rPr>
-                        <a:t>1 day</a:t>
-                      </a:r>
-                      <a:endParaRPr lang="en-US" sz="1100">
-                        <a:effectLst/>
-                        <a:latin typeface="Calibri" panose="020F0502020204030204" pitchFamily="34" charset="0"/>
-                      </a:endParaRPr>
-                    </a:p>
-                  </a:txBody>
-                  <a:tcPr marL="9525" marR="9525" marT="9525" marB="9525" anchor="ctr">
-                    <a:lnL w="6350" cap="flat" cmpd="sng" algn="ctr">
-                      <a:solidFill>
-                        <a:srgbClr val="B1BBCC"/>
-                      </a:solidFill>
-                      <a:prstDash val="solid"/>
-                      <a:round/>
-                      <a:headEnd type="none" w="med" len="med"/>
-                      <a:tailEnd type="none" w="med" len="med"/>
-                    </a:lnL>
-                    <a:lnR w="6350" cap="flat" cmpd="sng" algn="ctr">
-                      <a:solidFill>
-                        <a:srgbClr val="B1BBCC"/>
-                      </a:solidFill>
-                      <a:prstDash val="solid"/>
-                      <a:round/>
-                      <a:headEnd type="none" w="med" len="med"/>
-                      <a:tailEnd type="none" w="med" len="med"/>
-                    </a:lnR>
-                    <a:lnT w="6350" cap="flat" cmpd="sng" algn="ctr">
-                      <a:solidFill>
-                        <a:srgbClr val="B1BBCC"/>
-                      </a:solidFill>
-                      <a:prstDash val="solid"/>
-                      <a:round/>
-                      <a:headEnd type="none" w="med" len="med"/>
-                      <a:tailEnd type="none" w="med" len="med"/>
-                    </a:lnT>
-                    <a:lnB w="6350" cap="flat" cmpd="sng" algn="ctr">
-                      <a:solidFill>
-                        <a:srgbClr val="B1BBCC"/>
-                      </a:solidFill>
-                      <a:prstDash val="solid"/>
-                      <a:round/>
-                      <a:headEnd type="none" w="med" len="med"/>
-                      <a:tailEnd type="none" w="med" len="med"/>
-                    </a:lnB>
-                    <a:solidFill>
-                      <a:srgbClr val="FFFFFF"/>
-                    </a:solidFill>
-                  </a:tcPr>
-                </a:tc>
-                <a:tc>
-                  <a:txBody>
-                    <a:bodyPr/>
-                    <a:lstStyle/>
-                    <a:p>
-                      <a:r>
-                        <a:rPr lang="en-US" sz="1100">
-                          <a:solidFill>
-                            <a:srgbClr val="000000"/>
-                          </a:solidFill>
-                          <a:effectLst/>
-                          <a:latin typeface="Calibri" panose="020F0502020204030204" pitchFamily="34" charset="0"/>
-                        </a:rPr>
-                        <a:t>Wed 29.07.20</a:t>
-                      </a:r>
-                      <a:endParaRPr lang="en-US" sz="1100">
-                        <a:effectLst/>
-                        <a:latin typeface="Calibri" panose="020F0502020204030204" pitchFamily="34" charset="0"/>
-                      </a:endParaRPr>
-                    </a:p>
-                  </a:txBody>
-                  <a:tcPr marL="9525" marR="9525" marT="9525" marB="9525" anchor="ctr">
-                    <a:lnL w="6350" cap="flat" cmpd="sng" algn="ctr">
-                      <a:solidFill>
-                        <a:srgbClr val="B1BBCC"/>
-                      </a:solidFill>
-                      <a:prstDash val="solid"/>
-                      <a:round/>
-                      <a:headEnd type="none" w="med" len="med"/>
-                      <a:tailEnd type="none" w="med" len="med"/>
-                    </a:lnL>
-                    <a:lnR w="6350" cap="flat" cmpd="sng" algn="ctr">
-                      <a:solidFill>
-                        <a:srgbClr val="B1BBCC"/>
-                      </a:solidFill>
-                      <a:prstDash val="solid"/>
-                      <a:round/>
-                      <a:headEnd type="none" w="med" len="med"/>
-                      <a:tailEnd type="none" w="med" len="med"/>
-                    </a:lnR>
-                    <a:lnT w="6350" cap="flat" cmpd="sng" algn="ctr">
-                      <a:solidFill>
-                        <a:srgbClr val="B1BBCC"/>
-                      </a:solidFill>
-                      <a:prstDash val="solid"/>
-                      <a:round/>
-                      <a:headEnd type="none" w="med" len="med"/>
-                      <a:tailEnd type="none" w="med" len="med"/>
-                    </a:lnT>
-                    <a:lnB w="6350" cap="flat" cmpd="sng" algn="ctr">
-                      <a:solidFill>
-                        <a:srgbClr val="B1BBCC"/>
-                      </a:solidFill>
-                      <a:prstDash val="solid"/>
-                      <a:round/>
-                      <a:headEnd type="none" w="med" len="med"/>
-                      <a:tailEnd type="none" w="med" len="med"/>
-                    </a:lnB>
-                    <a:solidFill>
-                      <a:srgbClr val="FFFFFF"/>
-                    </a:solidFill>
-                  </a:tcPr>
-                </a:tc>
-                <a:tc>
-                  <a:txBody>
-                    <a:bodyPr/>
-                    <a:lstStyle/>
-                    <a:p>
-                      <a:r>
-                        <a:rPr lang="en-US" sz="1100">
-                          <a:solidFill>
-                            <a:srgbClr val="000000"/>
-                          </a:solidFill>
-                          <a:effectLst/>
-                          <a:latin typeface="Calibri" panose="020F0502020204030204" pitchFamily="34" charset="0"/>
-                        </a:rPr>
-                        <a:t>Wed 29.07.20</a:t>
-                      </a:r>
-                      <a:endParaRPr lang="en-US" sz="1100">
-                        <a:effectLst/>
-                        <a:latin typeface="Calibri" panose="020F0502020204030204" pitchFamily="34" charset="0"/>
-                      </a:endParaRPr>
-                    </a:p>
-                  </a:txBody>
-                  <a:tcPr marL="9525" marR="9525" marT="9525" marB="9525" anchor="ctr">
-                    <a:lnL w="6350" cap="flat" cmpd="sng" algn="ctr">
-                      <a:solidFill>
-                        <a:srgbClr val="B1BBCC"/>
-                      </a:solidFill>
-                      <a:prstDash val="solid"/>
-                      <a:round/>
-                      <a:headEnd type="none" w="med" len="med"/>
-                      <a:tailEnd type="none" w="med" len="med"/>
-                    </a:lnL>
-                    <a:lnR w="6350" cap="flat" cmpd="sng" algn="ctr">
-                      <a:solidFill>
-                        <a:srgbClr val="B1BBCC"/>
-                      </a:solidFill>
-                      <a:prstDash val="solid"/>
-                      <a:round/>
-                      <a:headEnd type="none" w="med" len="med"/>
-                      <a:tailEnd type="none" w="med" len="med"/>
-                    </a:lnR>
-                    <a:lnT w="6350" cap="flat" cmpd="sng" algn="ctr">
-                      <a:solidFill>
-                        <a:srgbClr val="B1BBCC"/>
-                      </a:solidFill>
-                      <a:prstDash val="solid"/>
-                      <a:round/>
-                      <a:headEnd type="none" w="med" len="med"/>
-                      <a:tailEnd type="none" w="med" len="med"/>
-                    </a:lnT>
-                    <a:lnB w="6350" cap="flat" cmpd="sng" algn="ctr">
-                      <a:solidFill>
-                        <a:srgbClr val="B1BBCC"/>
-                      </a:solidFill>
-                      <a:prstDash val="solid"/>
-                      <a:round/>
-                      <a:headEnd type="none" w="med" len="med"/>
-                      <a:tailEnd type="none" w="med" len="med"/>
-                    </a:lnB>
-                    <a:solidFill>
-                      <a:srgbClr val="FFFFFF"/>
-                    </a:solidFill>
-                  </a:tcPr>
-                </a:tc>
-              </a:tr>
-              <a:tr h="282365">
-                <a:tc>
-                  <a:txBody>
-                    <a:bodyPr/>
-                    <a:lstStyle/>
-                    <a:p>
-                      <a:r>
-                        <a:rPr lang="en-US" sz="1100" dirty="0" smtClean="0">
-                          <a:solidFill>
-                            <a:srgbClr val="000000"/>
-                          </a:solidFill>
-                          <a:effectLst/>
-                          <a:latin typeface="Calibri" panose="020F0502020204030204" pitchFamily="34" charset="0"/>
-                        </a:rPr>
-                        <a:t>8. HW </a:t>
-                      </a:r>
-                      <a:r>
-                        <a:rPr lang="en-US" sz="1100" dirty="0">
-                          <a:solidFill>
-                            <a:srgbClr val="000000"/>
-                          </a:solidFill>
-                          <a:effectLst/>
-                          <a:latin typeface="Calibri" panose="020F0502020204030204" pitchFamily="34" charset="0"/>
-                        </a:rPr>
-                        <a:t>Development for 2nd PCB</a:t>
-                      </a:r>
-                      <a:endParaRPr lang="en-US" sz="1100" dirty="0">
-                        <a:effectLst/>
-                        <a:latin typeface="Calibri" panose="020F0502020204030204" pitchFamily="34" charset="0"/>
-                      </a:endParaRPr>
-                    </a:p>
-                  </a:txBody>
-                  <a:tcPr marL="9525" marR="9525" marT="9525" marB="9525" anchor="ctr">
-                    <a:lnL w="6350" cap="flat" cmpd="sng" algn="ctr">
-                      <a:solidFill>
-                        <a:srgbClr val="B1BBCC"/>
-                      </a:solidFill>
-                      <a:prstDash val="solid"/>
-                      <a:round/>
-                      <a:headEnd type="none" w="med" len="med"/>
-                      <a:tailEnd type="none" w="med" len="med"/>
-                    </a:lnL>
-                    <a:lnR w="6350" cap="flat" cmpd="sng" algn="ctr">
-                      <a:solidFill>
-                        <a:srgbClr val="B1BBCC"/>
-                      </a:solidFill>
-                      <a:prstDash val="solid"/>
-                      <a:round/>
-                      <a:headEnd type="none" w="med" len="med"/>
-                      <a:tailEnd type="none" w="med" len="med"/>
-                    </a:lnR>
-                    <a:lnT w="6350" cap="flat" cmpd="sng" algn="ctr">
-                      <a:solidFill>
-                        <a:srgbClr val="B1BBCC"/>
-                      </a:solidFill>
-                      <a:prstDash val="solid"/>
-                      <a:round/>
-                      <a:headEnd type="none" w="med" len="med"/>
-                      <a:tailEnd type="none" w="med" len="med"/>
-                    </a:lnT>
-                    <a:lnB w="6350" cap="flat" cmpd="sng" algn="ctr">
-                      <a:solidFill>
-                        <a:srgbClr val="B1BBCC"/>
-                      </a:solidFill>
-                      <a:prstDash val="solid"/>
-                      <a:round/>
-                      <a:headEnd type="none" w="med" len="med"/>
-                      <a:tailEnd type="none" w="med" len="med"/>
-                    </a:lnB>
-                    <a:solidFill>
-                      <a:srgbClr val="FFFFFF"/>
-                    </a:solidFill>
-                  </a:tcPr>
-                </a:tc>
-                <a:tc>
-                  <a:txBody>
-                    <a:bodyPr/>
-                    <a:lstStyle/>
-                    <a:p>
-                      <a:r>
-                        <a:rPr lang="en-US" sz="1100">
-                          <a:solidFill>
-                            <a:srgbClr val="000000"/>
-                          </a:solidFill>
-                          <a:effectLst/>
-                          <a:latin typeface="Calibri" panose="020F0502020204030204" pitchFamily="34" charset="0"/>
-                        </a:rPr>
-                        <a:t>15 days</a:t>
-                      </a:r>
-                      <a:endParaRPr lang="en-US" sz="1100">
-                        <a:effectLst/>
-                        <a:latin typeface="Calibri" panose="020F0502020204030204" pitchFamily="34" charset="0"/>
-                      </a:endParaRPr>
-                    </a:p>
-                  </a:txBody>
-                  <a:tcPr marL="9525" marR="9525" marT="9525" marB="9525" anchor="ctr">
-                    <a:lnL w="6350" cap="flat" cmpd="sng" algn="ctr">
-                      <a:solidFill>
-                        <a:srgbClr val="B1BBCC"/>
-                      </a:solidFill>
-                      <a:prstDash val="solid"/>
-                      <a:round/>
-                      <a:headEnd type="none" w="med" len="med"/>
-                      <a:tailEnd type="none" w="med" len="med"/>
-                    </a:lnL>
-                    <a:lnR w="6350" cap="flat" cmpd="sng" algn="ctr">
-                      <a:solidFill>
-                        <a:srgbClr val="B1BBCC"/>
-                      </a:solidFill>
-                      <a:prstDash val="solid"/>
-                      <a:round/>
-                      <a:headEnd type="none" w="med" len="med"/>
-                      <a:tailEnd type="none" w="med" len="med"/>
-                    </a:lnR>
-                    <a:lnT w="6350" cap="flat" cmpd="sng" algn="ctr">
-                      <a:solidFill>
-                        <a:srgbClr val="B1BBCC"/>
-                      </a:solidFill>
-                      <a:prstDash val="solid"/>
-                      <a:round/>
-                      <a:headEnd type="none" w="med" len="med"/>
-                      <a:tailEnd type="none" w="med" len="med"/>
-                    </a:lnT>
-                    <a:lnB w="6350" cap="flat" cmpd="sng" algn="ctr">
-                      <a:solidFill>
-                        <a:srgbClr val="B1BBCC"/>
-                      </a:solidFill>
-                      <a:prstDash val="solid"/>
-                      <a:round/>
-                      <a:headEnd type="none" w="med" len="med"/>
-                      <a:tailEnd type="none" w="med" len="med"/>
-                    </a:lnB>
-                    <a:solidFill>
-                      <a:srgbClr val="FFFFFF"/>
-                    </a:solidFill>
-                  </a:tcPr>
-                </a:tc>
-                <a:tc>
-                  <a:txBody>
-                    <a:bodyPr/>
-                    <a:lstStyle/>
-                    <a:p>
-                      <a:r>
-                        <a:rPr lang="en-US" sz="1100">
-                          <a:solidFill>
-                            <a:srgbClr val="000000"/>
-                          </a:solidFill>
-                          <a:effectLst/>
-                          <a:latin typeface="Calibri" panose="020F0502020204030204" pitchFamily="34" charset="0"/>
-                        </a:rPr>
-                        <a:t>Thu 30.07.20</a:t>
-                      </a:r>
-                      <a:endParaRPr lang="en-US" sz="1100">
-                        <a:effectLst/>
-                        <a:latin typeface="Calibri" panose="020F0502020204030204" pitchFamily="34" charset="0"/>
-                      </a:endParaRPr>
-                    </a:p>
-                  </a:txBody>
-                  <a:tcPr marL="9525" marR="9525" marT="9525" marB="9525" anchor="ctr">
-                    <a:lnL w="6350" cap="flat" cmpd="sng" algn="ctr">
-                      <a:solidFill>
-                        <a:srgbClr val="B1BBCC"/>
-                      </a:solidFill>
-                      <a:prstDash val="solid"/>
-                      <a:round/>
-                      <a:headEnd type="none" w="med" len="med"/>
-                      <a:tailEnd type="none" w="med" len="med"/>
-                    </a:lnL>
-                    <a:lnR w="6350" cap="flat" cmpd="sng" algn="ctr">
-                      <a:solidFill>
-                        <a:srgbClr val="B1BBCC"/>
-                      </a:solidFill>
-                      <a:prstDash val="solid"/>
-                      <a:round/>
-                      <a:headEnd type="none" w="med" len="med"/>
-                      <a:tailEnd type="none" w="med" len="med"/>
-                    </a:lnR>
-                    <a:lnT w="6350" cap="flat" cmpd="sng" algn="ctr">
-                      <a:solidFill>
-                        <a:srgbClr val="B1BBCC"/>
-                      </a:solidFill>
-                      <a:prstDash val="solid"/>
-                      <a:round/>
-                      <a:headEnd type="none" w="med" len="med"/>
-                      <a:tailEnd type="none" w="med" len="med"/>
-                    </a:lnT>
-                    <a:lnB w="6350" cap="flat" cmpd="sng" algn="ctr">
-                      <a:solidFill>
-                        <a:srgbClr val="B1BBCC"/>
-                      </a:solidFill>
-                      <a:prstDash val="solid"/>
-                      <a:round/>
-                      <a:headEnd type="none" w="med" len="med"/>
-                      <a:tailEnd type="none" w="med" len="med"/>
-                    </a:lnB>
-                    <a:solidFill>
-                      <a:srgbClr val="FFFFFF"/>
-                    </a:solidFill>
-                  </a:tcPr>
-                </a:tc>
-                <a:tc>
-                  <a:txBody>
-                    <a:bodyPr/>
-                    <a:lstStyle/>
-                    <a:p>
-                      <a:r>
-                        <a:rPr lang="en-US" sz="1100">
-                          <a:solidFill>
-                            <a:srgbClr val="000000"/>
-                          </a:solidFill>
-                          <a:effectLst/>
-                          <a:latin typeface="Calibri" panose="020F0502020204030204" pitchFamily="34" charset="0"/>
-                        </a:rPr>
-                        <a:t>Wed 19.08.20</a:t>
-                      </a:r>
-                      <a:endParaRPr lang="en-US" sz="1100">
-                        <a:effectLst/>
-                        <a:latin typeface="Calibri" panose="020F0502020204030204" pitchFamily="34" charset="0"/>
-                      </a:endParaRPr>
-                    </a:p>
-                  </a:txBody>
-                  <a:tcPr marL="9525" marR="9525" marT="9525" marB="9525" anchor="ctr">
-                    <a:lnL w="6350" cap="flat" cmpd="sng" algn="ctr">
-                      <a:solidFill>
-                        <a:srgbClr val="B1BBCC"/>
-                      </a:solidFill>
-                      <a:prstDash val="solid"/>
-                      <a:round/>
-                      <a:headEnd type="none" w="med" len="med"/>
-                      <a:tailEnd type="none" w="med" len="med"/>
-                    </a:lnL>
-                    <a:lnR w="6350" cap="flat" cmpd="sng" algn="ctr">
-                      <a:solidFill>
-                        <a:srgbClr val="B1BBCC"/>
-                      </a:solidFill>
-                      <a:prstDash val="solid"/>
-                      <a:round/>
-                      <a:headEnd type="none" w="med" len="med"/>
-                      <a:tailEnd type="none" w="med" len="med"/>
-                    </a:lnR>
-                    <a:lnT w="6350" cap="flat" cmpd="sng" algn="ctr">
-                      <a:solidFill>
-                        <a:srgbClr val="B1BBCC"/>
-                      </a:solidFill>
-                      <a:prstDash val="solid"/>
-                      <a:round/>
-                      <a:headEnd type="none" w="med" len="med"/>
-                      <a:tailEnd type="none" w="med" len="med"/>
-                    </a:lnT>
-                    <a:lnB w="6350" cap="flat" cmpd="sng" algn="ctr">
-                      <a:solidFill>
-                        <a:srgbClr val="B1BBCC"/>
-                      </a:solidFill>
-                      <a:prstDash val="solid"/>
-                      <a:round/>
-                      <a:headEnd type="none" w="med" len="med"/>
-                      <a:tailEnd type="none" w="med" len="med"/>
-                    </a:lnB>
-                    <a:solidFill>
-                      <a:srgbClr val="FFFFFF"/>
-                    </a:solidFill>
-                  </a:tcPr>
-                </a:tc>
-              </a:tr>
-              <a:tr h="282365">
-                <a:tc>
-                  <a:txBody>
-                    <a:bodyPr/>
-                    <a:lstStyle/>
-                    <a:p>
-                      <a:r>
-                        <a:rPr lang="en-US" sz="1100" dirty="0" smtClean="0">
-                          <a:solidFill>
-                            <a:srgbClr val="000000"/>
-                          </a:solidFill>
-                          <a:effectLst/>
-                          <a:latin typeface="Calibri" panose="020F0502020204030204" pitchFamily="34" charset="0"/>
-                        </a:rPr>
-                        <a:t>9. Final </a:t>
-                      </a:r>
-                      <a:r>
-                        <a:rPr lang="en-US" sz="1100" dirty="0">
-                          <a:solidFill>
-                            <a:srgbClr val="000000"/>
-                          </a:solidFill>
-                          <a:effectLst/>
-                          <a:latin typeface="Calibri" panose="020F0502020204030204" pitchFamily="34" charset="0"/>
-                        </a:rPr>
-                        <a:t>test with 2nd PCB</a:t>
-                      </a:r>
-                      <a:endParaRPr lang="en-US" sz="1100" dirty="0">
-                        <a:effectLst/>
-                        <a:latin typeface="Calibri" panose="020F0502020204030204" pitchFamily="34" charset="0"/>
-                      </a:endParaRPr>
-                    </a:p>
-                  </a:txBody>
-                  <a:tcPr marL="9525" marR="9525" marT="9525" marB="9525" anchor="ctr">
-                    <a:lnL w="6350" cap="flat" cmpd="sng" algn="ctr">
-                      <a:solidFill>
-                        <a:srgbClr val="B1BBCC"/>
-                      </a:solidFill>
-                      <a:prstDash val="solid"/>
-                      <a:round/>
-                      <a:headEnd type="none" w="med" len="med"/>
-                      <a:tailEnd type="none" w="med" len="med"/>
-                    </a:lnL>
-                    <a:lnR w="6350" cap="flat" cmpd="sng" algn="ctr">
-                      <a:solidFill>
-                        <a:srgbClr val="B1BBCC"/>
-                      </a:solidFill>
-                      <a:prstDash val="solid"/>
-                      <a:round/>
-                      <a:headEnd type="none" w="med" len="med"/>
-                      <a:tailEnd type="none" w="med" len="med"/>
-                    </a:lnR>
-                    <a:lnT w="6350" cap="flat" cmpd="sng" algn="ctr">
-                      <a:solidFill>
-                        <a:srgbClr val="B1BBCC"/>
-                      </a:solidFill>
-                      <a:prstDash val="solid"/>
-                      <a:round/>
-                      <a:headEnd type="none" w="med" len="med"/>
-                      <a:tailEnd type="none" w="med" len="med"/>
-                    </a:lnT>
-                    <a:lnB w="6350" cap="flat" cmpd="sng" algn="ctr">
-                      <a:solidFill>
-                        <a:srgbClr val="B1BBCC"/>
-                      </a:solidFill>
-                      <a:prstDash val="solid"/>
-                      <a:round/>
-                      <a:headEnd type="none" w="med" len="med"/>
-                      <a:tailEnd type="none" w="med" len="med"/>
-                    </a:lnB>
-                    <a:solidFill>
-                      <a:srgbClr val="FFFFFF"/>
-                    </a:solidFill>
-                  </a:tcPr>
-                </a:tc>
-                <a:tc>
-                  <a:txBody>
-                    <a:bodyPr/>
-                    <a:lstStyle/>
-                    <a:p>
-                      <a:r>
-                        <a:rPr lang="en-US" sz="1100">
-                          <a:solidFill>
-                            <a:srgbClr val="000000"/>
-                          </a:solidFill>
-                          <a:effectLst/>
-                          <a:latin typeface="Calibri" panose="020F0502020204030204" pitchFamily="34" charset="0"/>
-                        </a:rPr>
-                        <a:t>3 days</a:t>
-                      </a:r>
-                      <a:endParaRPr lang="en-US" sz="1100">
-                        <a:effectLst/>
-                        <a:latin typeface="Calibri" panose="020F0502020204030204" pitchFamily="34" charset="0"/>
-                      </a:endParaRPr>
-                    </a:p>
-                  </a:txBody>
-                  <a:tcPr marL="9525" marR="9525" marT="9525" marB="9525" anchor="ctr">
-                    <a:lnL w="6350" cap="flat" cmpd="sng" algn="ctr">
-                      <a:solidFill>
-                        <a:srgbClr val="B1BBCC"/>
-                      </a:solidFill>
-                      <a:prstDash val="solid"/>
-                      <a:round/>
-                      <a:headEnd type="none" w="med" len="med"/>
-                      <a:tailEnd type="none" w="med" len="med"/>
-                    </a:lnL>
-                    <a:lnR w="6350" cap="flat" cmpd="sng" algn="ctr">
-                      <a:solidFill>
-                        <a:srgbClr val="B1BBCC"/>
-                      </a:solidFill>
-                      <a:prstDash val="solid"/>
-                      <a:round/>
-                      <a:headEnd type="none" w="med" len="med"/>
-                      <a:tailEnd type="none" w="med" len="med"/>
-                    </a:lnR>
-                    <a:lnT w="6350" cap="flat" cmpd="sng" algn="ctr">
-                      <a:solidFill>
-                        <a:srgbClr val="B1BBCC"/>
-                      </a:solidFill>
-                      <a:prstDash val="solid"/>
-                      <a:round/>
-                      <a:headEnd type="none" w="med" len="med"/>
-                      <a:tailEnd type="none" w="med" len="med"/>
-                    </a:lnT>
-                    <a:lnB w="6350" cap="flat" cmpd="sng" algn="ctr">
-                      <a:solidFill>
-                        <a:srgbClr val="B1BBCC"/>
-                      </a:solidFill>
-                      <a:prstDash val="solid"/>
-                      <a:round/>
-                      <a:headEnd type="none" w="med" len="med"/>
-                      <a:tailEnd type="none" w="med" len="med"/>
-                    </a:lnB>
-                    <a:solidFill>
-                      <a:srgbClr val="FFFFFF"/>
-                    </a:solidFill>
-                  </a:tcPr>
-                </a:tc>
-                <a:tc>
-                  <a:txBody>
-                    <a:bodyPr/>
-                    <a:lstStyle/>
-                    <a:p>
-                      <a:r>
-                        <a:rPr lang="en-US" sz="1100">
-                          <a:solidFill>
-                            <a:srgbClr val="000000"/>
-                          </a:solidFill>
-                          <a:effectLst/>
-                          <a:latin typeface="Calibri" panose="020F0502020204030204" pitchFamily="34" charset="0"/>
-                        </a:rPr>
-                        <a:t>Thu 20.08.20</a:t>
-                      </a:r>
-                      <a:endParaRPr lang="en-US" sz="1100">
-                        <a:effectLst/>
-                        <a:latin typeface="Calibri" panose="020F0502020204030204" pitchFamily="34" charset="0"/>
-                      </a:endParaRPr>
-                    </a:p>
-                  </a:txBody>
-                  <a:tcPr marL="9525" marR="9525" marT="9525" marB="9525" anchor="ctr">
-                    <a:lnL w="6350" cap="flat" cmpd="sng" algn="ctr">
-                      <a:solidFill>
-                        <a:srgbClr val="B1BBCC"/>
-                      </a:solidFill>
-                      <a:prstDash val="solid"/>
-                      <a:round/>
-                      <a:headEnd type="none" w="med" len="med"/>
-                      <a:tailEnd type="none" w="med" len="med"/>
-                    </a:lnL>
-                    <a:lnR w="6350" cap="flat" cmpd="sng" algn="ctr">
-                      <a:solidFill>
-                        <a:srgbClr val="B1BBCC"/>
-                      </a:solidFill>
-                      <a:prstDash val="solid"/>
-                      <a:round/>
-                      <a:headEnd type="none" w="med" len="med"/>
-                      <a:tailEnd type="none" w="med" len="med"/>
-                    </a:lnR>
-                    <a:lnT w="6350" cap="flat" cmpd="sng" algn="ctr">
-                      <a:solidFill>
-                        <a:srgbClr val="B1BBCC"/>
-                      </a:solidFill>
-                      <a:prstDash val="solid"/>
-                      <a:round/>
-                      <a:headEnd type="none" w="med" len="med"/>
-                      <a:tailEnd type="none" w="med" len="med"/>
-                    </a:lnT>
-                    <a:lnB w="6350" cap="flat" cmpd="sng" algn="ctr">
-                      <a:solidFill>
-                        <a:srgbClr val="B1BBCC"/>
-                      </a:solidFill>
-                      <a:prstDash val="solid"/>
-                      <a:round/>
-                      <a:headEnd type="none" w="med" len="med"/>
-                      <a:tailEnd type="none" w="med" len="med"/>
-                    </a:lnB>
-                    <a:solidFill>
-                      <a:srgbClr val="FFFFFF"/>
-                    </a:solidFill>
-                  </a:tcPr>
-                </a:tc>
-                <a:tc>
-                  <a:txBody>
-                    <a:bodyPr/>
-                    <a:lstStyle/>
-                    <a:p>
-                      <a:r>
-                        <a:rPr lang="en-US" sz="1100">
-                          <a:solidFill>
-                            <a:srgbClr val="000000"/>
-                          </a:solidFill>
-                          <a:effectLst/>
-                          <a:latin typeface="Calibri" panose="020F0502020204030204" pitchFamily="34" charset="0"/>
-                        </a:rPr>
-                        <a:t>Mon 24.08.20</a:t>
-                      </a:r>
-                      <a:endParaRPr lang="en-US" sz="1100">
-                        <a:effectLst/>
-                        <a:latin typeface="Calibri" panose="020F0502020204030204" pitchFamily="34" charset="0"/>
-                      </a:endParaRPr>
-                    </a:p>
-                  </a:txBody>
-                  <a:tcPr marL="9525" marR="9525" marT="9525" marB="9525" anchor="ctr">
-                    <a:lnL w="6350" cap="flat" cmpd="sng" algn="ctr">
-                      <a:solidFill>
-                        <a:srgbClr val="B1BBCC"/>
-                      </a:solidFill>
-                      <a:prstDash val="solid"/>
-                      <a:round/>
-                      <a:headEnd type="none" w="med" len="med"/>
-                      <a:tailEnd type="none" w="med" len="med"/>
-                    </a:lnL>
-                    <a:lnR w="6350" cap="flat" cmpd="sng" algn="ctr">
-                      <a:solidFill>
-                        <a:srgbClr val="B1BBCC"/>
-                      </a:solidFill>
-                      <a:prstDash val="solid"/>
-                      <a:round/>
-                      <a:headEnd type="none" w="med" len="med"/>
-                      <a:tailEnd type="none" w="med" len="med"/>
-                    </a:lnR>
-                    <a:lnT w="6350" cap="flat" cmpd="sng" algn="ctr">
-                      <a:solidFill>
-                        <a:srgbClr val="B1BBCC"/>
-                      </a:solidFill>
-                      <a:prstDash val="solid"/>
-                      <a:round/>
-                      <a:headEnd type="none" w="med" len="med"/>
-                      <a:tailEnd type="none" w="med" len="med"/>
-                    </a:lnT>
-                    <a:lnB w="6350" cap="flat" cmpd="sng" algn="ctr">
-                      <a:solidFill>
-                        <a:srgbClr val="B1BBCC"/>
-                      </a:solidFill>
-                      <a:prstDash val="solid"/>
-                      <a:round/>
-                      <a:headEnd type="none" w="med" len="med"/>
-                      <a:tailEnd type="none" w="med" len="med"/>
-                    </a:lnB>
-                    <a:solidFill>
-                      <a:srgbClr val="FFFFFF"/>
-                    </a:solidFill>
-                  </a:tcPr>
-                </a:tc>
-              </a:tr>
-              <a:tr h="282365">
-                <a:tc>
-                  <a:txBody>
-                    <a:bodyPr/>
-                    <a:lstStyle/>
-                    <a:p>
-                      <a:r>
-                        <a:rPr lang="en-US" sz="1100" dirty="0" smtClean="0">
-                          <a:solidFill>
-                            <a:srgbClr val="000000"/>
-                          </a:solidFill>
-                          <a:effectLst/>
-                          <a:latin typeface="Calibri" panose="020F0502020204030204" pitchFamily="34" charset="0"/>
-                        </a:rPr>
-                        <a:t>10 .Final </a:t>
-                      </a:r>
-                      <a:r>
-                        <a:rPr lang="en-US" sz="1100" dirty="0">
-                          <a:solidFill>
-                            <a:srgbClr val="000000"/>
-                          </a:solidFill>
-                          <a:effectLst/>
-                          <a:latin typeface="Calibri" panose="020F0502020204030204" pitchFamily="34" charset="0"/>
-                        </a:rPr>
-                        <a:t>presentation</a:t>
-                      </a:r>
-                      <a:endParaRPr lang="en-US" sz="1100" dirty="0">
-                        <a:effectLst/>
-                        <a:latin typeface="Calibri" panose="020F0502020204030204" pitchFamily="34" charset="0"/>
-                      </a:endParaRPr>
-                    </a:p>
-                  </a:txBody>
-                  <a:tcPr marL="9525" marR="9525" marT="9525" marB="9525" anchor="ctr">
-                    <a:lnL w="6350" cap="flat" cmpd="sng" algn="ctr">
-                      <a:solidFill>
-                        <a:srgbClr val="B1BBCC"/>
-                      </a:solidFill>
-                      <a:prstDash val="solid"/>
-                      <a:round/>
-                      <a:headEnd type="none" w="med" len="med"/>
-                      <a:tailEnd type="none" w="med" len="med"/>
-                    </a:lnL>
-                    <a:lnR w="6350" cap="flat" cmpd="sng" algn="ctr">
-                      <a:solidFill>
-                        <a:srgbClr val="B1BBCC"/>
-                      </a:solidFill>
-                      <a:prstDash val="solid"/>
-                      <a:round/>
-                      <a:headEnd type="none" w="med" len="med"/>
-                      <a:tailEnd type="none" w="med" len="med"/>
-                    </a:lnR>
-                    <a:lnT w="6350" cap="flat" cmpd="sng" algn="ctr">
-                      <a:solidFill>
-                        <a:srgbClr val="B1BBCC"/>
-                      </a:solidFill>
-                      <a:prstDash val="solid"/>
-                      <a:round/>
-                      <a:headEnd type="none" w="med" len="med"/>
-                      <a:tailEnd type="none" w="med" len="med"/>
-                    </a:lnT>
-                    <a:lnB w="6350" cap="flat" cmpd="sng" algn="ctr">
-                      <a:solidFill>
-                        <a:srgbClr val="B1BBCC"/>
-                      </a:solidFill>
-                      <a:prstDash val="solid"/>
-                      <a:round/>
-                      <a:headEnd type="none" w="med" len="med"/>
-                      <a:tailEnd type="none" w="med" len="med"/>
-                    </a:lnB>
-                    <a:solidFill>
-                      <a:srgbClr val="FFFFFF"/>
-                    </a:solidFill>
-                  </a:tcPr>
-                </a:tc>
-                <a:tc>
-                  <a:txBody>
-                    <a:bodyPr/>
-                    <a:lstStyle/>
-                    <a:p>
-                      <a:r>
-                        <a:rPr lang="en-US" sz="1100">
-                          <a:solidFill>
-                            <a:srgbClr val="000000"/>
-                          </a:solidFill>
-                          <a:effectLst/>
-                          <a:latin typeface="Calibri" panose="020F0502020204030204" pitchFamily="34" charset="0"/>
-                        </a:rPr>
-                        <a:t>1 day</a:t>
-                      </a:r>
-                      <a:endParaRPr lang="en-US" sz="1100">
-                        <a:effectLst/>
-                        <a:latin typeface="Calibri" panose="020F0502020204030204" pitchFamily="34" charset="0"/>
-                      </a:endParaRPr>
-                    </a:p>
-                  </a:txBody>
-                  <a:tcPr marL="9525" marR="9525" marT="9525" marB="9525" anchor="ctr">
-                    <a:lnL w="6350" cap="flat" cmpd="sng" algn="ctr">
-                      <a:solidFill>
-                        <a:srgbClr val="B1BBCC"/>
-                      </a:solidFill>
-                      <a:prstDash val="solid"/>
-                      <a:round/>
-                      <a:headEnd type="none" w="med" len="med"/>
-                      <a:tailEnd type="none" w="med" len="med"/>
-                    </a:lnL>
-                    <a:lnR w="6350" cap="flat" cmpd="sng" algn="ctr">
-                      <a:solidFill>
-                        <a:srgbClr val="B1BBCC"/>
-                      </a:solidFill>
-                      <a:prstDash val="solid"/>
-                      <a:round/>
-                      <a:headEnd type="none" w="med" len="med"/>
-                      <a:tailEnd type="none" w="med" len="med"/>
-                    </a:lnR>
-                    <a:lnT w="6350" cap="flat" cmpd="sng" algn="ctr">
-                      <a:solidFill>
-                        <a:srgbClr val="B1BBCC"/>
-                      </a:solidFill>
-                      <a:prstDash val="solid"/>
-                      <a:round/>
-                      <a:headEnd type="none" w="med" len="med"/>
-                      <a:tailEnd type="none" w="med" len="med"/>
-                    </a:lnT>
-                    <a:lnB w="6350" cap="flat" cmpd="sng" algn="ctr">
-                      <a:solidFill>
-                        <a:srgbClr val="B1BBCC"/>
-                      </a:solidFill>
-                      <a:prstDash val="solid"/>
-                      <a:round/>
-                      <a:headEnd type="none" w="med" len="med"/>
-                      <a:tailEnd type="none" w="med" len="med"/>
-                    </a:lnB>
-                    <a:solidFill>
-                      <a:srgbClr val="FFFFFF"/>
-                    </a:solidFill>
-                  </a:tcPr>
-                </a:tc>
-                <a:tc>
-                  <a:txBody>
-                    <a:bodyPr/>
-                    <a:lstStyle/>
-                    <a:p>
-                      <a:r>
-                        <a:rPr lang="en-US" sz="1100">
-                          <a:solidFill>
-                            <a:srgbClr val="000000"/>
-                          </a:solidFill>
-                          <a:effectLst/>
-                          <a:latin typeface="Calibri" panose="020F0502020204030204" pitchFamily="34" charset="0"/>
-                        </a:rPr>
-                        <a:t>Wed 26.08.20</a:t>
-                      </a:r>
-                      <a:endParaRPr lang="en-US" sz="1100">
-                        <a:effectLst/>
-                        <a:latin typeface="Calibri" panose="020F0502020204030204" pitchFamily="34" charset="0"/>
-                      </a:endParaRPr>
-                    </a:p>
-                  </a:txBody>
-                  <a:tcPr marL="9525" marR="9525" marT="9525" marB="9525" anchor="ctr">
-                    <a:lnL w="6350" cap="flat" cmpd="sng" algn="ctr">
-                      <a:solidFill>
-                        <a:srgbClr val="B1BBCC"/>
-                      </a:solidFill>
-                      <a:prstDash val="solid"/>
-                      <a:round/>
-                      <a:headEnd type="none" w="med" len="med"/>
-                      <a:tailEnd type="none" w="med" len="med"/>
-                    </a:lnL>
-                    <a:lnR w="6350" cap="flat" cmpd="sng" algn="ctr">
-                      <a:solidFill>
-                        <a:srgbClr val="B1BBCC"/>
-                      </a:solidFill>
-                      <a:prstDash val="solid"/>
-                      <a:round/>
-                      <a:headEnd type="none" w="med" len="med"/>
-                      <a:tailEnd type="none" w="med" len="med"/>
-                    </a:lnR>
-                    <a:lnT w="6350" cap="flat" cmpd="sng" algn="ctr">
-                      <a:solidFill>
-                        <a:srgbClr val="B1BBCC"/>
-                      </a:solidFill>
-                      <a:prstDash val="solid"/>
-                      <a:round/>
-                      <a:headEnd type="none" w="med" len="med"/>
-                      <a:tailEnd type="none" w="med" len="med"/>
-                    </a:lnT>
-                    <a:lnB w="6350" cap="flat" cmpd="sng" algn="ctr">
-                      <a:solidFill>
-                        <a:srgbClr val="B1BBCC"/>
-                      </a:solidFill>
-                      <a:prstDash val="solid"/>
-                      <a:round/>
-                      <a:headEnd type="none" w="med" len="med"/>
-                      <a:tailEnd type="none" w="med" len="med"/>
-                    </a:lnB>
-                    <a:solidFill>
-                      <a:srgbClr val="FFFFFF"/>
-                    </a:solidFill>
-                  </a:tcPr>
-                </a:tc>
-                <a:tc>
-                  <a:txBody>
-                    <a:bodyPr/>
-                    <a:lstStyle/>
-                    <a:p>
-                      <a:r>
-                        <a:rPr lang="en-US" sz="1100">
-                          <a:solidFill>
-                            <a:srgbClr val="000000"/>
-                          </a:solidFill>
-                          <a:effectLst/>
-                          <a:latin typeface="Calibri" panose="020F0502020204030204" pitchFamily="34" charset="0"/>
-                        </a:rPr>
-                        <a:t>Wed 26.08.20</a:t>
-                      </a:r>
-                      <a:endParaRPr lang="en-US" sz="1100">
-                        <a:effectLst/>
-                        <a:latin typeface="Calibri" panose="020F0502020204030204" pitchFamily="34" charset="0"/>
-                      </a:endParaRPr>
-                    </a:p>
-                  </a:txBody>
-                  <a:tcPr marL="9525" marR="9525" marT="9525" marB="9525" anchor="ctr">
-                    <a:lnL w="6350" cap="flat" cmpd="sng" algn="ctr">
-                      <a:solidFill>
-                        <a:srgbClr val="B1BBCC"/>
-                      </a:solidFill>
-                      <a:prstDash val="solid"/>
-                      <a:round/>
-                      <a:headEnd type="none" w="med" len="med"/>
-                      <a:tailEnd type="none" w="med" len="med"/>
-                    </a:lnL>
-                    <a:lnR w="6350" cap="flat" cmpd="sng" algn="ctr">
-                      <a:solidFill>
-                        <a:srgbClr val="B1BBCC"/>
-                      </a:solidFill>
-                      <a:prstDash val="solid"/>
-                      <a:round/>
-                      <a:headEnd type="none" w="med" len="med"/>
-                      <a:tailEnd type="none" w="med" len="med"/>
-                    </a:lnR>
-                    <a:lnT w="6350" cap="flat" cmpd="sng" algn="ctr">
-                      <a:solidFill>
-                        <a:srgbClr val="B1BBCC"/>
-                      </a:solidFill>
-                      <a:prstDash val="solid"/>
-                      <a:round/>
-                      <a:headEnd type="none" w="med" len="med"/>
-                      <a:tailEnd type="none" w="med" len="med"/>
-                    </a:lnT>
-                    <a:lnB w="6350" cap="flat" cmpd="sng" algn="ctr">
-                      <a:solidFill>
-                        <a:srgbClr val="B1BBCC"/>
-                      </a:solidFill>
-                      <a:prstDash val="solid"/>
-                      <a:round/>
-                      <a:headEnd type="none" w="med" len="med"/>
-                      <a:tailEnd type="none" w="med" len="med"/>
-                    </a:lnB>
-                    <a:solidFill>
-                      <a:srgbClr val="FFFFFF"/>
-                    </a:solidFill>
-                  </a:tcPr>
-                </a:tc>
-              </a:tr>
-              <a:tr h="282365">
-                <a:tc>
-                  <a:txBody>
-                    <a:bodyPr/>
-                    <a:lstStyle/>
-                    <a:p>
-                      <a:endParaRPr lang="en-US" sz="1100" dirty="0">
-                        <a:effectLst/>
-                        <a:latin typeface="Calibri" panose="020F0502020204030204" pitchFamily="34" charset="0"/>
-                      </a:endParaRPr>
-                    </a:p>
-                  </a:txBody>
-                  <a:tcPr marL="9525" marR="9525" marT="9525" marB="9525" anchor="ctr">
-                    <a:lnL w="6350" cap="flat" cmpd="sng" algn="ctr">
-                      <a:solidFill>
-                        <a:srgbClr val="B1BBCC"/>
-                      </a:solidFill>
-                      <a:prstDash val="solid"/>
-                      <a:round/>
-                      <a:headEnd type="none" w="med" len="med"/>
-                      <a:tailEnd type="none" w="med" len="med"/>
-                    </a:lnL>
-                    <a:lnR w="6350" cap="flat" cmpd="sng" algn="ctr">
-                      <a:solidFill>
-                        <a:srgbClr val="B1BBCC"/>
-                      </a:solidFill>
-                      <a:prstDash val="solid"/>
-                      <a:round/>
-                      <a:headEnd type="none" w="med" len="med"/>
-                      <a:tailEnd type="none" w="med" len="med"/>
-                    </a:lnR>
-                    <a:lnT w="6350" cap="flat" cmpd="sng" algn="ctr">
-                      <a:solidFill>
-                        <a:srgbClr val="B1BBCC"/>
-                      </a:solidFill>
-                      <a:prstDash val="solid"/>
-                      <a:round/>
-                      <a:headEnd type="none" w="med" len="med"/>
-                      <a:tailEnd type="none" w="med" len="med"/>
-                    </a:lnT>
-                    <a:lnB w="6350" cap="flat" cmpd="sng" algn="ctr">
-                      <a:solidFill>
-                        <a:srgbClr val="B1BBCC"/>
-                      </a:solidFill>
-                      <a:prstDash val="solid"/>
-                      <a:round/>
-                      <a:headEnd type="none" w="med" len="med"/>
-                      <a:tailEnd type="none" w="med" len="med"/>
-                    </a:lnB>
-                    <a:solidFill>
-                      <a:srgbClr val="FFFFFF"/>
-                    </a:solidFill>
-                  </a:tcPr>
-                </a:tc>
-                <a:tc>
-                  <a:txBody>
-                    <a:bodyPr/>
-                    <a:lstStyle/>
-                    <a:p>
-                      <a:endParaRPr lang="en-US" sz="1100">
-                        <a:effectLst/>
-                        <a:latin typeface="Calibri" panose="020F0502020204030204" pitchFamily="34" charset="0"/>
-                      </a:endParaRPr>
-                    </a:p>
-                  </a:txBody>
-                  <a:tcPr marL="9525" marR="9525" marT="9525" marB="9525" anchor="ctr">
-                    <a:lnL w="6350" cap="flat" cmpd="sng" algn="ctr">
-                      <a:solidFill>
-                        <a:srgbClr val="B1BBCC"/>
-                      </a:solidFill>
-                      <a:prstDash val="solid"/>
-                      <a:round/>
-                      <a:headEnd type="none" w="med" len="med"/>
-                      <a:tailEnd type="none" w="med" len="med"/>
-                    </a:lnL>
-                    <a:lnR w="6350" cap="flat" cmpd="sng" algn="ctr">
-                      <a:solidFill>
-                        <a:srgbClr val="B1BBCC"/>
-                      </a:solidFill>
-                      <a:prstDash val="solid"/>
-                      <a:round/>
-                      <a:headEnd type="none" w="med" len="med"/>
-                      <a:tailEnd type="none" w="med" len="med"/>
-                    </a:lnR>
-                    <a:lnT w="6350" cap="flat" cmpd="sng" algn="ctr">
-                      <a:solidFill>
-                        <a:srgbClr val="B1BBCC"/>
-                      </a:solidFill>
-                      <a:prstDash val="solid"/>
-                      <a:round/>
-                      <a:headEnd type="none" w="med" len="med"/>
-                      <a:tailEnd type="none" w="med" len="med"/>
-                    </a:lnT>
-                    <a:lnB w="6350" cap="flat" cmpd="sng" algn="ctr">
-                      <a:solidFill>
-                        <a:srgbClr val="B1BBCC"/>
-                      </a:solidFill>
-                      <a:prstDash val="solid"/>
-                      <a:round/>
-                      <a:headEnd type="none" w="med" len="med"/>
-                      <a:tailEnd type="none" w="med" len="med"/>
-                    </a:lnB>
-                    <a:solidFill>
-                      <a:srgbClr val="FFFFFF"/>
-                    </a:solidFill>
-                  </a:tcPr>
-                </a:tc>
-                <a:tc>
-                  <a:txBody>
-                    <a:bodyPr/>
-                    <a:lstStyle/>
-                    <a:p>
-                      <a:endParaRPr lang="en-US" sz="1100">
-                        <a:effectLst/>
-                        <a:latin typeface="Calibri" panose="020F0502020204030204" pitchFamily="34" charset="0"/>
-                      </a:endParaRPr>
-                    </a:p>
-                  </a:txBody>
-                  <a:tcPr marL="9525" marR="9525" marT="9525" marB="9525" anchor="ctr">
-                    <a:lnL w="6350" cap="flat" cmpd="sng" algn="ctr">
-                      <a:solidFill>
-                        <a:srgbClr val="B1BBCC"/>
-                      </a:solidFill>
-                      <a:prstDash val="solid"/>
-                      <a:round/>
-                      <a:headEnd type="none" w="med" len="med"/>
-                      <a:tailEnd type="none" w="med" len="med"/>
-                    </a:lnL>
-                    <a:lnR w="6350" cap="flat" cmpd="sng" algn="ctr">
-                      <a:solidFill>
-                        <a:srgbClr val="B1BBCC"/>
-                      </a:solidFill>
-                      <a:prstDash val="solid"/>
-                      <a:round/>
-                      <a:headEnd type="none" w="med" len="med"/>
-                      <a:tailEnd type="none" w="med" len="med"/>
-                    </a:lnR>
-                    <a:lnT w="6350" cap="flat" cmpd="sng" algn="ctr">
-                      <a:solidFill>
-                        <a:srgbClr val="B1BBCC"/>
-                      </a:solidFill>
-                      <a:prstDash val="solid"/>
-                      <a:round/>
-                      <a:headEnd type="none" w="med" len="med"/>
-                      <a:tailEnd type="none" w="med" len="med"/>
-                    </a:lnT>
-                    <a:lnB w="6350" cap="flat" cmpd="sng" algn="ctr">
-                      <a:solidFill>
-                        <a:srgbClr val="B1BBCC"/>
-                      </a:solidFill>
-                      <a:prstDash val="solid"/>
-                      <a:round/>
-                      <a:headEnd type="none" w="med" len="med"/>
-                      <a:tailEnd type="none" w="med" len="med"/>
-                    </a:lnB>
-                    <a:solidFill>
-                      <a:srgbClr val="FFFFFF"/>
-                    </a:solidFill>
-                  </a:tcPr>
-                </a:tc>
-                <a:tc>
-                  <a:txBody>
-                    <a:bodyPr/>
-                    <a:lstStyle/>
-                    <a:p>
-                      <a:endParaRPr lang="en-US" sz="1100">
-                        <a:effectLst/>
-                        <a:latin typeface="Calibri" panose="020F0502020204030204" pitchFamily="34" charset="0"/>
-                      </a:endParaRPr>
-                    </a:p>
-                  </a:txBody>
-                  <a:tcPr marL="9525" marR="9525" marT="9525" marB="9525" anchor="ctr">
-                    <a:lnL w="6350" cap="flat" cmpd="sng" algn="ctr">
-                      <a:solidFill>
-                        <a:srgbClr val="B1BBCC"/>
-                      </a:solidFill>
-                      <a:prstDash val="solid"/>
-                      <a:round/>
-                      <a:headEnd type="none" w="med" len="med"/>
-                      <a:tailEnd type="none" w="med" len="med"/>
-                    </a:lnL>
-                    <a:lnR w="6350" cap="flat" cmpd="sng" algn="ctr">
-                      <a:solidFill>
-                        <a:srgbClr val="B1BBCC"/>
-                      </a:solidFill>
-                      <a:prstDash val="solid"/>
-                      <a:round/>
-                      <a:headEnd type="none" w="med" len="med"/>
-                      <a:tailEnd type="none" w="med" len="med"/>
-                    </a:lnR>
-                    <a:lnT w="6350" cap="flat" cmpd="sng" algn="ctr">
-                      <a:solidFill>
-                        <a:srgbClr val="B1BBCC"/>
-                      </a:solidFill>
-                      <a:prstDash val="solid"/>
-                      <a:round/>
-                      <a:headEnd type="none" w="med" len="med"/>
-                      <a:tailEnd type="none" w="med" len="med"/>
-                    </a:lnT>
-                    <a:lnB w="6350" cap="flat" cmpd="sng" algn="ctr">
-                      <a:solidFill>
-                        <a:srgbClr val="B1BBCC"/>
-                      </a:solidFill>
-                      <a:prstDash val="solid"/>
-                      <a:round/>
-                      <a:headEnd type="none" w="med" len="med"/>
-                      <a:tailEnd type="none" w="med" len="med"/>
-                    </a:lnB>
-                    <a:solidFill>
-                      <a:srgbClr val="FFFFFF"/>
-                    </a:solidFill>
-                  </a:tcPr>
-                </a:tc>
-              </a:tr>
-              <a:tr h="282365">
-                <a:tc>
-                  <a:txBody>
-                    <a:bodyPr/>
-                    <a:lstStyle/>
-                    <a:p>
-                      <a:r>
-                        <a:rPr lang="en-US" sz="1100" dirty="0" err="1">
-                          <a:solidFill>
-                            <a:srgbClr val="000000"/>
-                          </a:solidFill>
-                          <a:effectLst/>
-                          <a:latin typeface="Calibri" panose="020F0502020204030204" pitchFamily="34" charset="0"/>
-                        </a:rPr>
-                        <a:t>SoSe</a:t>
-                      </a:r>
-                      <a:r>
-                        <a:rPr lang="en-US" sz="1100" dirty="0">
-                          <a:solidFill>
-                            <a:srgbClr val="000000"/>
-                          </a:solidFill>
-                          <a:effectLst/>
-                          <a:latin typeface="Calibri" panose="020F0502020204030204" pitchFamily="34" charset="0"/>
-                        </a:rPr>
-                        <a:t> Examination Period</a:t>
-                      </a:r>
-                      <a:endParaRPr lang="en-US" sz="1100" dirty="0">
-                        <a:effectLst/>
-                        <a:latin typeface="Calibri" panose="020F0502020204030204" pitchFamily="34" charset="0"/>
-                      </a:endParaRPr>
-                    </a:p>
-                  </a:txBody>
-                  <a:tcPr marL="9525" marR="9525" marT="9525" marB="9525" anchor="ctr">
-                    <a:lnL w="6350" cap="flat" cmpd="sng" algn="ctr">
-                      <a:solidFill>
-                        <a:srgbClr val="B1BBCC"/>
-                      </a:solidFill>
-                      <a:prstDash val="solid"/>
-                      <a:round/>
-                      <a:headEnd type="none" w="med" len="med"/>
-                      <a:tailEnd type="none" w="med" len="med"/>
-                    </a:lnL>
-                    <a:lnR w="6350" cap="flat" cmpd="sng" algn="ctr">
-                      <a:solidFill>
-                        <a:srgbClr val="B1BBCC"/>
-                      </a:solidFill>
-                      <a:prstDash val="solid"/>
-                      <a:round/>
-                      <a:headEnd type="none" w="med" len="med"/>
-                      <a:tailEnd type="none" w="med" len="med"/>
-                    </a:lnR>
-                    <a:lnT w="6350" cap="flat" cmpd="sng" algn="ctr">
-                      <a:solidFill>
-                        <a:srgbClr val="B1BBCC"/>
-                      </a:solidFill>
-                      <a:prstDash val="solid"/>
-                      <a:round/>
-                      <a:headEnd type="none" w="med" len="med"/>
-                      <a:tailEnd type="none" w="med" len="med"/>
-                    </a:lnT>
-                    <a:lnB w="6350" cap="flat" cmpd="sng" algn="ctr">
-                      <a:solidFill>
-                        <a:srgbClr val="B1BBCC"/>
-                      </a:solidFill>
-                      <a:prstDash val="solid"/>
-                      <a:round/>
-                      <a:headEnd type="none" w="med" len="med"/>
-                      <a:tailEnd type="none" w="med" len="med"/>
-                    </a:lnB>
-                    <a:solidFill>
-                      <a:srgbClr val="FFFFFF"/>
-                    </a:solidFill>
-                  </a:tcPr>
-                </a:tc>
-                <a:tc>
-                  <a:txBody>
-                    <a:bodyPr/>
-                    <a:lstStyle/>
-                    <a:p>
-                      <a:r>
-                        <a:rPr lang="en-US" sz="1100">
-                          <a:solidFill>
-                            <a:srgbClr val="000000"/>
-                          </a:solidFill>
-                          <a:effectLst/>
-                          <a:latin typeface="Calibri" panose="020F0502020204030204" pitchFamily="34" charset="0"/>
-                        </a:rPr>
-                        <a:t>32 days</a:t>
-                      </a:r>
-                      <a:endParaRPr lang="en-US" sz="1100">
-                        <a:effectLst/>
-                        <a:latin typeface="Calibri" panose="020F0502020204030204" pitchFamily="34" charset="0"/>
-                      </a:endParaRPr>
-                    </a:p>
-                  </a:txBody>
-                  <a:tcPr marL="9525" marR="9525" marT="9525" marB="9525" anchor="ctr">
-                    <a:lnL w="6350" cap="flat" cmpd="sng" algn="ctr">
-                      <a:solidFill>
-                        <a:srgbClr val="B1BBCC"/>
-                      </a:solidFill>
-                      <a:prstDash val="solid"/>
-                      <a:round/>
-                      <a:headEnd type="none" w="med" len="med"/>
-                      <a:tailEnd type="none" w="med" len="med"/>
-                    </a:lnL>
-                    <a:lnR w="6350" cap="flat" cmpd="sng" algn="ctr">
-                      <a:solidFill>
-                        <a:srgbClr val="B1BBCC"/>
-                      </a:solidFill>
-                      <a:prstDash val="solid"/>
-                      <a:round/>
-                      <a:headEnd type="none" w="med" len="med"/>
-                      <a:tailEnd type="none" w="med" len="med"/>
-                    </a:lnR>
-                    <a:lnT w="6350" cap="flat" cmpd="sng" algn="ctr">
-                      <a:solidFill>
-                        <a:srgbClr val="B1BBCC"/>
-                      </a:solidFill>
-                      <a:prstDash val="solid"/>
-                      <a:round/>
-                      <a:headEnd type="none" w="med" len="med"/>
-                      <a:tailEnd type="none" w="med" len="med"/>
-                    </a:lnT>
-                    <a:lnB w="6350" cap="flat" cmpd="sng" algn="ctr">
-                      <a:solidFill>
-                        <a:srgbClr val="B1BBCC"/>
-                      </a:solidFill>
-                      <a:prstDash val="solid"/>
-                      <a:round/>
-                      <a:headEnd type="none" w="med" len="med"/>
-                      <a:tailEnd type="none" w="med" len="med"/>
-                    </a:lnB>
-                    <a:solidFill>
-                      <a:srgbClr val="FFFFFF"/>
-                    </a:solidFill>
-                  </a:tcPr>
-                </a:tc>
-                <a:tc>
-                  <a:txBody>
-                    <a:bodyPr/>
-                    <a:lstStyle/>
-                    <a:p>
-                      <a:r>
-                        <a:rPr lang="en-US" sz="1100">
-                          <a:solidFill>
-                            <a:srgbClr val="000000"/>
-                          </a:solidFill>
-                          <a:effectLst/>
-                          <a:latin typeface="Calibri" panose="020F0502020204030204" pitchFamily="34" charset="0"/>
-                        </a:rPr>
-                        <a:t>Wed 29.07.20</a:t>
-                      </a:r>
-                      <a:endParaRPr lang="en-US" sz="1100">
-                        <a:effectLst/>
-                        <a:latin typeface="Calibri" panose="020F0502020204030204" pitchFamily="34" charset="0"/>
-                      </a:endParaRPr>
-                    </a:p>
-                  </a:txBody>
-                  <a:tcPr marL="9525" marR="9525" marT="9525" marB="9525" anchor="ctr">
-                    <a:lnL w="6350" cap="flat" cmpd="sng" algn="ctr">
-                      <a:solidFill>
-                        <a:srgbClr val="B1BBCC"/>
-                      </a:solidFill>
-                      <a:prstDash val="solid"/>
-                      <a:round/>
-                      <a:headEnd type="none" w="med" len="med"/>
-                      <a:tailEnd type="none" w="med" len="med"/>
-                    </a:lnL>
-                    <a:lnR w="6350" cap="flat" cmpd="sng" algn="ctr">
-                      <a:solidFill>
-                        <a:srgbClr val="B1BBCC"/>
-                      </a:solidFill>
-                      <a:prstDash val="solid"/>
-                      <a:round/>
-                      <a:headEnd type="none" w="med" len="med"/>
-                      <a:tailEnd type="none" w="med" len="med"/>
-                    </a:lnR>
-                    <a:lnT w="6350" cap="flat" cmpd="sng" algn="ctr">
-                      <a:solidFill>
-                        <a:srgbClr val="B1BBCC"/>
-                      </a:solidFill>
-                      <a:prstDash val="solid"/>
-                      <a:round/>
-                      <a:headEnd type="none" w="med" len="med"/>
-                      <a:tailEnd type="none" w="med" len="med"/>
-                    </a:lnT>
-                    <a:lnB w="6350" cap="flat" cmpd="sng" algn="ctr">
-                      <a:solidFill>
-                        <a:srgbClr val="B1BBCC"/>
-                      </a:solidFill>
-                      <a:prstDash val="solid"/>
-                      <a:round/>
-                      <a:headEnd type="none" w="med" len="med"/>
-                      <a:tailEnd type="none" w="med" len="med"/>
-                    </a:lnB>
-                    <a:solidFill>
-                      <a:srgbClr val="FFFFFF"/>
-                    </a:solidFill>
-                  </a:tcPr>
-                </a:tc>
-                <a:tc>
-                  <a:txBody>
-                    <a:bodyPr/>
-                    <a:lstStyle/>
-                    <a:p>
-                      <a:r>
-                        <a:rPr lang="en-US" sz="1100" dirty="0">
-                          <a:solidFill>
-                            <a:srgbClr val="000000"/>
-                          </a:solidFill>
-                          <a:effectLst/>
-                          <a:latin typeface="Calibri" panose="020F0502020204030204" pitchFamily="34" charset="0"/>
-                        </a:rPr>
-                        <a:t>Thu 10.09.20</a:t>
-                      </a:r>
-                      <a:endParaRPr lang="en-US" sz="1100" dirty="0">
-                        <a:effectLst/>
-                        <a:latin typeface="Calibri" panose="020F0502020204030204" pitchFamily="34" charset="0"/>
-                      </a:endParaRPr>
-                    </a:p>
-                  </a:txBody>
-                  <a:tcPr marL="9525" marR="9525" marT="9525" marB="9525" anchor="ctr">
-                    <a:lnL w="6350" cap="flat" cmpd="sng" algn="ctr">
-                      <a:solidFill>
-                        <a:srgbClr val="B1BBCC"/>
-                      </a:solidFill>
-                      <a:prstDash val="solid"/>
-                      <a:round/>
-                      <a:headEnd type="none" w="med" len="med"/>
-                      <a:tailEnd type="none" w="med" len="med"/>
-                    </a:lnL>
-                    <a:lnR w="6350" cap="flat" cmpd="sng" algn="ctr">
-                      <a:solidFill>
-                        <a:srgbClr val="B1BBCC"/>
-                      </a:solidFill>
-                      <a:prstDash val="solid"/>
-                      <a:round/>
-                      <a:headEnd type="none" w="med" len="med"/>
-                      <a:tailEnd type="none" w="med" len="med"/>
-                    </a:lnR>
-                    <a:lnT w="6350" cap="flat" cmpd="sng" algn="ctr">
-                      <a:solidFill>
-                        <a:srgbClr val="B1BBCC"/>
-                      </a:solidFill>
-                      <a:prstDash val="solid"/>
-                      <a:round/>
-                      <a:headEnd type="none" w="med" len="med"/>
-                      <a:tailEnd type="none" w="med" len="med"/>
-                    </a:lnT>
-                    <a:lnB w="6350" cap="flat" cmpd="sng" algn="ctr">
-                      <a:solidFill>
-                        <a:srgbClr val="B1BBCC"/>
-                      </a:solidFill>
-                      <a:prstDash val="solid"/>
-                      <a:round/>
-                      <a:headEnd type="none" w="med" len="med"/>
-                      <a:tailEnd type="none" w="med" len="med"/>
-                    </a:lnB>
-                    <a:solidFill>
-                      <a:srgbClr val="FFFFFF"/>
-                    </a:solidFill>
-                  </a:tcPr>
-                </a:tc>
-              </a:tr>
-            </a:tbl>
-          </a:graphicData>
-        </a:graphic>
-      </p:graphicFrame>
-    </p:spTree>
-    <p:extLst>
-      <p:ext uri="{BB962C8B-B14F-4D97-AF65-F5344CB8AC3E}">
-        <p14:creationId xmlns:p14="http://schemas.microsoft.com/office/powerpoint/2010/main" val="2913506072"/>
-      </p:ext>
-    </p:extLst>
-  </p:cSld>
-  <p:clrMapOvr>
-    <a:masterClrMapping/>
-  </p:clrMapOvr>
-  <p:timing>
-    <p:tnLst>
-      <p:par>
-        <p:cTn id="1" dur="indefinite" restart="never" nodeType="tmRoot"/>
-      </p:par>
-    </p:tnLst>
-  </p:timing>
-</p:sld>
-</file>
-
-<file path=ppt/slides/slide9.xml><?xml version="1.0" encoding="utf-8"?>
-<p:sld xmlns:a="http://schemas.openxmlformats.org/drawingml/2006/main" xmlns:r="http://schemas.openxmlformats.org/officeDocument/2006/relationships" xmlns:p="http://schemas.openxmlformats.org/presentationml/2006/main">
-  <p:cSld>
-    <p:spTree>
-      <p:nvGrpSpPr>
-        <p:cNvPr id="1" name=""/>
-        <p:cNvGrpSpPr/>
-        <p:nvPr/>
-      </p:nvGrpSpPr>
-      <p:grpSpPr>
-        <a:xfrm>
-          <a:off x="0" y="0"/>
-          <a:ext cx="0" cy="0"/>
-          <a:chOff x="0" y="0"/>
-          <a:chExt cx="0" cy="0"/>
-        </a:xfrm>
-      </p:grpSpPr>
-      <p:sp>
-        <p:nvSpPr>
-          <p:cNvPr id="2" name="Title 1"/>
-          <p:cNvSpPr>
-            <a:spLocks noGrp="1"/>
-          </p:cNvSpPr>
-          <p:nvPr>
-            <p:ph type="title"/>
-          </p:nvPr>
-        </p:nvSpPr>
-        <p:spPr/>
-        <p:txBody>
-          <a:bodyPr/>
-          <a:lstStyle/>
-          <a:p>
-            <a:r>
-              <a:rPr lang="en-US" dirty="0" smtClean="0"/>
               <a:t>Timeline</a:t>
             </a:r>
             <a:endParaRPr lang="en-US" dirty="0"/>
@@ -12554,13 +10072,33 @@
           <a:p>
             <a:r>
               <a:rPr lang="en-US" dirty="0"/>
-              <a:t>Duration: 4 Months</a:t>
-            </a:r>
-          </a:p>
-          <a:p>
+              <a:t>Duration: </a:t>
+            </a:r>
             <a:r>
               <a:rPr lang="en-US" dirty="0"/>
-              <a:t>Official start: 29.04	Final Presentation: 26.08 (Proposal)</a:t>
+              <a:t>~</a:t>
+            </a:r>
+            <a:r>
+              <a:rPr lang="en-US" dirty="0" smtClean="0"/>
+              <a:t>4 </a:t>
+            </a:r>
+            <a:r>
+              <a:rPr lang="en-US" dirty="0"/>
+              <a:t>Months</a:t>
+            </a:r>
+          </a:p>
+          <a:p>
+            <a:r>
+              <a:rPr lang="en-US" dirty="0"/>
+              <a:t>Official start: 29.04	Final Presentation: </a:t>
+            </a:r>
+            <a:r>
+              <a:rPr lang="en-US" dirty="0" smtClean="0"/>
+              <a:t>07.09 </a:t>
+            </a:r>
+            <a:r>
+              <a:rPr lang="en-US" dirty="0"/>
+              <a:t>(Proposal)</a:t>
             </a:r>
           </a:p>
           <a:p>
@@ -12570,7 +10108,7 @@
       </p:sp>
       <p:grpSp>
         <p:nvGrpSpPr>
-          <p:cNvPr id="100" name="Group 68"/>
+          <p:cNvPr id="3" name="Group 1"/>
           <p:cNvGrpSpPr>
             <a:grpSpLocks/>
           </p:cNvGrpSpPr>
@@ -12578,15 +10116,15 @@
         </p:nvGrpSpPr>
         <p:grpSpPr bwMode="auto">
           <a:xfrm>
-            <a:off x="714702" y="2816772"/>
-            <a:ext cx="10499835" cy="2848304"/>
-            <a:chOff x="-41" y="-60"/>
-            <a:chExt cx="875" cy="296"/>
+            <a:off x="603013" y="2549647"/>
+            <a:ext cx="10995833" cy="2656703"/>
+            <a:chOff x="-64" y="-101"/>
+            <a:chExt cx="1834" cy="336"/>
           </a:xfrm>
         </p:grpSpPr>
         <p:sp>
           <p:nvSpPr>
-            <p:cNvPr id="101" name="Rectangle 114"/>
+            <p:cNvPr id="4" name="Rectangle 48"/>
             <p:cNvSpPr>
               <a:spLocks noChangeArrowheads="1"/>
             </p:cNvSpPr>
@@ -12594,8 +10132,8 @@
           </p:nvSpPr>
           <p:spPr bwMode="auto">
             <a:xfrm>
-              <a:off x="48" y="0"/>
-              <a:ext cx="711" cy="138"/>
+              <a:off x="25" y="0"/>
+              <a:ext cx="1671" cy="138"/>
             </a:xfrm>
             <a:prstGeom prst="rect">
               <a:avLst/>
@@ -12626,7 +10164,7 @@
         </p:sp>
         <p:sp>
           <p:nvSpPr>
-            <p:cNvPr id="102" name="Rectangle 113" descr="Wed 29.04.20"/>
+            <p:cNvPr id="5" name="Rectangle 47" descr="Wed 29.04.20"/>
             <p:cNvSpPr>
               <a:spLocks noChangeArrowheads="1"/>
             </p:cNvSpPr>
@@ -12634,7 +10172,7 @@
           </p:nvSpPr>
           <p:spPr bwMode="auto">
             <a:xfrm>
-              <a:off x="-41" y="-3"/>
+              <a:off x="-64" y="-3"/>
               <a:ext cx="83" cy="34"/>
             </a:xfrm>
             <a:prstGeom prst="rect">
@@ -12754,7 +10292,7 @@
         </p:sp>
         <p:sp>
           <p:nvSpPr>
-            <p:cNvPr id="103" name="Rectangle 112" descr="Thu 10.09.20"/>
+            <p:cNvPr id="7" name="Rectangle 46" descr="Thu 10.09.20"/>
             <p:cNvSpPr>
               <a:spLocks noChangeArrowheads="1"/>
             </p:cNvSpPr>
@@ -12762,7 +10300,7 @@
           </p:nvSpPr>
           <p:spPr bwMode="auto">
             <a:xfrm>
-              <a:off x="765" y="-3"/>
+              <a:off x="1702" y="-3"/>
               <a:ext cx="68" cy="34"/>
             </a:xfrm>
             <a:prstGeom prst="rect">
@@ -12882,7 +10420,7 @@
         </p:sp>
         <p:sp>
           <p:nvSpPr>
-            <p:cNvPr id="104" name="Rectangle 111" descr="01 May"/>
+            <p:cNvPr id="8" name="Rectangle 45" descr="May"/>
             <p:cNvSpPr>
               <a:spLocks noChangeArrowheads="1"/>
             </p:cNvSpPr>
@@ -12890,8 +10428,8 @@
           </p:nvSpPr>
           <p:spPr bwMode="auto">
             <a:xfrm>
-              <a:off x="58" y="-17"/>
-              <a:ext cx="41" cy="17"/>
+              <a:off x="50" y="-17"/>
+              <a:ext cx="58" cy="16"/>
             </a:xfrm>
             <a:prstGeom prst="rect">
               <a:avLst/>
@@ -12956,7 +10494,7 @@
                   <a:latin typeface="Segoe UI" panose="020B0502040204020203" pitchFamily="34" charset="0"/>
                   <a:cs typeface="Segoe UI" panose="020B0502040204020203" pitchFamily="34" charset="0"/>
                 </a:rPr>
-                <a:t>01 May</a:t>
+                <a:t>May</a:t>
               </a:r>
               <a:endParaRPr kumimoji="0" lang="en-US" altLang="en-US" sz="1800" b="0" i="0" u="none" strike="noStrike" cap="none" normalizeH="0" baseline="0" smtClean="0">
                 <a:ln>
@@ -12973,7 +10511,7 @@
         </p:sp>
         <p:sp>
           <p:nvSpPr>
-            <p:cNvPr id="105" name="Freeform 110"/>
+            <p:cNvPr id="9" name="Freeform 44"/>
             <p:cNvSpPr>
               <a:spLocks noChangeArrowheads="1"/>
             </p:cNvSpPr>
@@ -12981,7 +10519,7 @@
           </p:nvSpPr>
           <p:spPr bwMode="auto">
             <a:xfrm>
-              <a:off x="58" y="-14"/>
+              <a:off x="50" y="-14"/>
               <a:ext cx="0" cy="14"/>
             </a:xfrm>
             <a:custGeom>
@@ -13038,7 +10576,7 @@
         </p:sp>
         <p:sp>
           <p:nvSpPr>
-            <p:cNvPr id="106" name="Rectangle 109" descr="01 June"/>
+            <p:cNvPr id="10" name="Rectangle 43" descr="June"/>
             <p:cNvSpPr>
               <a:spLocks noChangeArrowheads="1"/>
             </p:cNvSpPr>
@@ -13046,8 +10584,320 @@
           </p:nvSpPr>
           <p:spPr bwMode="auto">
             <a:xfrm>
-              <a:off x="222" y="-17"/>
-              <a:ext cx="42" cy="17"/>
+              <a:off x="434" y="-17"/>
+              <a:ext cx="57" cy="14"/>
+            </a:xfrm>
+            <a:prstGeom prst="rect">
+              <a:avLst/>
+            </a:prstGeom>
+            <a:noFill/>
+            <a:ln>
+              <a:noFill/>
+            </a:ln>
+            <a:extLst>
+              <a:ext uri="{909E8E84-426E-40DD-AFC4-6F175D3DCCD1}">
+                <a14:hiddenFill xmlns:a14="http://schemas.microsoft.com/office/drawing/2010/main">
+                  <a:solidFill>
+                    <a:srgbClr val="FFFFFF"/>
+                  </a:solidFill>
+                </a14:hiddenFill>
+              </a:ext>
+              <a:ext uri="{91240B29-F687-4F45-9708-019B960494DF}">
+                <a14:hiddenLine xmlns:a14="http://schemas.microsoft.com/office/drawing/2010/main" w="9525">
+                  <a:solidFill>
+                    <a:srgbClr val="000000"/>
+                  </a:solidFill>
+                  <a:miter lim="800000"/>
+                  <a:headEnd/>
+                  <a:tailEnd/>
+                </a14:hiddenLine>
+              </a:ext>
+            </a:extLst>
+          </p:spPr>
+          <p:txBody>
+            <a:bodyPr vert="horz" wrap="square" lIns="28575" tIns="0" rIns="0" bIns="0" numCol="1" anchor="t" anchorCtr="0" compatLnSpc="1">
+              <a:prstTxWarp prst="textNoShape">
+                <a:avLst/>
+              </a:prstTxWarp>
+            </a:bodyPr>
+            <a:lstStyle/>
+            <a:p>
+              <a:pPr marL="0" marR="0" lvl="0" indent="0" algn="l" defTabSz="914400" rtl="0" eaLnBrk="0" fontAlgn="base" latinLnBrk="0" hangingPunct="0">
+                <a:lnSpc>
+                  <a:spcPct val="100000"/>
+                </a:lnSpc>
+                <a:spcBef>
+                  <a:spcPct val="0"/>
+                </a:spcBef>
+                <a:spcAft>
+                  <a:spcPct val="0"/>
+                </a:spcAft>
+                <a:buClrTx/>
+                <a:buSzTx/>
+                <a:buFontTx/>
+                <a:buNone/>
+                <a:tabLst/>
+              </a:pPr>
+              <a:r>
+                <a:rPr kumimoji="0" lang="en-US" altLang="en-US" sz="800" b="0" i="0" u="none" strike="noStrike" cap="none" normalizeH="0" baseline="0" dirty="0" smtClean="0">
+                  <a:ln>
+                    <a:noFill/>
+                  </a:ln>
+                  <a:solidFill>
+                    <a:srgbClr val="444444"/>
+                  </a:solidFill>
+                  <a:effectLst/>
+                  <a:latin typeface="Segoe UI" panose="020B0502040204020203" pitchFamily="34" charset="0"/>
+                  <a:cs typeface="Segoe UI" panose="020B0502040204020203" pitchFamily="34" charset="0"/>
+                </a:rPr>
+                <a:t>June</a:t>
+              </a:r>
+              <a:endParaRPr kumimoji="0" lang="en-US" altLang="en-US" sz="1800" b="0" i="0" u="none" strike="noStrike" cap="none" normalizeH="0" baseline="0" dirty="0" smtClean="0">
+                <a:ln>
+                  <a:noFill/>
+                </a:ln>
+                <a:solidFill>
+                  <a:schemeClr val="tx1"/>
+                </a:solidFill>
+                <a:effectLst/>
+                <a:latin typeface="Arial" panose="020B0604020202020204" pitchFamily="34" charset="0"/>
+              </a:endParaRPr>
+            </a:p>
+          </p:txBody>
+        </p:sp>
+        <p:sp>
+          <p:nvSpPr>
+            <p:cNvPr id="11" name="Freeform 42"/>
+            <p:cNvSpPr>
+              <a:spLocks noChangeArrowheads="1"/>
+            </p:cNvSpPr>
+            <p:nvPr/>
+          </p:nvSpPr>
+          <p:spPr bwMode="auto">
+            <a:xfrm>
+              <a:off x="434" y="-14"/>
+              <a:ext cx="0" cy="14"/>
+            </a:xfrm>
+            <a:custGeom>
+              <a:avLst/>
+              <a:gdLst>
+                <a:gd name="T0" fmla="*/ 14 h 14"/>
+                <a:gd name="T1" fmla="*/ 0 h 14"/>
+              </a:gdLst>
+              <a:ahLst/>
+              <a:cxnLst>
+                <a:cxn ang="0">
+                  <a:pos x="0" y="T0"/>
+                </a:cxn>
+                <a:cxn ang="0">
+                  <a:pos x="0" y="T1"/>
+                </a:cxn>
+              </a:cxnLst>
+              <a:rect l="0" t="0" r="r" b="b"/>
+              <a:pathLst>
+                <a:path h="14">
+                  <a:moveTo>
+                    <a:pt x="0" y="14"/>
+                  </a:moveTo>
+                  <a:lnTo>
+                    <a:pt x="0" y="0"/>
+                  </a:lnTo>
+                </a:path>
+              </a:pathLst>
+            </a:custGeom>
+            <a:solidFill>
+              <a:srgbClr val="FFFFFF"/>
+            </a:solidFill>
+            <a:ln w="1">
+              <a:solidFill>
+                <a:srgbClr val="444444"/>
+              </a:solidFill>
+              <a:prstDash val="solid"/>
+              <a:round/>
+              <a:headEnd/>
+              <a:tailEnd/>
+            </a:ln>
+          </p:spPr>
+          <p:txBody>
+            <a:bodyPr vert="horz" wrap="square" lIns="91440" tIns="45720" rIns="91440" bIns="45720" numCol="1" anchor="t" anchorCtr="0" compatLnSpc="1">
+              <a:prstTxWarp prst="textNoShape">
+                <a:avLst/>
+              </a:prstTxWarp>
+            </a:bodyPr>
+            <a:lstStyle/>
+            <a:p>
+              <a:endParaRPr lang="en-US"/>
+            </a:p>
+          </p:txBody>
+        </p:sp>
+        <p:sp>
+          <p:nvSpPr>
+            <p:cNvPr id="12" name="Rectangle 41" descr="July"/>
+            <p:cNvSpPr>
+              <a:spLocks noChangeArrowheads="1"/>
+            </p:cNvSpPr>
+            <p:nvPr/>
+          </p:nvSpPr>
+          <p:spPr bwMode="auto">
+            <a:xfrm>
+              <a:off x="805" y="-17"/>
+              <a:ext cx="44" cy="17"/>
+            </a:xfrm>
+            <a:prstGeom prst="rect">
+              <a:avLst/>
+            </a:prstGeom>
+            <a:noFill/>
+            <a:ln>
+              <a:noFill/>
+            </a:ln>
+            <a:extLst>
+              <a:ext uri="{909E8E84-426E-40DD-AFC4-6F175D3DCCD1}">
+                <a14:hiddenFill xmlns:a14="http://schemas.microsoft.com/office/drawing/2010/main">
+                  <a:solidFill>
+                    <a:srgbClr val="FFFFFF"/>
+                  </a:solidFill>
+                </a14:hiddenFill>
+              </a:ext>
+              <a:ext uri="{91240B29-F687-4F45-9708-019B960494DF}">
+                <a14:hiddenLine xmlns:a14="http://schemas.microsoft.com/office/drawing/2010/main" w="9525">
+                  <a:solidFill>
+                    <a:srgbClr val="000000"/>
+                  </a:solidFill>
+                  <a:miter lim="800000"/>
+                  <a:headEnd/>
+                  <a:tailEnd/>
+                </a14:hiddenLine>
+              </a:ext>
+            </a:extLst>
+          </p:spPr>
+          <p:txBody>
+            <a:bodyPr vert="horz" wrap="square" lIns="28575" tIns="0" rIns="0" bIns="0" numCol="1" anchor="t" anchorCtr="0" compatLnSpc="1">
+              <a:prstTxWarp prst="textNoShape">
+                <a:avLst/>
+              </a:prstTxWarp>
+            </a:bodyPr>
+            <a:lstStyle/>
+            <a:p>
+              <a:pPr marL="0" marR="0" lvl="0" indent="0" algn="l" defTabSz="914400" rtl="0" eaLnBrk="0" fontAlgn="base" latinLnBrk="0" hangingPunct="0">
+                <a:lnSpc>
+                  <a:spcPct val="100000"/>
+                </a:lnSpc>
+                <a:spcBef>
+                  <a:spcPct val="0"/>
+                </a:spcBef>
+                <a:spcAft>
+                  <a:spcPct val="0"/>
+                </a:spcAft>
+                <a:buClrTx/>
+                <a:buSzTx/>
+                <a:buFontTx/>
+                <a:buNone/>
+                <a:tabLst/>
+              </a:pPr>
+              <a:r>
+                <a:rPr kumimoji="0" lang="en-US" altLang="en-US" sz="800" b="0" i="0" u="none" strike="noStrike" cap="none" normalizeH="0" baseline="0" dirty="0" smtClean="0">
+                  <a:ln>
+                    <a:noFill/>
+                  </a:ln>
+                  <a:solidFill>
+                    <a:srgbClr val="444444"/>
+                  </a:solidFill>
+                  <a:effectLst/>
+                  <a:latin typeface="Segoe UI" panose="020B0502040204020203" pitchFamily="34" charset="0"/>
+                  <a:cs typeface="Segoe UI" panose="020B0502040204020203" pitchFamily="34" charset="0"/>
+                </a:rPr>
+                <a:t>July</a:t>
+              </a:r>
+              <a:endParaRPr kumimoji="0" lang="en-US" altLang="en-US" sz="1800" b="0" i="0" u="none" strike="noStrike" cap="none" normalizeH="0" baseline="0" dirty="0" smtClean="0">
+                <a:ln>
+                  <a:noFill/>
+                </a:ln>
+                <a:solidFill>
+                  <a:schemeClr val="tx1"/>
+                </a:solidFill>
+                <a:effectLst/>
+                <a:latin typeface="Arial" panose="020B0604020202020204" pitchFamily="34" charset="0"/>
+              </a:endParaRPr>
+            </a:p>
+          </p:txBody>
+        </p:sp>
+        <p:sp>
+          <p:nvSpPr>
+            <p:cNvPr id="13" name="Freeform 40"/>
+            <p:cNvSpPr>
+              <a:spLocks noChangeArrowheads="1"/>
+            </p:cNvSpPr>
+            <p:nvPr/>
+          </p:nvSpPr>
+          <p:spPr bwMode="auto">
+            <a:xfrm>
+              <a:off x="805" y="-14"/>
+              <a:ext cx="0" cy="14"/>
+            </a:xfrm>
+            <a:custGeom>
+              <a:avLst/>
+              <a:gdLst>
+                <a:gd name="T0" fmla="*/ 14 h 14"/>
+                <a:gd name="T1" fmla="*/ 0 h 14"/>
+              </a:gdLst>
+              <a:ahLst/>
+              <a:cxnLst>
+                <a:cxn ang="0">
+                  <a:pos x="0" y="T0"/>
+                </a:cxn>
+                <a:cxn ang="0">
+                  <a:pos x="0" y="T1"/>
+                </a:cxn>
+              </a:cxnLst>
+              <a:rect l="0" t="0" r="r" b="b"/>
+              <a:pathLst>
+                <a:path h="14">
+                  <a:moveTo>
+                    <a:pt x="0" y="14"/>
+                  </a:moveTo>
+                  <a:lnTo>
+                    <a:pt x="0" y="0"/>
+                  </a:lnTo>
+                </a:path>
+              </a:pathLst>
+            </a:custGeom>
+            <a:solidFill>
+              <a:srgbClr val="FFFFFF"/>
+            </a:solidFill>
+            <a:ln w="1">
+              <a:solidFill>
+                <a:srgbClr val="444444"/>
+              </a:solidFill>
+              <a:prstDash val="solid"/>
+              <a:round/>
+              <a:headEnd/>
+              <a:tailEnd/>
+            </a:ln>
+          </p:spPr>
+          <p:txBody>
+            <a:bodyPr vert="horz" wrap="square" lIns="91440" tIns="45720" rIns="91440" bIns="45720" numCol="1" anchor="t" anchorCtr="0" compatLnSpc="1">
+              <a:prstTxWarp prst="textNoShape">
+                <a:avLst/>
+              </a:prstTxWarp>
+            </a:bodyPr>
+            <a:lstStyle/>
+            <a:p>
+              <a:endParaRPr lang="en-US"/>
+            </a:p>
+          </p:txBody>
+        </p:sp>
+        <p:sp>
+          <p:nvSpPr>
+            <p:cNvPr id="14" name="Rectangle 39" descr="August"/>
+            <p:cNvSpPr>
+              <a:spLocks noChangeArrowheads="1"/>
+            </p:cNvSpPr>
+            <p:nvPr/>
+          </p:nvSpPr>
+          <p:spPr bwMode="auto">
+            <a:xfrm>
+              <a:off x="1189" y="-17"/>
+              <a:ext cx="40" cy="17"/>
             </a:xfrm>
             <a:prstGeom prst="rect">
               <a:avLst/>
@@ -13112,7 +10962,7 @@
                   <a:latin typeface="Segoe UI" panose="020B0502040204020203" pitchFamily="34" charset="0"/>
                   <a:cs typeface="Segoe UI" panose="020B0502040204020203" pitchFamily="34" charset="0"/>
                 </a:rPr>
-                <a:t>01 June</a:t>
+                <a:t>August</a:t>
               </a:r>
               <a:endParaRPr kumimoji="0" lang="en-US" altLang="en-US" sz="1800" b="0" i="0" u="none" strike="noStrike" cap="none" normalizeH="0" baseline="0" smtClean="0">
                 <a:ln>
@@ -13129,7 +10979,7 @@
         </p:sp>
         <p:sp>
           <p:nvSpPr>
-            <p:cNvPr id="107" name="Freeform 108"/>
+            <p:cNvPr id="15" name="Freeform 38"/>
             <p:cNvSpPr>
               <a:spLocks noChangeArrowheads="1"/>
             </p:cNvSpPr>
@@ -13137,7 +10987,7 @@
           </p:nvSpPr>
           <p:spPr bwMode="auto">
             <a:xfrm>
-              <a:off x="222" y="-14"/>
+              <a:off x="1189" y="-14"/>
               <a:ext cx="0" cy="14"/>
             </a:xfrm>
             <a:custGeom>
@@ -13194,7 +11044,7 @@
         </p:sp>
         <p:sp>
           <p:nvSpPr>
-            <p:cNvPr id="108" name="Rectangle 107" descr="01 July"/>
+            <p:cNvPr id="16" name="Rectangle 37" descr="September"/>
             <p:cNvSpPr>
               <a:spLocks noChangeArrowheads="1"/>
             </p:cNvSpPr>
@@ -13202,8 +11052,8 @@
           </p:nvSpPr>
           <p:spPr bwMode="auto">
             <a:xfrm>
-              <a:off x="380" y="-17"/>
-              <a:ext cx="38" cy="17"/>
+              <a:off x="1572" y="-17"/>
+              <a:ext cx="59" cy="17"/>
             </a:xfrm>
             <a:prstGeom prst="rect">
               <a:avLst/>
@@ -13257,7 +11107,7 @@
                 <a:tabLst/>
               </a:pPr>
               <a:r>
-                <a:rPr kumimoji="0" lang="en-US" altLang="en-US" sz="800" b="0" i="0" u="none" strike="noStrike" cap="none" normalizeH="0" baseline="0" smtClean="0">
+                <a:rPr kumimoji="0" lang="en-US" altLang="en-US" sz="800" b="0" i="0" u="none" strike="noStrike" cap="none" normalizeH="0" baseline="0" dirty="0" smtClean="0">
                   <a:ln>
                     <a:noFill/>
                   </a:ln>
@@ -13268,9 +11118,9 @@
                   <a:latin typeface="Segoe UI" panose="020B0502040204020203" pitchFamily="34" charset="0"/>
                   <a:cs typeface="Segoe UI" panose="020B0502040204020203" pitchFamily="34" charset="0"/>
                 </a:rPr>
-                <a:t>01 July</a:t>
+                <a:t>September</a:t>
               </a:r>
-              <a:endParaRPr kumimoji="0" lang="en-US" altLang="en-US" sz="1800" b="0" i="0" u="none" strike="noStrike" cap="none" normalizeH="0" baseline="0" smtClean="0">
+              <a:endParaRPr kumimoji="0" lang="en-US" altLang="en-US" sz="1800" b="0" i="0" u="none" strike="noStrike" cap="none" normalizeH="0" baseline="0" dirty="0" smtClean="0">
                 <a:ln>
                   <a:noFill/>
                 </a:ln>
@@ -13285,7 +11135,7 @@
         </p:sp>
         <p:sp>
           <p:nvSpPr>
-            <p:cNvPr id="109" name="Freeform 106"/>
+            <p:cNvPr id="17" name="Freeform 36"/>
             <p:cNvSpPr>
               <a:spLocks noChangeArrowheads="1"/>
             </p:cNvSpPr>
@@ -13293,7 +11143,7 @@
           </p:nvSpPr>
           <p:spPr bwMode="auto">
             <a:xfrm>
-              <a:off x="380" y="-14"/>
+              <a:off x="1572" y="-14"/>
               <a:ext cx="0" cy="14"/>
             </a:xfrm>
             <a:custGeom>
@@ -13350,7 +11200,7 @@
         </p:sp>
         <p:sp>
           <p:nvSpPr>
-            <p:cNvPr id="110" name="Rectangle 105" descr="01 August"/>
+            <p:cNvPr id="18" name="Rectangle 35" descr="SW and HW Development for 1st PCB&#10;Wed 29.04.20 - Fri 29.05.20"/>
             <p:cNvSpPr>
               <a:spLocks noChangeArrowheads="1"/>
             </p:cNvSpPr>
@@ -13358,320 +11208,8 @@
           </p:nvSpPr>
           <p:spPr bwMode="auto">
             <a:xfrm>
-              <a:off x="543" y="-17"/>
-              <a:ext cx="55" cy="17"/>
-            </a:xfrm>
-            <a:prstGeom prst="rect">
-              <a:avLst/>
-            </a:prstGeom>
-            <a:noFill/>
-            <a:ln>
-              <a:noFill/>
-            </a:ln>
-            <a:extLst>
-              <a:ext uri="{909E8E84-426E-40DD-AFC4-6F175D3DCCD1}">
-                <a14:hiddenFill xmlns:a14="http://schemas.microsoft.com/office/drawing/2010/main">
-                  <a:solidFill>
-                    <a:srgbClr val="FFFFFF"/>
-                  </a:solidFill>
-                </a14:hiddenFill>
-              </a:ext>
-              <a:ext uri="{91240B29-F687-4F45-9708-019B960494DF}">
-                <a14:hiddenLine xmlns:a14="http://schemas.microsoft.com/office/drawing/2010/main" w="9525">
-                  <a:solidFill>
-                    <a:srgbClr val="000000"/>
-                  </a:solidFill>
-                  <a:miter lim="800000"/>
-                  <a:headEnd/>
-                  <a:tailEnd/>
-                </a14:hiddenLine>
-              </a:ext>
-            </a:extLst>
-          </p:spPr>
-          <p:txBody>
-            <a:bodyPr vert="horz" wrap="square" lIns="28575" tIns="0" rIns="0" bIns="0" numCol="1" anchor="t" anchorCtr="0" compatLnSpc="1">
-              <a:prstTxWarp prst="textNoShape">
-                <a:avLst/>
-              </a:prstTxWarp>
-            </a:bodyPr>
-            <a:lstStyle/>
-            <a:p>
-              <a:pPr marL="0" marR="0" lvl="0" indent="0" algn="l" defTabSz="914400" rtl="0" eaLnBrk="0" fontAlgn="base" latinLnBrk="0" hangingPunct="0">
-                <a:lnSpc>
-                  <a:spcPct val="100000"/>
-                </a:lnSpc>
-                <a:spcBef>
-                  <a:spcPct val="0"/>
-                </a:spcBef>
-                <a:spcAft>
-                  <a:spcPct val="0"/>
-                </a:spcAft>
-                <a:buClrTx/>
-                <a:buSzTx/>
-                <a:buFontTx/>
-                <a:buNone/>
-                <a:tabLst/>
-              </a:pPr>
-              <a:r>
-                <a:rPr kumimoji="0" lang="en-US" altLang="en-US" sz="800" b="0" i="0" u="none" strike="noStrike" cap="none" normalizeH="0" baseline="0" smtClean="0">
-                  <a:ln>
-                    <a:noFill/>
-                  </a:ln>
-                  <a:solidFill>
-                    <a:srgbClr val="444444"/>
-                  </a:solidFill>
-                  <a:effectLst/>
-                  <a:latin typeface="Segoe UI" panose="020B0502040204020203" pitchFamily="34" charset="0"/>
-                  <a:cs typeface="Segoe UI" panose="020B0502040204020203" pitchFamily="34" charset="0"/>
-                </a:rPr>
-                <a:t>01 August</a:t>
-              </a:r>
-              <a:endParaRPr kumimoji="0" lang="en-US" altLang="en-US" sz="1800" b="0" i="0" u="none" strike="noStrike" cap="none" normalizeH="0" baseline="0" smtClean="0">
-                <a:ln>
-                  <a:noFill/>
-                </a:ln>
-                <a:solidFill>
-                  <a:schemeClr val="tx1"/>
-                </a:solidFill>
-                <a:effectLst/>
-                <a:latin typeface="Arial" panose="020B0604020202020204" pitchFamily="34" charset="0"/>
-              </a:endParaRPr>
-            </a:p>
-          </p:txBody>
-        </p:sp>
-        <p:sp>
-          <p:nvSpPr>
-            <p:cNvPr id="111" name="Freeform 104"/>
-            <p:cNvSpPr>
-              <a:spLocks noChangeArrowheads="1"/>
-            </p:cNvSpPr>
-            <p:nvPr/>
-          </p:nvSpPr>
-          <p:spPr bwMode="auto">
-            <a:xfrm>
-              <a:off x="543" y="-14"/>
-              <a:ext cx="0" cy="14"/>
-            </a:xfrm>
-            <a:custGeom>
-              <a:avLst/>
-              <a:gdLst>
-                <a:gd name="T0" fmla="*/ 14 h 14"/>
-                <a:gd name="T1" fmla="*/ 0 h 14"/>
-              </a:gdLst>
-              <a:ahLst/>
-              <a:cxnLst>
-                <a:cxn ang="0">
-                  <a:pos x="0" y="T0"/>
-                </a:cxn>
-                <a:cxn ang="0">
-                  <a:pos x="0" y="T1"/>
-                </a:cxn>
-              </a:cxnLst>
-              <a:rect l="0" t="0" r="r" b="b"/>
-              <a:pathLst>
-                <a:path h="14">
-                  <a:moveTo>
-                    <a:pt x="0" y="14"/>
-                  </a:moveTo>
-                  <a:lnTo>
-                    <a:pt x="0" y="0"/>
-                  </a:lnTo>
-                </a:path>
-              </a:pathLst>
-            </a:custGeom>
-            <a:solidFill>
-              <a:srgbClr val="FFFFFF"/>
-            </a:solidFill>
-            <a:ln w="1">
-              <a:solidFill>
-                <a:srgbClr val="444444"/>
-              </a:solidFill>
-              <a:prstDash val="solid"/>
-              <a:round/>
-              <a:headEnd/>
-              <a:tailEnd/>
-            </a:ln>
-          </p:spPr>
-          <p:txBody>
-            <a:bodyPr vert="horz" wrap="square" lIns="91440" tIns="45720" rIns="91440" bIns="45720" numCol="1" anchor="t" anchorCtr="0" compatLnSpc="1">
-              <a:prstTxWarp prst="textNoShape">
-                <a:avLst/>
-              </a:prstTxWarp>
-            </a:bodyPr>
-            <a:lstStyle/>
-            <a:p>
-              <a:endParaRPr lang="en-US"/>
-            </a:p>
-          </p:txBody>
-        </p:sp>
-        <p:sp>
-          <p:nvSpPr>
-            <p:cNvPr id="112" name="Rectangle 103" descr="01 September"/>
-            <p:cNvSpPr>
-              <a:spLocks noChangeArrowheads="1"/>
-            </p:cNvSpPr>
-            <p:nvPr/>
-          </p:nvSpPr>
-          <p:spPr bwMode="auto">
-            <a:xfrm>
-              <a:off x="706" y="-17"/>
-              <a:ext cx="74" cy="17"/>
-            </a:xfrm>
-            <a:prstGeom prst="rect">
-              <a:avLst/>
-            </a:prstGeom>
-            <a:noFill/>
-            <a:ln>
-              <a:noFill/>
-            </a:ln>
-            <a:extLst>
-              <a:ext uri="{909E8E84-426E-40DD-AFC4-6F175D3DCCD1}">
-                <a14:hiddenFill xmlns:a14="http://schemas.microsoft.com/office/drawing/2010/main">
-                  <a:solidFill>
-                    <a:srgbClr val="FFFFFF"/>
-                  </a:solidFill>
-                </a14:hiddenFill>
-              </a:ext>
-              <a:ext uri="{91240B29-F687-4F45-9708-019B960494DF}">
-                <a14:hiddenLine xmlns:a14="http://schemas.microsoft.com/office/drawing/2010/main" w="9525">
-                  <a:solidFill>
-                    <a:srgbClr val="000000"/>
-                  </a:solidFill>
-                  <a:miter lim="800000"/>
-                  <a:headEnd/>
-                  <a:tailEnd/>
-                </a14:hiddenLine>
-              </a:ext>
-            </a:extLst>
-          </p:spPr>
-          <p:txBody>
-            <a:bodyPr vert="horz" wrap="square" lIns="28575" tIns="0" rIns="0" bIns="0" numCol="1" anchor="t" anchorCtr="0" compatLnSpc="1">
-              <a:prstTxWarp prst="textNoShape">
-                <a:avLst/>
-              </a:prstTxWarp>
-            </a:bodyPr>
-            <a:lstStyle/>
-            <a:p>
-              <a:pPr marL="0" marR="0" lvl="0" indent="0" algn="l" defTabSz="914400" rtl="0" eaLnBrk="0" fontAlgn="base" latinLnBrk="0" hangingPunct="0">
-                <a:lnSpc>
-                  <a:spcPct val="100000"/>
-                </a:lnSpc>
-                <a:spcBef>
-                  <a:spcPct val="0"/>
-                </a:spcBef>
-                <a:spcAft>
-                  <a:spcPct val="0"/>
-                </a:spcAft>
-                <a:buClrTx/>
-                <a:buSzTx/>
-                <a:buFontTx/>
-                <a:buNone/>
-                <a:tabLst/>
-              </a:pPr>
-              <a:r>
-                <a:rPr kumimoji="0" lang="en-US" altLang="en-US" sz="800" b="0" i="0" u="none" strike="noStrike" cap="none" normalizeH="0" baseline="0" smtClean="0">
-                  <a:ln>
-                    <a:noFill/>
-                  </a:ln>
-                  <a:solidFill>
-                    <a:srgbClr val="444444"/>
-                  </a:solidFill>
-                  <a:effectLst/>
-                  <a:latin typeface="Segoe UI" panose="020B0502040204020203" pitchFamily="34" charset="0"/>
-                  <a:cs typeface="Segoe UI" panose="020B0502040204020203" pitchFamily="34" charset="0"/>
-                </a:rPr>
-                <a:t>01 September</a:t>
-              </a:r>
-              <a:endParaRPr kumimoji="0" lang="en-US" altLang="en-US" sz="1800" b="0" i="0" u="none" strike="noStrike" cap="none" normalizeH="0" baseline="0" smtClean="0">
-                <a:ln>
-                  <a:noFill/>
-                </a:ln>
-                <a:solidFill>
-                  <a:schemeClr val="tx1"/>
-                </a:solidFill>
-                <a:effectLst/>
-                <a:latin typeface="Arial" panose="020B0604020202020204" pitchFamily="34" charset="0"/>
-              </a:endParaRPr>
-            </a:p>
-          </p:txBody>
-        </p:sp>
-        <p:sp>
-          <p:nvSpPr>
-            <p:cNvPr id="113" name="Freeform 102"/>
-            <p:cNvSpPr>
-              <a:spLocks noChangeArrowheads="1"/>
-            </p:cNvSpPr>
-            <p:nvPr/>
-          </p:nvSpPr>
-          <p:spPr bwMode="auto">
-            <a:xfrm>
-              <a:off x="706" y="-14"/>
-              <a:ext cx="0" cy="14"/>
-            </a:xfrm>
-            <a:custGeom>
-              <a:avLst/>
-              <a:gdLst>
-                <a:gd name="T0" fmla="*/ 14 h 14"/>
-                <a:gd name="T1" fmla="*/ 0 h 14"/>
-              </a:gdLst>
-              <a:ahLst/>
-              <a:cxnLst>
-                <a:cxn ang="0">
-                  <a:pos x="0" y="T0"/>
-                </a:cxn>
-                <a:cxn ang="0">
-                  <a:pos x="0" y="T1"/>
-                </a:cxn>
-              </a:cxnLst>
-              <a:rect l="0" t="0" r="r" b="b"/>
-              <a:pathLst>
-                <a:path h="14">
-                  <a:moveTo>
-                    <a:pt x="0" y="14"/>
-                  </a:moveTo>
-                  <a:lnTo>
-                    <a:pt x="0" y="0"/>
-                  </a:lnTo>
-                </a:path>
-              </a:pathLst>
-            </a:custGeom>
-            <a:solidFill>
-              <a:srgbClr val="FFFFFF"/>
-            </a:solidFill>
-            <a:ln w="1">
-              <a:solidFill>
-                <a:srgbClr val="444444"/>
-              </a:solidFill>
-              <a:prstDash val="solid"/>
-              <a:round/>
-              <a:headEnd/>
-              <a:tailEnd/>
-            </a:ln>
-          </p:spPr>
-          <p:txBody>
-            <a:bodyPr vert="horz" wrap="square" lIns="91440" tIns="45720" rIns="91440" bIns="45720" numCol="1" anchor="t" anchorCtr="0" compatLnSpc="1">
-              <a:prstTxWarp prst="textNoShape">
-                <a:avLst/>
-              </a:prstTxWarp>
-            </a:bodyPr>
-            <a:lstStyle/>
-            <a:p>
-              <a:endParaRPr lang="en-US"/>
-            </a:p>
-          </p:txBody>
-        </p:sp>
-        <p:sp>
-          <p:nvSpPr>
-            <p:cNvPr id="114" name="Rectangle 101" descr="SW and HW Development for 1st PCB&#10;Thu 30.04.20 - Mon 01.06.20"/>
-            <p:cNvSpPr>
-              <a:spLocks noChangeArrowheads="1"/>
-            </p:cNvSpPr>
-            <p:nvPr/>
-          </p:nvSpPr>
-          <p:spPr bwMode="auto">
-            <a:xfrm>
-              <a:off x="54" y="1"/>
-              <a:ext cx="173" cy="68"/>
+              <a:off x="26" y="1"/>
+              <a:ext cx="383" cy="68"/>
             </a:xfrm>
             <a:prstGeom prst="rect">
               <a:avLst/>
@@ -13768,7 +11306,7 @@
                   <a:latin typeface="Segoe UI" panose="020B0502040204020203" pitchFamily="34" charset="0"/>
                   <a:cs typeface="Segoe UI" panose="020B0502040204020203" pitchFamily="34" charset="0"/>
                 </a:rPr>
-                <a:t>Thu 30.04.20 - Mon 01.06.20</a:t>
+                <a:t>Wed 29.04.20 - Fri 29.05.20</a:t>
               </a:r>
               <a:endParaRPr kumimoji="0" lang="en-US" altLang="en-US" sz="1800" b="0" i="0" u="none" strike="noStrike" cap="none" normalizeH="0" baseline="0" smtClean="0">
                 <a:ln>
@@ -13785,7 +11323,7 @@
         </p:sp>
         <p:sp>
           <p:nvSpPr>
-            <p:cNvPr id="115" name="Rectangle 100" descr="SW for EtherCAT comm/control features&#10;Wed 03.06.20 - Wed 24.06.20"/>
+            <p:cNvPr id="19" name="Rectangle 34" descr="SW for EtherCAT comm/control features&#10;Wed 03.06.20 - Wed 24.06.20"/>
             <p:cNvSpPr>
               <a:spLocks noChangeArrowheads="1"/>
             </p:cNvSpPr>
@@ -13793,8 +11331,8 @@
           </p:nvSpPr>
           <p:spPr bwMode="auto">
             <a:xfrm>
-              <a:off x="233" y="1"/>
-              <a:ext cx="115" cy="68"/>
+              <a:off x="459" y="1"/>
+              <a:ext cx="272" cy="68"/>
             </a:xfrm>
             <a:prstGeom prst="rect">
               <a:avLst/>
@@ -13843,7 +11381,7 @@
                 <a:tabLst/>
               </a:pPr>
               <a:r>
-                <a:rPr kumimoji="0" lang="en-US" altLang="en-US" sz="800" b="1" i="0" u="none" strike="noStrike" cap="none" normalizeH="0" baseline="0" smtClean="0">
+                <a:rPr kumimoji="0" lang="en-US" altLang="en-US" sz="800" b="1" i="0" u="none" strike="noStrike" cap="none" normalizeH="0" baseline="0" dirty="0" smtClean="0">
                   <a:ln>
                     <a:noFill/>
                   </a:ln>
@@ -13854,10 +11392,66 @@
                   <a:latin typeface="Segoe UI" panose="020B0502040204020203" pitchFamily="34" charset="0"/>
                   <a:cs typeface="Segoe UI" panose="020B0502040204020203" pitchFamily="34" charset="0"/>
                 </a:rPr>
-                <a:t>SW for EtherCAT comm/control features</a:t>
+                <a:t>SW for </a:t>
               </a:r>
               <a:r>
-                <a:rPr kumimoji="0" lang="en-US" altLang="en-US" sz="800" b="0" i="0" u="none" strike="noStrike" cap="none" normalizeH="0" baseline="0" smtClean="0">
+                <a:rPr kumimoji="0" lang="en-US" altLang="en-US" sz="800" b="1" i="0" u="none" strike="noStrike" cap="none" normalizeH="0" baseline="0" dirty="0" err="1" smtClean="0">
+                  <a:ln>
+                    <a:noFill/>
+                  </a:ln>
+                  <a:solidFill>
+                    <a:srgbClr val="444444"/>
+                  </a:solidFill>
+                  <a:effectLst/>
+                  <a:latin typeface="Segoe UI" panose="020B0502040204020203" pitchFamily="34" charset="0"/>
+                  <a:cs typeface="Segoe UI" panose="020B0502040204020203" pitchFamily="34" charset="0"/>
+                </a:rPr>
+                <a:t>EtherCAT</a:t>
+              </a:r>
+              <a:r>
+                <a:rPr kumimoji="0" lang="en-US" altLang="en-US" sz="800" b="1" i="0" u="none" strike="noStrike" cap="none" normalizeH="0" baseline="0" dirty="0" smtClean="0">
+                  <a:ln>
+                    <a:noFill/>
+                  </a:ln>
+                  <a:solidFill>
+                    <a:srgbClr val="444444"/>
+                  </a:solidFill>
+                  <a:effectLst/>
+                  <a:latin typeface="Segoe UI" panose="020B0502040204020203" pitchFamily="34" charset="0"/>
+                  <a:cs typeface="Segoe UI" panose="020B0502040204020203" pitchFamily="34" charset="0"/>
+                </a:rPr>
+                <a:t> </a:t>
+              </a:r>
+              <a:r>
+                <a:rPr kumimoji="0" lang="en-US" altLang="en-US" sz="800" b="1" i="0" u="none" strike="noStrike" cap="none" normalizeH="0" baseline="0" dirty="0" err="1" smtClean="0">
+                  <a:ln>
+                    <a:noFill/>
+                  </a:ln>
+                  <a:solidFill>
+                    <a:srgbClr val="444444"/>
+                  </a:solidFill>
+                  <a:effectLst/>
+                  <a:latin typeface="Segoe UI" panose="020B0502040204020203" pitchFamily="34" charset="0"/>
+                  <a:cs typeface="Segoe UI" panose="020B0502040204020203" pitchFamily="34" charset="0"/>
+                </a:rPr>
+                <a:t>comm</a:t>
+              </a:r>
+              <a:r>
+                <a:rPr kumimoji="0" lang="en-US" altLang="en-US" sz="800" b="1" i="0" u="none" strike="noStrike" cap="none" normalizeH="0" baseline="0" dirty="0" smtClean="0">
+                  <a:ln>
+                    <a:noFill/>
+                  </a:ln>
+                  <a:solidFill>
+                    <a:srgbClr val="444444"/>
+                  </a:solidFill>
+                  <a:effectLst/>
+                  <a:latin typeface="Segoe UI" panose="020B0502040204020203" pitchFamily="34" charset="0"/>
+                  <a:cs typeface="Segoe UI" panose="020B0502040204020203" pitchFamily="34" charset="0"/>
+                </a:rPr>
+                <a:t>/control features</a:t>
+              </a:r>
+              <a:r>
+                <a:rPr kumimoji="0" lang="en-US" altLang="en-US" sz="800" b="0" i="0" u="none" strike="noStrike" cap="none" normalizeH="0" baseline="0" dirty="0" smtClean="0">
                   <a:ln>
                     <a:noFill/>
                   </a:ln>
@@ -13869,7 +11463,7 @@
                 <a:t/>
               </a:r>
               <a:br>
-                <a:rPr kumimoji="0" lang="en-US" altLang="en-US" sz="800" b="0" i="0" u="none" strike="noStrike" cap="none" normalizeH="0" baseline="0" smtClean="0">
+                <a:rPr kumimoji="0" lang="en-US" altLang="en-US" sz="800" b="0" i="0" u="none" strike="noStrike" cap="none" normalizeH="0" baseline="0" dirty="0" smtClean="0">
                   <a:ln>
                     <a:noFill/>
                   </a:ln>
@@ -13880,7 +11474,7 @@
                 </a:rPr>
               </a:br>
               <a:r>
-                <a:rPr kumimoji="0" lang="en-US" altLang="en-US" sz="800" b="0" i="0" u="none" strike="noStrike" cap="none" normalizeH="0" baseline="0" smtClean="0">
+                <a:rPr kumimoji="0" lang="en-US" altLang="en-US" sz="800" b="0" i="0" u="none" strike="noStrike" cap="none" normalizeH="0" baseline="0" dirty="0" smtClean="0">
                   <a:ln>
                     <a:noFill/>
                   </a:ln>
@@ -13893,7 +11487,7 @@
                 </a:rPr>
                 <a:t>Wed 03.06.20 - Wed 24.06.20</a:t>
               </a:r>
-              <a:endParaRPr kumimoji="0" lang="en-US" altLang="en-US" sz="1800" b="0" i="0" u="none" strike="noStrike" cap="none" normalizeH="0" baseline="0" smtClean="0">
+              <a:endParaRPr kumimoji="0" lang="en-US" altLang="en-US" sz="1800" b="0" i="0" u="none" strike="noStrike" cap="none" normalizeH="0" baseline="0" dirty="0" smtClean="0">
                 <a:ln>
                   <a:noFill/>
                 </a:ln>
@@ -13908,7 +11502,7 @@
         </p:sp>
         <p:sp>
           <p:nvSpPr>
-            <p:cNvPr id="116" name="Rectangle 99" descr="SW for EtherCAT Data features&#10;Fri 26.06.20 - Tue 28.07.20"/>
+            <p:cNvPr id="20" name="Rectangle 33" descr="SW for EtherCAT Data features&#10;Fri 26.06.20 - Tue 28.07.20"/>
             <p:cNvSpPr>
               <a:spLocks noChangeArrowheads="1"/>
             </p:cNvSpPr>
@@ -13916,8 +11510,8 @@
           </p:nvSpPr>
           <p:spPr bwMode="auto">
             <a:xfrm>
-              <a:off x="354" y="1"/>
-              <a:ext cx="173" cy="68"/>
+              <a:off x="744" y="1"/>
+              <a:ext cx="407" cy="68"/>
             </a:xfrm>
             <a:prstGeom prst="rect">
               <a:avLst/>
@@ -14031,7 +11625,7 @@
         </p:sp>
         <p:sp>
           <p:nvSpPr>
-            <p:cNvPr id="117" name="Rectangle 98" descr="SoSe Examination Period&#10;Wed 29.07.20 - Thu 10.09.20"/>
+            <p:cNvPr id="21" name="Rectangle 32" descr="SoSe Examination Period&#10;Wed 29.07.20 - Thu 10.09.20"/>
             <p:cNvSpPr>
               <a:spLocks noChangeArrowheads="1"/>
             </p:cNvSpPr>
@@ -14039,8 +11633,8 @@
           </p:nvSpPr>
           <p:spPr bwMode="auto">
             <a:xfrm>
-              <a:off x="528" y="70"/>
-              <a:ext cx="231" cy="68"/>
+              <a:off x="1152" y="70"/>
+              <a:ext cx="544" cy="68"/>
             </a:xfrm>
             <a:prstGeom prst="rect">
               <a:avLst/>
@@ -14154,7 +11748,7 @@
         </p:sp>
         <p:sp>
           <p:nvSpPr>
-            <p:cNvPr id="118" name="Rectangle 97" descr="HW Development for 2nd PCB&#10;Thu 30.07.20 - Wed 19.08.20"/>
+            <p:cNvPr id="22" name="Rectangle 31" descr="HW Development for 2nd PCB&#10;Thu 30.07.20 - Wed 19.08.20"/>
             <p:cNvSpPr>
               <a:spLocks noChangeArrowheads="1"/>
             </p:cNvSpPr>
@@ -14162,8 +11756,8 @@
           </p:nvSpPr>
           <p:spPr bwMode="auto">
             <a:xfrm>
-              <a:off x="533" y="1"/>
-              <a:ext cx="110" cy="68"/>
+              <a:off x="1165" y="1"/>
+              <a:ext cx="259" cy="68"/>
             </a:xfrm>
             <a:prstGeom prst="rect">
               <a:avLst/>
@@ -14277,7 +11871,7 @@
         </p:sp>
         <p:sp>
           <p:nvSpPr>
-            <p:cNvPr id="119" name="AutoShape 96"/>
+            <p:cNvPr id="23" name="Rectangle 30" descr="Final report&#10;Tue 25.08.20 - Mon 07.09.20"/>
             <p:cNvSpPr>
               <a:spLocks noChangeArrowheads="1"/>
             </p:cNvSpPr>
@@ -14285,42 +11879,165 @@
           </p:nvSpPr>
           <p:spPr bwMode="auto">
             <a:xfrm>
-              <a:off x="-41" y="-60"/>
-              <a:ext cx="874" cy="295"/>
+              <a:off x="1487" y="1"/>
+              <a:ext cx="172" cy="68"/>
+            </a:xfrm>
+            <a:prstGeom prst="rect">
+              <a:avLst/>
+            </a:prstGeom>
+            <a:solidFill>
+              <a:srgbClr val="DFEBF7"/>
+            </a:solidFill>
+            <a:ln>
+              <a:noFill/>
+            </a:ln>
+            <a:extLst>
+              <a:ext uri="{91240B29-F687-4F45-9708-019B960494DF}">
+                <a14:hiddenLine xmlns:a14="http://schemas.microsoft.com/office/drawing/2010/main" w="9525">
+                  <a:solidFill>
+                    <a:srgbClr val="000000"/>
+                  </a:solidFill>
+                  <a:miter lim="800000"/>
+                  <a:headEnd/>
+                  <a:tailEnd/>
+                </a14:hiddenLine>
+              </a:ext>
+            </a:extLst>
+          </p:spPr>
+          <p:txBody>
+            <a:bodyPr vert="horz" wrap="square" lIns="95250" tIns="9525" rIns="9525" bIns="9525" numCol="1" anchor="t" anchorCtr="0" compatLnSpc="1">
+              <a:prstTxWarp prst="textNoShape">
+                <a:avLst/>
+              </a:prstTxWarp>
+            </a:bodyPr>
+            <a:lstStyle/>
+            <a:p>
+              <a:pPr marL="0" marR="0" lvl="0" indent="0" algn="l" defTabSz="914400" rtl="0" eaLnBrk="0" fontAlgn="base" latinLnBrk="0" hangingPunct="0">
+                <a:lnSpc>
+                  <a:spcPct val="100000"/>
+                </a:lnSpc>
+                <a:spcBef>
+                  <a:spcPct val="0"/>
+                </a:spcBef>
+                <a:spcAft>
+                  <a:spcPct val="0"/>
+                </a:spcAft>
+                <a:buClrTx/>
+                <a:buSzTx/>
+                <a:buFontTx/>
+                <a:buNone/>
+                <a:tabLst/>
+              </a:pPr>
+              <a:r>
+                <a:rPr kumimoji="0" lang="en-US" altLang="en-US" sz="800" b="1" i="0" u="none" strike="noStrike" cap="none" normalizeH="0" baseline="0" smtClean="0">
+                  <a:ln>
+                    <a:noFill/>
+                  </a:ln>
+                  <a:solidFill>
+                    <a:srgbClr val="444444"/>
+                  </a:solidFill>
+                  <a:effectLst/>
+                  <a:latin typeface="Segoe UI" panose="020B0502040204020203" pitchFamily="34" charset="0"/>
+                  <a:cs typeface="Segoe UI" panose="020B0502040204020203" pitchFamily="34" charset="0"/>
+                </a:rPr>
+                <a:t>Final report</a:t>
+              </a:r>
+              <a:r>
+                <a:rPr kumimoji="0" lang="en-US" altLang="en-US" sz="800" b="0" i="0" u="none" strike="noStrike" cap="none" normalizeH="0" baseline="0" smtClean="0">
+                  <a:ln>
+                    <a:noFill/>
+                  </a:ln>
+                  <a:solidFill>
+                    <a:schemeClr val="tx1"/>
+                  </a:solidFill>
+                  <a:effectLst/>
+                </a:rPr>
+                <a:t/>
+              </a:r>
+              <a:br>
+                <a:rPr kumimoji="0" lang="en-US" altLang="en-US" sz="800" b="0" i="0" u="none" strike="noStrike" cap="none" normalizeH="0" baseline="0" smtClean="0">
+                  <a:ln>
+                    <a:noFill/>
+                  </a:ln>
+                  <a:solidFill>
+                    <a:schemeClr val="tx1"/>
+                  </a:solidFill>
+                  <a:effectLst/>
+                </a:rPr>
+              </a:br>
+              <a:r>
+                <a:rPr kumimoji="0" lang="en-US" altLang="en-US" sz="800" b="0" i="0" u="none" strike="noStrike" cap="none" normalizeH="0" baseline="0" smtClean="0">
+                  <a:ln>
+                    <a:noFill/>
+                  </a:ln>
+                  <a:solidFill>
+                    <a:srgbClr val="444444"/>
+                  </a:solidFill>
+                  <a:effectLst/>
+                  <a:latin typeface="Segoe UI" panose="020B0502040204020203" pitchFamily="34" charset="0"/>
+                  <a:cs typeface="Segoe UI" panose="020B0502040204020203" pitchFamily="34" charset="0"/>
+                </a:rPr>
+                <a:t>Tue 25.08.20 - Mon 07.09.20</a:t>
+              </a:r>
+              <a:endParaRPr kumimoji="0" lang="en-US" altLang="en-US" sz="1800" b="0" i="0" u="none" strike="noStrike" cap="none" normalizeH="0" baseline="0" smtClean="0">
+                <a:ln>
+                  <a:noFill/>
+                </a:ln>
+                <a:solidFill>
+                  <a:schemeClr val="tx1"/>
+                </a:solidFill>
+                <a:effectLst/>
+                <a:latin typeface="Arial" panose="020B0604020202020204" pitchFamily="34" charset="0"/>
+              </a:endParaRPr>
+            </a:p>
+          </p:txBody>
+        </p:sp>
+        <p:sp>
+          <p:nvSpPr>
+            <p:cNvPr id="24" name="AutoShape 29"/>
+            <p:cNvSpPr>
+              <a:spLocks noChangeArrowheads="1"/>
+            </p:cNvSpPr>
+            <p:nvPr/>
+          </p:nvSpPr>
+          <p:spPr bwMode="auto">
+            <a:xfrm>
+              <a:off x="-64" y="-60"/>
+              <a:ext cx="1834" cy="295"/>
             </a:xfrm>
             <a:custGeom>
               <a:avLst/>
               <a:gdLst>
-                <a:gd name="T0" fmla="+- 0 643 -41"/>
-                <a:gd name="T1" fmla="*/ T0 w 874"/>
+                <a:gd name="T0" fmla="+- 0 1424 -64"/>
+                <a:gd name="T1" fmla="*/ T0 w 1834"/>
                 <a:gd name="T2" fmla="+- 0 0 -60"/>
                 <a:gd name="T3" fmla="*/ 0 h 295"/>
-                <a:gd name="T4" fmla="+- 0 643 -41"/>
-                <a:gd name="T5" fmla="*/ T4 w 874"/>
+                <a:gd name="T4" fmla="+- 0 1424 -64"/>
+                <a:gd name="T5" fmla="*/ T4 w 1834"/>
                 <a:gd name="T6" fmla="+- 0 -16 -60"/>
                 <a:gd name="T7" fmla="*/ -16 h 295"/>
-                <a:gd name="T8" fmla="+- 0 643 -41"/>
-                <a:gd name="T9" fmla="*/ T8 w 874"/>
+                <a:gd name="T8" fmla="+- 0 1424 -64"/>
+                <a:gd name="T9" fmla="*/ T8 w 1834"/>
                 <a:gd name="T10" fmla="+- 0 -17 -60"/>
                 <a:gd name="T11" fmla="*/ -17 h 295"/>
-                <a:gd name="T12" fmla="+- 0 647 -41"/>
-                <a:gd name="T13" fmla="*/ T12 w 874"/>
+                <a:gd name="T12" fmla="+- 0 1428 -64"/>
+                <a:gd name="T13" fmla="*/ T12 w 1834"/>
                 <a:gd name="T14" fmla="+- 0 -20 -60"/>
                 <a:gd name="T15" fmla="*/ -20 h 295"/>
-                <a:gd name="T16" fmla="+- 0 665 -41"/>
-                <a:gd name="T17" fmla="*/ T16 w 874"/>
+                <a:gd name="T16" fmla="+- 0 1482 -64"/>
+                <a:gd name="T17" fmla="*/ T16 w 1834"/>
                 <a:gd name="T18" fmla="+- 0 -20 -60"/>
                 <a:gd name="T19" fmla="*/ -20 h 295"/>
-                <a:gd name="T20" fmla="+- 0 665 -41"/>
-                <a:gd name="T21" fmla="*/ T20 w 874"/>
+                <a:gd name="T20" fmla="+- 0 1482 -64"/>
+                <a:gd name="T21" fmla="*/ T20 w 1834"/>
                 <a:gd name="T22" fmla="+- 0 -20 -60"/>
                 <a:gd name="T23" fmla="*/ -20 h 295"/>
-                <a:gd name="T24" fmla="+- 0 669 -41"/>
-                <a:gd name="T25" fmla="*/ T24 w 874"/>
+                <a:gd name="T24" fmla="+- 0 1486 -64"/>
+                <a:gd name="T25" fmla="*/ T24 w 1834"/>
                 <a:gd name="T26" fmla="+- 0 -16 -60"/>
                 <a:gd name="T27" fmla="*/ -16 h 295"/>
-                <a:gd name="T28" fmla="+- 0 669 -41"/>
-                <a:gd name="T29" fmla="*/ T28 w 874"/>
+                <a:gd name="T28" fmla="+- 0 1486 -64"/>
+                <a:gd name="T29" fmla="*/ T28 w 1834"/>
                 <a:gd name="T30" fmla="+- 0 0 -60"/>
                 <a:gd name="T31" fmla="*/ 0 h 295"/>
               </a:gdLst>
@@ -14353,34 +12070,34 @@
               </a:cxnLst>
               <a:rect l="0" t="0" r="r" b="b"/>
               <a:pathLst>
-                <a:path w="874" h="295">
+                <a:path w="1834" h="295">
                   <a:moveTo>
-                    <a:pt x="684" y="60"/>
+                    <a:pt x="1488" y="60"/>
                   </a:moveTo>
                   <a:lnTo>
-                    <a:pt x="684" y="44"/>
+                    <a:pt x="1488" y="44"/>
                   </a:lnTo>
                   <a:moveTo>
-                    <a:pt x="684" y="43"/>
+                    <a:pt x="1488" y="43"/>
                   </a:moveTo>
                   <a:cubicBezTo>
-                    <a:pt x="684" y="41"/>
-                    <a:pt x="685" y="39"/>
-                    <a:pt x="688" y="40"/>
+                    <a:pt x="1488" y="41"/>
+                    <a:pt x="1489" y="39"/>
+                    <a:pt x="1492" y="40"/>
                   </a:cubicBezTo>
                   <a:lnTo>
-                    <a:pt x="706" y="40"/>
+                    <a:pt x="1546" y="40"/>
                   </a:lnTo>
                   <a:moveTo>
-                    <a:pt x="706" y="40"/>
+                    <a:pt x="1546" y="40"/>
                   </a:moveTo>
                   <a:cubicBezTo>
-                    <a:pt x="708" y="40"/>
-                    <a:pt x="710" y="41"/>
-                    <a:pt x="710" y="44"/>
+                    <a:pt x="1548" y="40"/>
+                    <a:pt x="1550" y="41"/>
+                    <a:pt x="1550" y="44"/>
                   </a:cubicBezTo>
                   <a:lnTo>
-                    <a:pt x="710" y="60"/>
+                    <a:pt x="1550" y="60"/>
                   </a:lnTo>
                 </a:path>
               </a:pathLst>
@@ -14411,7 +12128,7 @@
         </p:sp>
         <p:sp>
           <p:nvSpPr>
-            <p:cNvPr id="120" name="Freeform 95"/>
+            <p:cNvPr id="25" name="Freeform 28"/>
             <p:cNvSpPr>
               <a:spLocks noChangeArrowheads="1"/>
             </p:cNvSpPr>
@@ -14419,7 +12136,7 @@
           </p:nvSpPr>
           <p:spPr bwMode="auto">
             <a:xfrm>
-              <a:off x="656" y="-25"/>
+              <a:off x="1455" y="-25"/>
               <a:ext cx="0" cy="5"/>
             </a:xfrm>
             <a:custGeom>
@@ -14476,7 +12193,7 @@
         </p:sp>
         <p:sp>
           <p:nvSpPr>
-            <p:cNvPr id="121" name="Rectangle 94" descr="Final test with 2nd PCB&#10;Thu 20.08.20 - Mon 24.08.20"/>
+            <p:cNvPr id="26" name="Rectangle 27" descr="Final test with 2nd PCB&#10;Thu 20.08.20 - Mon 24.08.20"/>
             <p:cNvSpPr>
               <a:spLocks noChangeArrowheads="1"/>
             </p:cNvSpPr>
@@ -14484,7 +12201,7 @@
           </p:nvSpPr>
           <p:spPr bwMode="auto">
             <a:xfrm>
-              <a:off x="583" y="-59"/>
+              <a:off x="1382" y="-101"/>
               <a:ext cx="146" cy="34"/>
             </a:xfrm>
             <a:prstGeom prst="rect">
@@ -14539,7 +12256,7 @@
                 <a:tabLst/>
               </a:pPr>
               <a:r>
-                <a:rPr kumimoji="0" lang="en-US" altLang="en-US" sz="800" b="1" i="0" u="none" strike="noStrike" cap="none" normalizeH="0" baseline="0" smtClean="0">
+                <a:rPr kumimoji="0" lang="en-US" altLang="en-US" sz="800" b="1" i="0" u="none" strike="noStrike" cap="none" normalizeH="0" baseline="0" dirty="0" smtClean="0">
                   <a:ln>
                     <a:noFill/>
                   </a:ln>
@@ -14553,7 +12270,7 @@
                 <a:t>Final test with 2nd PCB</a:t>
               </a:r>
               <a:r>
-                <a:rPr kumimoji="0" lang="en-US" altLang="en-US" sz="800" b="0" i="0" u="none" strike="noStrike" cap="none" normalizeH="0" baseline="0" smtClean="0">
+                <a:rPr kumimoji="0" lang="en-US" altLang="en-US" sz="800" b="0" i="0" u="none" strike="noStrike" cap="none" normalizeH="0" baseline="0" dirty="0" smtClean="0">
                   <a:ln>
                     <a:noFill/>
                   </a:ln>
@@ -14565,7 +12282,7 @@
                 <a:t/>
               </a:r>
               <a:br>
-                <a:rPr kumimoji="0" lang="en-US" altLang="en-US" sz="800" b="0" i="0" u="none" strike="noStrike" cap="none" normalizeH="0" baseline="0" smtClean="0">
+                <a:rPr kumimoji="0" lang="en-US" altLang="en-US" sz="800" b="0" i="0" u="none" strike="noStrike" cap="none" normalizeH="0" baseline="0" dirty="0" smtClean="0">
                   <a:ln>
                     <a:noFill/>
                   </a:ln>
@@ -14576,7 +12293,7 @@
                 </a:rPr>
               </a:br>
               <a:r>
-                <a:rPr kumimoji="0" lang="en-US" altLang="en-US" sz="800" b="0" i="0" u="none" strike="noStrike" cap="none" normalizeH="0" baseline="0" smtClean="0">
+                <a:rPr kumimoji="0" lang="en-US" altLang="en-US" sz="800" b="0" i="0" u="none" strike="noStrike" cap="none" normalizeH="0" baseline="0" dirty="0" smtClean="0">
                   <a:ln>
                     <a:noFill/>
                   </a:ln>
@@ -14589,7 +12306,7 @@
                 </a:rPr>
                 <a:t>Thu 20.08.20 - Mon 24.08.20</a:t>
               </a:r>
-              <a:endParaRPr kumimoji="0" lang="en-US" altLang="en-US" sz="1800" b="0" i="0" u="none" strike="noStrike" cap="none" normalizeH="0" baseline="0" smtClean="0">
+              <a:endParaRPr kumimoji="0" lang="en-US" altLang="en-US" sz="1800" b="0" i="0" u="none" strike="noStrike" cap="none" normalizeH="0" baseline="0" dirty="0" smtClean="0">
                 <a:ln>
                   <a:noFill/>
                 </a:ln>
@@ -14604,7 +12321,7 @@
         </p:sp>
         <p:grpSp>
           <p:nvGrpSpPr>
-            <p:cNvPr id="122" name="Group 91"/>
+            <p:cNvPr id="27" name="Group 24"/>
             <p:cNvGrpSpPr>
               <a:grpSpLocks/>
             </p:cNvGrpSpPr>
@@ -14612,7 +12329,7 @@
           </p:nvGrpSpPr>
           <p:grpSpPr bwMode="auto">
             <a:xfrm>
-              <a:off x="44" y="130"/>
+              <a:off x="16" y="130"/>
               <a:ext cx="18" cy="18"/>
               <a:chOff x="0" y="0"/>
               <a:chExt cx="100" cy="100"/>
@@ -14620,7 +12337,7 @@
           </p:grpSpPr>
           <p:sp>
             <p:nvSpPr>
-              <p:cNvPr id="145" name="Freeform 93"/>
+              <p:cNvPr id="50" name="Freeform 26"/>
               <p:cNvSpPr>
                 <a:spLocks noChangeArrowheads="1"/>
               </p:cNvSpPr>
@@ -14717,7 +12434,7 @@
           </p:sp>
           <p:sp>
             <p:nvSpPr>
-              <p:cNvPr id="146" name="Freeform 92"/>
+              <p:cNvPr id="51" name="Freeform 25"/>
               <p:cNvSpPr>
                 <a:spLocks noChangeArrowheads="1"/>
               </p:cNvSpPr>
@@ -14808,7 +12525,7 @@
         </p:grpSp>
         <p:sp>
           <p:nvSpPr>
-            <p:cNvPr id="123" name="Freeform 90"/>
+            <p:cNvPr id="28" name="Freeform 23"/>
             <p:cNvSpPr>
               <a:spLocks noChangeArrowheads="1"/>
             </p:cNvSpPr>
@@ -14816,7 +12533,7 @@
           </p:nvSpPr>
           <p:spPr bwMode="auto">
             <a:xfrm>
-              <a:off x="53" y="143"/>
+              <a:off x="25" y="143"/>
               <a:ext cx="0" cy="20"/>
             </a:xfrm>
             <a:custGeom>
@@ -14873,7 +12590,7 @@
         </p:sp>
         <p:sp>
           <p:nvSpPr>
-            <p:cNvPr id="124" name="Rectangle 89" descr="Kick-Off Meeting&#10;Wed 29.04.20"/>
+            <p:cNvPr id="29" name="Rectangle 22" descr="Kick-Off Meeting&#10;Wed 29.04.20"/>
             <p:cNvSpPr>
               <a:spLocks noChangeArrowheads="1"/>
             </p:cNvSpPr>
@@ -14881,7 +12598,7 @@
           </p:nvSpPr>
           <p:spPr bwMode="auto">
             <a:xfrm>
-              <a:off x="1" y="163"/>
+              <a:off x="-27" y="163"/>
               <a:ext cx="105" cy="36"/>
             </a:xfrm>
             <a:prstGeom prst="rect">
@@ -15001,7 +12718,7 @@
         </p:sp>
         <p:grpSp>
           <p:nvGrpSpPr>
-            <p:cNvPr id="125" name="Group 86"/>
+            <p:cNvPr id="30" name="Group 19"/>
             <p:cNvGrpSpPr>
               <a:grpSpLocks/>
             </p:cNvGrpSpPr>
@@ -15009,7 +12726,7 @@
           </p:nvGrpSpPr>
           <p:grpSpPr bwMode="auto">
             <a:xfrm>
-              <a:off x="223" y="130"/>
+              <a:off x="437" y="130"/>
               <a:ext cx="18" cy="18"/>
               <a:chOff x="0" y="0"/>
               <a:chExt cx="100" cy="100"/>
@@ -15017,7 +12734,7 @@
           </p:grpSpPr>
           <p:sp>
             <p:nvSpPr>
-              <p:cNvPr id="143" name="Freeform 88"/>
+              <p:cNvPr id="48" name="Freeform 21"/>
               <p:cNvSpPr>
                 <a:spLocks noChangeArrowheads="1"/>
               </p:cNvSpPr>
@@ -15114,7 +12831,7 @@
           </p:sp>
           <p:sp>
             <p:nvSpPr>
-              <p:cNvPr id="144" name="Freeform 87"/>
+              <p:cNvPr id="49" name="Freeform 20"/>
               <p:cNvSpPr>
                 <a:spLocks noChangeArrowheads="1"/>
               </p:cNvSpPr>
@@ -15205,7 +12922,7 @@
         </p:grpSp>
         <p:sp>
           <p:nvSpPr>
-            <p:cNvPr id="126" name="Freeform 85"/>
+            <p:cNvPr id="31" name="Freeform 18"/>
             <p:cNvSpPr>
               <a:spLocks noChangeArrowheads="1"/>
             </p:cNvSpPr>
@@ -15213,7 +12930,7 @@
           </p:nvSpPr>
           <p:spPr bwMode="auto">
             <a:xfrm>
-              <a:off x="232" y="143"/>
+              <a:off x="446" y="143"/>
               <a:ext cx="0" cy="20"/>
             </a:xfrm>
             <a:custGeom>
@@ -15270,7 +12987,7 @@
         </p:sp>
         <p:sp>
           <p:nvSpPr>
-            <p:cNvPr id="127" name="Rectangle 84" descr="Report of tests with 1st PCB&#10;Tue 02.06.20"/>
+            <p:cNvPr id="32" name="Rectangle 17" descr="Report of tests with 1st PCB&#10;Tue 02.06.20"/>
             <p:cNvSpPr>
               <a:spLocks noChangeArrowheads="1"/>
             </p:cNvSpPr>
@@ -15278,7 +12995,7 @@
           </p:nvSpPr>
           <p:spPr bwMode="auto">
             <a:xfrm>
-              <a:off x="162" y="163"/>
+              <a:off x="376" y="163"/>
               <a:ext cx="141" cy="54"/>
             </a:xfrm>
             <a:prstGeom prst="rect">
@@ -15398,7 +13115,7 @@
         </p:sp>
         <p:grpSp>
           <p:nvGrpSpPr>
-            <p:cNvPr id="128" name="Group 81"/>
+            <p:cNvPr id="33" name="Group 14"/>
             <p:cNvGrpSpPr>
               <a:grpSpLocks/>
             </p:cNvGrpSpPr>
@@ -15406,7 +13123,7 @@
           </p:nvGrpSpPr>
           <p:grpSpPr bwMode="auto">
             <a:xfrm>
-              <a:off x="344" y="130"/>
+              <a:off x="722" y="130"/>
               <a:ext cx="18" cy="18"/>
               <a:chOff x="0" y="0"/>
               <a:chExt cx="100" cy="100"/>
@@ -15414,7 +13131,7 @@
           </p:grpSpPr>
           <p:sp>
             <p:nvSpPr>
-              <p:cNvPr id="141" name="Freeform 83"/>
+              <p:cNvPr id="46" name="Freeform 16"/>
               <p:cNvSpPr>
                 <a:spLocks noChangeArrowheads="1"/>
               </p:cNvSpPr>
@@ -15511,7 +13228,7 @@
           </p:sp>
           <p:sp>
             <p:nvSpPr>
-              <p:cNvPr id="142" name="Freeform 82"/>
+              <p:cNvPr id="47" name="Freeform 15"/>
               <p:cNvSpPr>
                 <a:spLocks noChangeArrowheads="1"/>
               </p:cNvSpPr>
@@ -15602,7 +13319,7 @@
         </p:grpSp>
         <p:sp>
           <p:nvSpPr>
-            <p:cNvPr id="129" name="Freeform 80"/>
+            <p:cNvPr id="34" name="Freeform 13"/>
             <p:cNvSpPr>
               <a:spLocks noChangeArrowheads="1"/>
             </p:cNvSpPr>
@@ -15610,7 +13327,7 @@
           </p:nvSpPr>
           <p:spPr bwMode="auto">
             <a:xfrm>
-              <a:off x="353" y="143"/>
+              <a:off x="731" y="143"/>
               <a:ext cx="0" cy="20"/>
             </a:xfrm>
             <a:custGeom>
@@ -15667,7 +13384,7 @@
         </p:sp>
         <p:sp>
           <p:nvSpPr>
-            <p:cNvPr id="130" name="Rectangle 79" descr="Report of tests with EtherCAT comm/control features&#10;Thu 25.06.20"/>
+            <p:cNvPr id="35" name="Rectangle 12" descr="Report of tests with EtherCAT comm/control features&#10;Thu 25.06.20"/>
             <p:cNvSpPr>
               <a:spLocks noChangeArrowheads="1"/>
             </p:cNvSpPr>
@@ -15675,7 +13392,7 @@
           </p:nvSpPr>
           <p:spPr bwMode="auto">
             <a:xfrm>
-              <a:off x="280" y="163"/>
+              <a:off x="658" y="163"/>
               <a:ext cx="147" cy="71"/>
             </a:xfrm>
             <a:prstGeom prst="rect">
@@ -15795,7 +13512,7 @@
         </p:sp>
         <p:grpSp>
           <p:nvGrpSpPr>
-            <p:cNvPr id="131" name="Group 76"/>
+            <p:cNvPr id="36" name="Group 9"/>
             <p:cNvGrpSpPr>
               <a:grpSpLocks/>
             </p:cNvGrpSpPr>
@@ -15803,7 +13520,7 @@
           </p:nvGrpSpPr>
           <p:grpSpPr bwMode="auto">
             <a:xfrm>
-              <a:off x="523" y="130"/>
+              <a:off x="1142" y="130"/>
               <a:ext cx="18" cy="18"/>
               <a:chOff x="0" y="0"/>
               <a:chExt cx="100" cy="100"/>
@@ -15811,7 +13528,7 @@
           </p:grpSpPr>
           <p:sp>
             <p:nvSpPr>
-              <p:cNvPr id="139" name="Freeform 78"/>
+              <p:cNvPr id="44" name="Freeform 11"/>
               <p:cNvSpPr>
                 <a:spLocks noChangeArrowheads="1"/>
               </p:cNvSpPr>
@@ -15908,7 +13625,7 @@
           </p:sp>
           <p:sp>
             <p:nvSpPr>
-              <p:cNvPr id="140" name="Freeform 77"/>
+              <p:cNvPr id="45" name="Freeform 10"/>
               <p:cNvSpPr>
                 <a:spLocks noChangeArrowheads="1"/>
               </p:cNvSpPr>
@@ -15999,7 +13716,7 @@
         </p:grpSp>
         <p:sp>
           <p:nvSpPr>
-            <p:cNvPr id="132" name="Freeform 75"/>
+            <p:cNvPr id="37" name="Freeform 8"/>
             <p:cNvSpPr>
               <a:spLocks noChangeArrowheads="1"/>
             </p:cNvSpPr>
@@ -16007,7 +13724,7 @@
           </p:nvSpPr>
           <p:spPr bwMode="auto">
             <a:xfrm>
-              <a:off x="532" y="143"/>
+              <a:off x="1151" y="143"/>
               <a:ext cx="0" cy="20"/>
             </a:xfrm>
             <a:custGeom>
@@ -16064,7 +13781,7 @@
         </p:sp>
         <p:sp>
           <p:nvSpPr>
-            <p:cNvPr id="133" name="Rectangle 74" descr="Report of tests with EtherCAT data features&#10;Wed 29.07.20"/>
+            <p:cNvPr id="38" name="Rectangle 7" descr="Report of tests with EtherCAT data features&#10;Wed 29.07.20"/>
             <p:cNvSpPr>
               <a:spLocks noChangeArrowheads="1"/>
             </p:cNvSpPr>
@@ -16072,7 +13789,7 @@
           </p:nvSpPr>
           <p:spPr bwMode="auto">
             <a:xfrm>
-              <a:off x="462" y="163"/>
+              <a:off x="1081" y="163"/>
               <a:ext cx="140" cy="54"/>
             </a:xfrm>
             <a:prstGeom prst="rect">
@@ -16192,7 +13909,7 @@
         </p:sp>
         <p:grpSp>
           <p:nvGrpSpPr>
-            <p:cNvPr id="134" name="Group 71"/>
+            <p:cNvPr id="39" name="Group 4"/>
             <p:cNvGrpSpPr>
               <a:grpSpLocks/>
             </p:cNvGrpSpPr>
@@ -16200,7 +13917,7 @@
           </p:nvGrpSpPr>
           <p:grpSpPr bwMode="auto">
             <a:xfrm>
-              <a:off x="671" y="130"/>
+              <a:off x="1650" y="130"/>
               <a:ext cx="18" cy="18"/>
               <a:chOff x="0" y="0"/>
               <a:chExt cx="100" cy="100"/>
@@ -16208,7 +13925,7 @@
           </p:grpSpPr>
           <p:sp>
             <p:nvSpPr>
-              <p:cNvPr id="137" name="Freeform 73"/>
+              <p:cNvPr id="42" name="Freeform 6"/>
               <p:cNvSpPr>
                 <a:spLocks noChangeArrowheads="1"/>
               </p:cNvSpPr>
@@ -16305,7 +14022,7 @@
           </p:sp>
           <p:sp>
             <p:nvSpPr>
-              <p:cNvPr id="138" name="Freeform 72"/>
+              <p:cNvPr id="43" name="Freeform 5"/>
               <p:cNvSpPr>
                 <a:spLocks noChangeArrowheads="1"/>
               </p:cNvSpPr>
@@ -16396,7 +14113,7 @@
         </p:grpSp>
         <p:sp>
           <p:nvSpPr>
-            <p:cNvPr id="135" name="Freeform 70"/>
+            <p:cNvPr id="40" name="Freeform 3"/>
             <p:cNvSpPr>
               <a:spLocks noChangeArrowheads="1"/>
             </p:cNvSpPr>
@@ -16404,7 +14121,7 @@
           </p:nvSpPr>
           <p:spPr bwMode="auto">
             <a:xfrm>
-              <a:off x="680" y="143"/>
+              <a:off x="1659" y="143"/>
               <a:ext cx="0" cy="20"/>
             </a:xfrm>
             <a:custGeom>
@@ -16461,7 +14178,7 @@
         </p:sp>
         <p:sp>
           <p:nvSpPr>
-            <p:cNvPr id="136" name="Rectangle 69" descr="Final presentation&#10;Wed 26.08.20"/>
+            <p:cNvPr id="41" name="Rectangle 2" descr="Final presentation&#10;Mon 07.09.20"/>
             <p:cNvSpPr>
               <a:spLocks noChangeArrowheads="1"/>
             </p:cNvSpPr>
@@ -16469,8 +14186,8 @@
           </p:nvSpPr>
           <p:spPr bwMode="auto">
             <a:xfrm>
-              <a:off x="625" y="163"/>
-              <a:ext cx="110" cy="36"/>
+              <a:off x="1604" y="163"/>
+              <a:ext cx="145" cy="36"/>
             </a:xfrm>
             <a:prstGeom prst="rect">
               <a:avLst/>
@@ -16524,7 +14241,7 @@
                 <a:tabLst/>
               </a:pPr>
               <a:r>
-                <a:rPr kumimoji="0" lang="en-US" altLang="en-US" sz="1000" b="0" i="0" u="none" strike="noStrike" cap="none" normalizeH="0" baseline="0" smtClean="0">
+                <a:rPr kumimoji="0" lang="en-US" altLang="en-US" sz="1000" b="0" i="0" u="none" strike="noStrike" cap="none" normalizeH="0" baseline="0" dirty="0" smtClean="0">
                   <a:ln>
                     <a:noFill/>
                   </a:ln>
@@ -16538,7 +14255,7 @@
                 <a:t>Final presentation</a:t>
               </a:r>
               <a:r>
-                <a:rPr kumimoji="0" lang="en-US" altLang="en-US" sz="800" b="0" i="0" u="none" strike="noStrike" cap="none" normalizeH="0" baseline="0" smtClean="0">
+                <a:rPr kumimoji="0" lang="en-US" altLang="en-US" sz="800" b="0" i="0" u="none" strike="noStrike" cap="none" normalizeH="0" baseline="0" dirty="0" smtClean="0">
                   <a:ln>
                     <a:noFill/>
                   </a:ln>
@@ -16550,7 +14267,7 @@
                 <a:t/>
               </a:r>
               <a:br>
-                <a:rPr kumimoji="0" lang="en-US" altLang="en-US" sz="800" b="0" i="0" u="none" strike="noStrike" cap="none" normalizeH="0" baseline="0" smtClean="0">
+                <a:rPr kumimoji="0" lang="en-US" altLang="en-US" sz="800" b="0" i="0" u="none" strike="noStrike" cap="none" normalizeH="0" baseline="0" dirty="0" smtClean="0">
                   <a:ln>
                     <a:noFill/>
                   </a:ln>
@@ -16561,7 +14278,7 @@
                 </a:rPr>
               </a:br>
               <a:r>
-                <a:rPr kumimoji="0" lang="en-US" altLang="en-US" sz="800" b="0" i="0" u="none" strike="noStrike" cap="none" normalizeH="0" baseline="0" smtClean="0">
+                <a:rPr kumimoji="0" lang="en-US" altLang="en-US" sz="800" b="0" i="0" u="none" strike="noStrike" cap="none" normalizeH="0" baseline="0" dirty="0" smtClean="0">
                   <a:ln>
                     <a:noFill/>
                   </a:ln>
@@ -16572,9 +14289,9 @@
                   <a:latin typeface="Segoe UI" panose="020B0502040204020203" pitchFamily="34" charset="0"/>
                   <a:cs typeface="Segoe UI" panose="020B0502040204020203" pitchFamily="34" charset="0"/>
                 </a:rPr>
-                <a:t>Wed 26.08.20</a:t>
+                <a:t>Mon 07.09.20</a:t>
               </a:r>
-              <a:endParaRPr kumimoji="0" lang="en-US" altLang="en-US" sz="1800" b="0" i="0" u="none" strike="noStrike" cap="none" normalizeH="0" baseline="0" smtClean="0">
+              <a:endParaRPr kumimoji="0" lang="en-US" altLang="en-US" sz="1800" b="0" i="0" u="none" strike="noStrike" cap="none" normalizeH="0" baseline="0" dirty="0" smtClean="0">
                 <a:ln>
                   <a:noFill/>
                 </a:ln>
@@ -16592,6 +14309,101 @@
     <p:extLst>
       <p:ext uri="{BB962C8B-B14F-4D97-AF65-F5344CB8AC3E}">
         <p14:creationId xmlns:p14="http://schemas.microsoft.com/office/powerpoint/2010/main" val="278186358"/>
+      </p:ext>
+    </p:extLst>
+  </p:cSld>
+  <p:clrMapOvr>
+    <a:masterClrMapping/>
+  </p:clrMapOvr>
+  <p:timing>
+    <p:tnLst>
+      <p:par>
+        <p:cTn id="1" dur="indefinite" restart="never" nodeType="tmRoot"/>
+      </p:par>
+    </p:tnLst>
+  </p:timing>
+</p:sld>
+</file>
+
+<file path=ppt/slides/slide9.xml><?xml version="1.0" encoding="utf-8"?>
+<p:sld xmlns:a="http://schemas.openxmlformats.org/drawingml/2006/main" xmlns:r="http://schemas.openxmlformats.org/officeDocument/2006/relationships" xmlns:p="http://schemas.openxmlformats.org/presentationml/2006/main">
+  <p:cSld>
+    <p:spTree>
+      <p:nvGrpSpPr>
+        <p:cNvPr id="1" name=""/>
+        <p:cNvGrpSpPr/>
+        <p:nvPr/>
+      </p:nvGrpSpPr>
+      <p:grpSpPr>
+        <a:xfrm>
+          <a:off x="0" y="0"/>
+          <a:ext cx="0" cy="0"/>
+          <a:chOff x="0" y="0"/>
+          <a:chExt cx="0" cy="0"/>
+        </a:xfrm>
+      </p:grpSpPr>
+      <p:sp>
+        <p:nvSpPr>
+          <p:cNvPr id="2" name="Title 1"/>
+          <p:cNvSpPr>
+            <a:spLocks noGrp="1"/>
+          </p:cNvSpPr>
+          <p:nvPr>
+            <p:ph type="title"/>
+          </p:nvPr>
+        </p:nvSpPr>
+        <p:spPr>
+          <a:xfrm>
+            <a:off x="5073798" y="4224579"/>
+            <a:ext cx="6726690" cy="1797281"/>
+          </a:xfrm>
+        </p:spPr>
+        <p:txBody>
+          <a:bodyPr>
+            <a:normAutofit/>
+          </a:bodyPr>
+          <a:lstStyle/>
+          <a:p>
+            <a:r>
+              <a:rPr lang="en-US" sz="4400" dirty="0" err="1" smtClean="0"/>
+              <a:t>Dankeschön</a:t>
+            </a:r>
+            <a:r>
+              <a:rPr lang="en-US" sz="4400" dirty="0" smtClean="0"/>
+              <a:t> </a:t>
+            </a:r>
+            <a:r>
+              <a:rPr lang="en-US" sz="4400" dirty="0" err="1" smtClean="0"/>
+              <a:t>für</a:t>
+            </a:r>
+            <a:r>
+              <a:rPr lang="en-US" sz="4400" dirty="0" smtClean="0"/>
+              <a:t> </a:t>
+            </a:r>
+            <a:r>
+              <a:rPr lang="en-US" sz="4400" dirty="0" err="1" smtClean="0"/>
+              <a:t>Ihre</a:t>
+            </a:r>
+            <a:r>
+              <a:rPr lang="en-US" sz="4400" dirty="0" smtClean="0"/>
+              <a:t> </a:t>
+            </a:r>
+            <a:r>
+              <a:rPr lang="en-US" sz="4400" dirty="0" err="1" smtClean="0"/>
+              <a:t>Aufmerksamkeit</a:t>
+            </a:r>
+            <a:r>
+              <a:rPr lang="en-US" sz="4400" dirty="0" smtClean="0"/>
+              <a:t>!</a:t>
+            </a:r>
+            <a:endParaRPr lang="en-US" sz="4400" dirty="0"/>
+          </a:p>
+        </p:txBody>
+      </p:sp>
+    </p:spTree>
+    <p:extLst>
+      <p:ext uri="{BB962C8B-B14F-4D97-AF65-F5344CB8AC3E}">
+        <p14:creationId xmlns:p14="http://schemas.microsoft.com/office/powerpoint/2010/main" val="242311688"/>
       </p:ext>
     </p:extLst>
   </p:cSld>
